--- a/RecSysStudy/Recommender System ch.3.6.5~.pptx
+++ b/RecSysStudy/Recommender System ch.3.6.5~.pptx
@@ -5,7 +5,7 @@
     <p:sldMasterId id="2147483653" r:id="rId1"/>
   </p:sldMasterIdLst>
   <p:notesMasterIdLst>
-    <p:notesMasterId r:id="rId24"/>
+    <p:notesMasterId r:id="rId27"/>
   </p:notesMasterIdLst>
   <p:sldIdLst>
     <p:sldId id="257" r:id="rId2"/>
@@ -20,16 +20,19 @@
     <p:sldId id="284" r:id="rId11"/>
     <p:sldId id="285" r:id="rId12"/>
     <p:sldId id="286" r:id="rId13"/>
-    <p:sldId id="289" r:id="rId14"/>
-    <p:sldId id="288" r:id="rId15"/>
-    <p:sldId id="290" r:id="rId16"/>
-    <p:sldId id="295" r:id="rId17"/>
-    <p:sldId id="291" r:id="rId18"/>
-    <p:sldId id="292" r:id="rId19"/>
-    <p:sldId id="293" r:id="rId20"/>
-    <p:sldId id="294" r:id="rId21"/>
-    <p:sldId id="296" r:id="rId22"/>
-    <p:sldId id="261" r:id="rId23"/>
+    <p:sldId id="297" r:id="rId14"/>
+    <p:sldId id="298" r:id="rId15"/>
+    <p:sldId id="299" r:id="rId16"/>
+    <p:sldId id="289" r:id="rId17"/>
+    <p:sldId id="288" r:id="rId18"/>
+    <p:sldId id="290" r:id="rId19"/>
+    <p:sldId id="295" r:id="rId20"/>
+    <p:sldId id="291" r:id="rId21"/>
+    <p:sldId id="292" r:id="rId22"/>
+    <p:sldId id="293" r:id="rId23"/>
+    <p:sldId id="294" r:id="rId24"/>
+    <p:sldId id="296" r:id="rId25"/>
+    <p:sldId id="261" r:id="rId26"/>
   </p:sldIdLst>
   <p:sldSz cx="12192000" cy="6858000"/>
   <p:notesSz cx="6858000" cy="9144000"/>
@@ -218,7 +221,7 @@
           <a:p>
             <a:fld id="{10D429B4-BF05-4CB4-B0D2-67A8610105B3}" type="datetimeFigureOut">
               <a:rPr lang="ko-KR" altLang="en-US" smtClean="0"/>
-              <a:t>2023-02-20</a:t>
+              <a:t>2023-02-27</a:t>
             </a:fld>
             <a:endParaRPr lang="ko-KR" altLang="en-US"/>
           </a:p>
@@ -732,12 +735,20 @@
               <a:buNone/>
             </a:pPr>
             <a:r>
+              <a:rPr lang="en-US" altLang="ko-KR" dirty="0" err="1"/>
+              <a:t>Svd</a:t>
+            </a:r>
+            <a:r>
+              <a:rPr lang="en-US" altLang="ko-KR" dirty="0"/>
+              <a:t> </a:t>
+            </a:r>
+            <a:r>
               <a:rPr lang="ko-KR" altLang="en-US" dirty="0"/>
-              <a:t>비음평점 행렬에는 비음행렬 인수분해가 사용될 수 있음</a:t>
+              <a:t>예시</a:t>
             </a:r>
             <a:r>
               <a:rPr lang="en-US" altLang="ko-KR" dirty="0"/>
-              <a:t>.</a:t>
+              <a:t>..</a:t>
             </a:r>
           </a:p>
           <a:p>
@@ -746,7 +757,15 @@
             </a:pPr>
             <a:r>
               <a:rPr lang="ko-KR" altLang="en-US" dirty="0"/>
-              <a:t>이것의 장점은 유저 아이템 상호작용에 대한 높은 이해와 해석이다</a:t>
+              <a:t>첫번째는 </a:t>
+            </a:r>
+            <a:r>
+              <a:rPr lang="ko-KR" altLang="en-US" dirty="0" err="1"/>
+              <a:t>결측치를</a:t>
+            </a:r>
+            <a:r>
+              <a:rPr lang="ko-KR" altLang="en-US" dirty="0"/>
+              <a:t> 행 평균값으로 채운다</a:t>
             </a:r>
             <a:r>
               <a:rPr lang="en-US" altLang="ko-KR" dirty="0"/>
@@ -782,7 +801,7 @@
     </p:spTree>
     <p:extLst>
       <p:ext uri="{BB962C8B-B14F-4D97-AF65-F5344CB8AC3E}">
-        <p14:creationId xmlns:p14="http://schemas.microsoft.com/office/powerpoint/2010/main" val="1629408121"/>
+        <p14:creationId xmlns:p14="http://schemas.microsoft.com/office/powerpoint/2010/main" val="2357182040"/>
       </p:ext>
     </p:extLst>
   </p:cSld>
@@ -841,40 +860,19 @@
             </a:pPr>
             <a:r>
               <a:rPr lang="ko-KR" altLang="en-US" dirty="0"/>
-              <a:t>다른 </a:t>
+              <a:t>두번째는 </a:t>
             </a:r>
             <a:r>
               <a:rPr lang="en-US" altLang="ko-KR" dirty="0"/>
-              <a:t>MF </a:t>
+              <a:t>rank-2 truncated SVD</a:t>
             </a:r>
             <a:r>
               <a:rPr lang="ko-KR" altLang="en-US" dirty="0"/>
-              <a:t>방식과 가장 큰 차이는 비음수라는 거임</a:t>
+              <a:t>를 적용해본다면</a:t>
             </a:r>
             <a:r>
               <a:rPr lang="en-US" altLang="ko-KR" dirty="0"/>
-              <a:t>.</a:t>
-            </a:r>
-          </a:p>
-          <a:p>
-            <a:pPr marL="0" indent="0">
-              <a:buNone/>
-            </a:pPr>
-            <a:r>
-              <a:rPr lang="ko-KR" altLang="en-US" dirty="0"/>
-              <a:t>그렇기 때문에 비음 </a:t>
-            </a:r>
-            <a:r>
-              <a:rPr lang="en-US" altLang="ko-KR" dirty="0"/>
-              <a:t>MF</a:t>
-            </a:r>
-            <a:r>
-              <a:rPr lang="ko-KR" altLang="en-US" dirty="0"/>
-              <a:t>는 다음과 같이 최적화 문제로 표현할 수 있음</a:t>
-            </a:r>
-            <a:r>
-              <a:rPr lang="en-US" altLang="ko-KR" dirty="0"/>
-              <a:t>.</a:t>
+              <a:t>..</a:t>
             </a:r>
             <a:endParaRPr lang="ko-KR" altLang="en-US" dirty="0"/>
           </a:p>
@@ -906,7 +904,7 @@
     </p:spTree>
     <p:extLst>
       <p:ext uri="{BB962C8B-B14F-4D97-AF65-F5344CB8AC3E}">
-        <p14:creationId xmlns:p14="http://schemas.microsoft.com/office/powerpoint/2010/main" val="3175594948"/>
+        <p14:creationId xmlns:p14="http://schemas.microsoft.com/office/powerpoint/2010/main" val="2910933036"/>
       </p:ext>
     </p:extLst>
   </p:cSld>
@@ -965,74 +963,40 @@
             </a:pPr>
             <a:r>
               <a:rPr lang="ko-KR" altLang="en-US" dirty="0"/>
-              <a:t>사용자가 아이템에 대한 </a:t>
+              <a:t>이렇게 </a:t>
             </a:r>
             <a:r>
               <a:rPr lang="en-US" altLang="ko-KR" dirty="0"/>
-              <a:t>like</a:t>
+              <a:t>SVD</a:t>
             </a:r>
             <a:r>
               <a:rPr lang="ko-KR" altLang="en-US" dirty="0"/>
-              <a:t>는 표시할 수 있지만</a:t>
-            </a:r>
-            <a:r>
-              <a:rPr lang="en-US" altLang="ko-KR" dirty="0"/>
-              <a:t>, dislike</a:t>
+              <a:t>를 통해 </a:t>
+            </a:r>
+            <a:r>
+              <a:rPr lang="ko-KR" altLang="en-US" dirty="0" err="1"/>
+              <a:t>결측치를</a:t>
             </a:r>
             <a:r>
               <a:rPr lang="ko-KR" altLang="en-US" dirty="0"/>
-              <a:t>는 표시할 수 없는 시스템에서 가장 큰 해석적인 </a:t>
+              <a:t> 채웠다면 다음 반복에서 </a:t>
             </a:r>
             <a:r>
               <a:rPr lang="ko-KR" altLang="en-US" dirty="0" err="1"/>
-              <a:t>어드벤티지가</a:t>
+              <a:t>결측값에</a:t>
             </a:r>
             <a:r>
               <a:rPr lang="ko-KR" altLang="en-US" dirty="0"/>
-              <a:t> 있는 </a:t>
-            </a:r>
-            <a:r>
-              <a:rPr lang="en-US" altLang="ko-KR" dirty="0"/>
-              <a:t>MF </a:t>
+              <a:t> 해당하는 값을 이전 반복을 통해 얻은 값으로 </a:t>
+            </a:r>
+            <a:r>
+              <a:rPr lang="ko-KR" altLang="en-US" dirty="0" err="1"/>
+              <a:t>채워넣고</a:t>
             </a:r>
             <a:r>
               <a:rPr lang="ko-KR" altLang="en-US" dirty="0"/>
-              <a:t>방식임</a:t>
-            </a:r>
-            <a:r>
-              <a:rPr lang="en-US" altLang="ko-KR" dirty="0"/>
-              <a:t>.</a:t>
-            </a:r>
-          </a:p>
-          <a:p>
-            <a:pPr marL="0" indent="0">
-              <a:buNone/>
-            </a:pPr>
-            <a:r>
-              <a:rPr lang="ko-KR" altLang="en-US" dirty="0"/>
-              <a:t>이런 세팅에 </a:t>
-            </a:r>
-            <a:r>
-              <a:rPr lang="ko-KR" altLang="en-US" dirty="0" err="1"/>
-              <a:t>좋은점은</a:t>
-            </a:r>
-            <a:r>
-              <a:rPr lang="ko-KR" altLang="en-US" dirty="0"/>
-              <a:t> 미싱 데이터를 </a:t>
-            </a:r>
-            <a:r>
-              <a:rPr lang="en-US" altLang="ko-KR" dirty="0"/>
-              <a:t>0</a:t>
-            </a:r>
-            <a:r>
-              <a:rPr lang="ko-KR" altLang="en-US" dirty="0"/>
-              <a:t>로 설정하면 된다는 것이다</a:t>
-            </a:r>
-            <a:r>
-              <a:rPr lang="en-US" altLang="ko-KR" dirty="0"/>
-              <a:t>.</a:t>
-            </a:r>
-            <a:endParaRPr lang="ko-KR" altLang="en-US" dirty="0"/>
+              <a:t> 다시 반복 수행</a:t>
+            </a:r>
           </a:p>
         </p:txBody>
       </p:sp>
@@ -1062,7 +1026,7 @@
     </p:spTree>
     <p:extLst>
       <p:ext uri="{BB962C8B-B14F-4D97-AF65-F5344CB8AC3E}">
-        <p14:creationId xmlns:p14="http://schemas.microsoft.com/office/powerpoint/2010/main" val="4011891149"/>
+        <p14:creationId xmlns:p14="http://schemas.microsoft.com/office/powerpoint/2010/main" val="3712197951"/>
       </p:ext>
     </p:extLst>
   </p:cSld>
@@ -1121,23 +1085,7 @@
             </a:pPr>
             <a:r>
               <a:rPr lang="ko-KR" altLang="en-US" dirty="0"/>
-              <a:t>행렬 </a:t>
-            </a:r>
-            <a:r>
-              <a:rPr lang="en-US" altLang="ko-KR" dirty="0"/>
-              <a:t>U, V</a:t>
-            </a:r>
-            <a:r>
-              <a:rPr lang="ko-KR" altLang="en-US" dirty="0"/>
-              <a:t>를 업데이트하기 위해서는 </a:t>
-            </a:r>
-            <a:r>
-              <a:rPr lang="en-US" altLang="ko-KR" dirty="0"/>
-              <a:t>iterative</a:t>
-            </a:r>
-            <a:r>
-              <a:rPr lang="ko-KR" altLang="en-US" dirty="0"/>
-              <a:t>한 방식을 사용한다</a:t>
+              <a:t>비음평점 행렬에는 비음행렬 인수분해가 사용될 수 있음</a:t>
             </a:r>
             <a:r>
               <a:rPr lang="en-US" altLang="ko-KR" dirty="0"/>
@@ -1149,25 +1097,75 @@
               <a:buNone/>
             </a:pPr>
             <a:r>
-              <a:rPr lang="en-US" altLang="ko-KR" dirty="0"/>
-              <a:t>U, V</a:t>
-            </a:r>
-            <a:r>
               <a:rPr lang="ko-KR" altLang="en-US" dirty="0"/>
-              <a:t>에 요소 </a:t>
-            </a:r>
-            <a:r>
-              <a:rPr lang="en-US" altLang="ko-KR" dirty="0"/>
-              <a:t>u, v</a:t>
-            </a:r>
-            <a:r>
-              <a:rPr lang="ko-KR" altLang="en-US" dirty="0"/>
-              <a:t>는 다음과 같은 곱하기 업데이트 규칙을 사용한다</a:t>
+              <a:t>이것의 장점은 유저 아이템 상호작용에 대한 높은 이해와 해석이다</a:t>
             </a:r>
             <a:r>
               <a:rPr lang="en-US" altLang="ko-KR" dirty="0"/>
               <a:t>.</a:t>
             </a:r>
+          </a:p>
+          <a:p>
+            <a:pPr marL="0" indent="0">
+              <a:buNone/>
+            </a:pPr>
+            <a:r>
+              <a:rPr lang="ko-KR" altLang="en-US" dirty="0" err="1"/>
+              <a:t>예를들어</a:t>
+            </a:r>
+            <a:r>
+              <a:rPr lang="ko-KR" altLang="en-US" dirty="0"/>
+              <a:t> </a:t>
+            </a:r>
+            <a:r>
+              <a:rPr lang="en-US" altLang="ko-KR" dirty="0"/>
+              <a:t>implicit feedback</a:t>
+            </a:r>
+            <a:r>
+              <a:rPr lang="ko-KR" altLang="en-US" dirty="0"/>
+              <a:t>에서 유용</a:t>
+            </a:r>
+            <a:r>
+              <a:rPr lang="en-US" altLang="ko-KR" dirty="0"/>
+              <a:t>..</a:t>
+            </a:r>
+          </a:p>
+          <a:p>
+            <a:pPr marL="0" indent="0">
+              <a:buNone/>
+            </a:pPr>
+            <a:r>
+              <a:rPr lang="ko-KR" altLang="en-US" dirty="0"/>
+              <a:t>웹 클릭이나</a:t>
+            </a:r>
+            <a:endParaRPr lang="en-US" altLang="ko-KR" dirty="0"/>
+          </a:p>
+          <a:p>
+            <a:pPr marL="0" indent="0">
+              <a:buNone/>
+            </a:pPr>
+            <a:r>
+              <a:rPr lang="ko-KR" altLang="en-US" dirty="0" err="1"/>
+              <a:t>페북의</a:t>
+            </a:r>
+            <a:r>
+              <a:rPr lang="ko-KR" altLang="en-US" dirty="0"/>
+              <a:t> </a:t>
+            </a:r>
+            <a:r>
+              <a:rPr lang="en-US" altLang="ko-KR" dirty="0"/>
+              <a:t>like </a:t>
+            </a:r>
+            <a:r>
+              <a:rPr lang="ko-KR" altLang="en-US" dirty="0"/>
+              <a:t>버튼</a:t>
+            </a:r>
+            <a:endParaRPr lang="en-US" altLang="ko-KR" dirty="0"/>
+          </a:p>
+          <a:p>
+            <a:pPr marL="0" indent="0">
+              <a:buNone/>
+            </a:pPr>
             <a:endParaRPr lang="ko-KR" altLang="en-US" dirty="0"/>
           </a:p>
         </p:txBody>
@@ -1198,7 +1196,7 @@
     </p:spTree>
     <p:extLst>
       <p:ext uri="{BB962C8B-B14F-4D97-AF65-F5344CB8AC3E}">
-        <p14:creationId xmlns:p14="http://schemas.microsoft.com/office/powerpoint/2010/main" val="2104699159"/>
+        <p14:creationId xmlns:p14="http://schemas.microsoft.com/office/powerpoint/2010/main" val="1629408121"/>
       </p:ext>
     </p:extLst>
   </p:cSld>
@@ -1256,62 +1254,50 @@
               <a:buNone/>
             </a:pPr>
             <a:r>
+              <a:rPr lang="ko-KR" altLang="en-US" dirty="0"/>
+              <a:t>다른 </a:t>
+            </a:r>
+            <a:r>
               <a:rPr lang="en-US" altLang="ko-KR" dirty="0"/>
-              <a:t>6x6 </a:t>
+              <a:t>MF </a:t>
             </a:r>
             <a:r>
               <a:rPr lang="ko-KR" altLang="en-US" dirty="0"/>
-              <a:t>행렬이 있다</a:t>
+              <a:t>방식과 가장 큰 차이는 비음수라는 거임</a:t>
             </a:r>
             <a:r>
               <a:rPr lang="en-US" altLang="ko-KR" dirty="0"/>
-              <a:t>. 6</a:t>
-            </a:r>
-            <a:r>
-              <a:rPr lang="ko-KR" altLang="en-US" dirty="0"/>
-              <a:t>개의 아이템</a:t>
-            </a:r>
-            <a:r>
-              <a:rPr lang="en-US" altLang="ko-KR" dirty="0"/>
-              <a:t>, </a:t>
-            </a:r>
-            <a:r>
-              <a:rPr lang="ko-KR" altLang="en-US" dirty="0"/>
-              <a:t>손님</a:t>
-            </a:r>
-            <a:endParaRPr lang="en-US" altLang="ko-KR" dirty="0"/>
+              <a:t>.</a:t>
+            </a:r>
           </a:p>
           <a:p>
             <a:pPr marL="0" indent="0">
               <a:buNone/>
             </a:pPr>
-            <a:endParaRPr lang="en-US" altLang="ko-KR" dirty="0"/>
+            <a:r>
+              <a:rPr lang="ko-KR" altLang="en-US" dirty="0"/>
+              <a:t>그렇기 때문에 비음 </a:t>
+            </a:r>
+            <a:r>
+              <a:rPr lang="en-US" altLang="ko-KR" dirty="0"/>
+              <a:t>MF</a:t>
+            </a:r>
+            <a:r>
+              <a:rPr lang="ko-KR" altLang="en-US" dirty="0"/>
+              <a:t>는 다음과 같이 최적화 문제로 표현할 수 있음</a:t>
+            </a:r>
+            <a:r>
+              <a:rPr lang="en-US" altLang="ko-KR" dirty="0"/>
+              <a:t>.</a:t>
+            </a:r>
           </a:p>
           <a:p>
             <a:pPr marL="0" indent="0">
               <a:buNone/>
             </a:pPr>
             <a:r>
-              <a:rPr lang="en-US" altLang="ko-KR" dirty="0"/>
-              <a:t>U</a:t>
-            </a:r>
-            <a:r>
               <a:rPr lang="ko-KR" altLang="en-US" dirty="0"/>
-              <a:t>는 사용자 잠재행렬</a:t>
-            </a:r>
-            <a:endParaRPr lang="en-US" altLang="ko-KR" dirty="0"/>
-          </a:p>
-          <a:p>
-            <a:pPr marL="0" indent="0">
-              <a:buNone/>
-            </a:pPr>
-            <a:r>
-              <a:rPr lang="en-US" altLang="ko-KR" dirty="0"/>
-              <a:t>V</a:t>
-            </a:r>
-            <a:r>
-              <a:rPr lang="ko-KR" altLang="en-US" dirty="0"/>
-              <a:t>는 아이템 잠재행렬</a:t>
+              <a:t>물론 다른 방식과 같은 것 같지만 제약조건이 비음이라는 특징임 </a:t>
             </a:r>
           </a:p>
         </p:txBody>
@@ -1342,7 +1328,7 @@
     </p:spTree>
     <p:extLst>
       <p:ext uri="{BB962C8B-B14F-4D97-AF65-F5344CB8AC3E}">
-        <p14:creationId xmlns:p14="http://schemas.microsoft.com/office/powerpoint/2010/main" val="2256936856"/>
+        <p14:creationId xmlns:p14="http://schemas.microsoft.com/office/powerpoint/2010/main" val="3175594948"/>
       </p:ext>
     </p:extLst>
   </p:cSld>
@@ -1401,71 +1387,68 @@
             </a:pPr>
             <a:r>
               <a:rPr lang="ko-KR" altLang="en-US" dirty="0"/>
-              <a:t>여기서 </a:t>
-            </a:r>
-            <a:r>
-              <a:rPr lang="en-US" altLang="ko-KR" dirty="0" err="1"/>
-              <a:t>rij</a:t>
+              <a:t>사용자가 아이템에 대한 </a:t>
+            </a:r>
+            <a:r>
+              <a:rPr lang="en-US" altLang="ko-KR" dirty="0"/>
+              <a:t>like</a:t>
             </a:r>
             <a:r>
               <a:rPr lang="ko-KR" altLang="en-US" dirty="0"/>
-              <a:t>는 유저의 </a:t>
+              <a:t>는 표시할 수 있지만</a:t>
             </a:r>
             <a:r>
               <a:rPr lang="en-US" altLang="ko-KR" dirty="0"/>
-              <a:t>dairy</a:t>
+              <a:t>, dislike</a:t>
             </a:r>
             <a:r>
               <a:rPr lang="ko-KR" altLang="en-US" dirty="0"/>
-              <a:t>에 대한 선호</a:t>
+              <a:t>는 표시할 수 없는 시스템에서 가장 큰 해석적인 </a:t>
+            </a:r>
+            <a:r>
+              <a:rPr lang="ko-KR" altLang="en-US" dirty="0" err="1"/>
+              <a:t>어드벤티지가</a:t>
+            </a:r>
+            <a:r>
+              <a:rPr lang="ko-KR" altLang="en-US" dirty="0"/>
+              <a:t> 있는 </a:t>
             </a:r>
             <a:r>
               <a:rPr lang="en-US" altLang="ko-KR" dirty="0"/>
-              <a:t>, </a:t>
+              <a:t>MF </a:t>
             </a:r>
             <a:r>
               <a:rPr lang="ko-KR" altLang="en-US" dirty="0"/>
-              <a:t>아이템의 </a:t>
+              <a:t>방식임</a:t>
             </a:r>
             <a:r>
               <a:rPr lang="en-US" altLang="ko-KR" dirty="0"/>
-              <a:t>dairy</a:t>
-            </a:r>
+              <a:t>.</a:t>
+            </a:r>
+          </a:p>
+          <a:p>
+            <a:pPr marL="0" indent="0">
+              <a:buNone/>
+            </a:pPr>
             <a:r>
               <a:rPr lang="ko-KR" altLang="en-US" dirty="0"/>
-              <a:t>관한 선호도 </a:t>
+              <a:t>이런 세팅에 </a:t>
+            </a:r>
+            <a:r>
+              <a:rPr lang="ko-KR" altLang="en-US" dirty="0" err="1"/>
+              <a:t>좋은점은</a:t>
+            </a:r>
+            <a:r>
+              <a:rPr lang="ko-KR" altLang="en-US" dirty="0"/>
+              <a:t> 미싱 데이터를 </a:t>
             </a:r>
             <a:r>
               <a:rPr lang="en-US" altLang="ko-KR" dirty="0"/>
-              <a:t>+ </a:t>
+              <a:t>0</a:t>
             </a:r>
             <a:r>
               <a:rPr lang="ko-KR" altLang="en-US" dirty="0"/>
-              <a:t>유저의 </a:t>
-            </a:r>
-            <a:r>
-              <a:rPr lang="en-US" altLang="ko-KR" dirty="0"/>
-              <a:t>drinks</a:t>
-            </a:r>
-            <a:r>
-              <a:rPr lang="ko-KR" altLang="en-US" dirty="0"/>
-              <a:t>에 대한 선호</a:t>
-            </a:r>
-            <a:r>
-              <a:rPr lang="en-US" altLang="ko-KR" dirty="0"/>
-              <a:t>, </a:t>
-            </a:r>
-            <a:r>
-              <a:rPr lang="ko-KR" altLang="en-US" dirty="0"/>
-              <a:t>아이템의 </a:t>
-            </a:r>
-            <a:r>
-              <a:rPr lang="en-US" altLang="ko-KR" dirty="0"/>
-              <a:t>drinks</a:t>
-            </a:r>
-            <a:r>
-              <a:rPr lang="ko-KR" altLang="en-US" dirty="0"/>
-              <a:t>에 대한 선호로 해석할 수 있다</a:t>
+              <a:t>로 설정하면 된다는 것이다</a:t>
             </a:r>
             <a:r>
               <a:rPr lang="en-US" altLang="ko-KR" dirty="0"/>
@@ -1501,7 +1484,7 @@
     </p:spTree>
     <p:extLst>
       <p:ext uri="{BB962C8B-B14F-4D97-AF65-F5344CB8AC3E}">
-        <p14:creationId xmlns:p14="http://schemas.microsoft.com/office/powerpoint/2010/main" val="352788171"/>
+        <p14:creationId xmlns:p14="http://schemas.microsoft.com/office/powerpoint/2010/main" val="4011891149"/>
       </p:ext>
     </p:extLst>
   </p:cSld>
@@ -1560,19 +1543,23 @@
             </a:pPr>
             <a:r>
               <a:rPr lang="ko-KR" altLang="en-US" dirty="0"/>
-              <a:t>이렇게 계산을 하는 방법은 </a:t>
+              <a:t>행렬 </a:t>
             </a:r>
             <a:r>
               <a:rPr lang="en-US" altLang="ko-KR" dirty="0"/>
-              <a:t>sum-of-parts </a:t>
-            </a:r>
-            <a:r>
-              <a:rPr lang="en-US" altLang="ko-KR" dirty="0" err="1"/>
-              <a:t>decompositio</a:t>
+              <a:t>U, V</a:t>
             </a:r>
             <a:r>
               <a:rPr lang="ko-KR" altLang="en-US" dirty="0"/>
-              <a:t>이다</a:t>
+              <a:t>를 업데이트하기 위해서는 </a:t>
+            </a:r>
+            <a:r>
+              <a:rPr lang="en-US" altLang="ko-KR" dirty="0"/>
+              <a:t>iterative</a:t>
+            </a:r>
+            <a:r>
+              <a:rPr lang="ko-KR" altLang="en-US" dirty="0"/>
+              <a:t>한 방식을 사용한다</a:t>
             </a:r>
             <a:r>
               <a:rPr lang="en-US" altLang="ko-KR" dirty="0"/>
@@ -1584,32 +1571,20 @@
               <a:buNone/>
             </a:pPr>
             <a:r>
+              <a:rPr lang="en-US" altLang="ko-KR" dirty="0"/>
+              <a:t>U, V</a:t>
+            </a:r>
+            <a:r>
               <a:rPr lang="ko-KR" altLang="en-US" dirty="0"/>
-              <a:t>실질적인 용도로는</a:t>
+              <a:t>에 요소 </a:t>
             </a:r>
             <a:r>
               <a:rPr lang="en-US" altLang="ko-KR" dirty="0"/>
-              <a:t>, </a:t>
+              <a:t>u, v</a:t>
             </a:r>
             <a:r>
               <a:rPr lang="ko-KR" altLang="en-US" dirty="0"/>
-              <a:t>각 클러스터를 살펴보고 아이템</a:t>
-            </a:r>
-            <a:r>
-              <a:rPr lang="en-US" altLang="ko-KR" dirty="0"/>
-              <a:t>, </a:t>
-            </a:r>
-            <a:r>
-              <a:rPr lang="ko-KR" altLang="en-US" dirty="0"/>
-              <a:t>사용자의 연관성을 </a:t>
-            </a:r>
-            <a:r>
-              <a:rPr lang="ko-KR" altLang="en-US" dirty="0" err="1"/>
-              <a:t>시멘틱하게</a:t>
-            </a:r>
-            <a:r>
-              <a:rPr lang="ko-KR" altLang="en-US" dirty="0"/>
-              <a:t> 해석하는 것이 가능하다</a:t>
+              <a:t>는 다음과 같은 곱하기 업데이트 규칙을 사용한다</a:t>
             </a:r>
             <a:r>
               <a:rPr lang="en-US" altLang="ko-KR" dirty="0"/>
@@ -1645,7 +1620,7 @@
     </p:spTree>
     <p:extLst>
       <p:ext uri="{BB962C8B-B14F-4D97-AF65-F5344CB8AC3E}">
-        <p14:creationId xmlns:p14="http://schemas.microsoft.com/office/powerpoint/2010/main" val="1325955551"/>
+        <p14:creationId xmlns:p14="http://schemas.microsoft.com/office/powerpoint/2010/main" val="2104699159"/>
       </p:ext>
     </p:extLst>
   </p:cSld>
@@ -1703,21 +1678,30 @@
               <a:buNone/>
             </a:pPr>
             <a:r>
+              <a:rPr lang="en-US" altLang="ko-KR" dirty="0"/>
+              <a:t>6x6 </a:t>
+            </a:r>
+            <a:r>
               <a:rPr lang="ko-KR" altLang="en-US" dirty="0"/>
-              <a:t>그림은 </a:t>
+              <a:t>행렬이 있다</a:t>
             </a:r>
             <a:r>
               <a:rPr lang="en-US" altLang="ko-KR" dirty="0"/>
-              <a:t>sum-of-pars</a:t>
+              <a:t>. 6</a:t>
             </a:r>
             <a:r>
               <a:rPr lang="ko-KR" altLang="en-US" dirty="0"/>
-              <a:t>로 비음분해를 해석하는 예시다</a:t>
+              <a:t>개의 아이템</a:t>
             </a:r>
             <a:r>
               <a:rPr lang="en-US" altLang="ko-KR" dirty="0"/>
-              <a:t>.</a:t>
-            </a:r>
+              <a:t>, </a:t>
+            </a:r>
+            <a:r>
+              <a:rPr lang="ko-KR" altLang="en-US" dirty="0"/>
+              <a:t>손님</a:t>
+            </a:r>
+            <a:endParaRPr lang="en-US" altLang="ko-KR" dirty="0"/>
           </a:p>
           <a:p>
             <a:pPr marL="0" indent="0">
@@ -1730,53 +1714,27 @@
               <a:buNone/>
             </a:pPr>
             <a:r>
+              <a:rPr lang="en-US" altLang="ko-KR" dirty="0"/>
+              <a:t>U</a:t>
+            </a:r>
+            <a:r>
               <a:rPr lang="ko-KR" altLang="en-US" dirty="0"/>
-              <a:t>각 유저는 어떤 특성에 대해 얼마만큼 가중치를 가지고 있고</a:t>
-            </a:r>
-            <a:r>
-              <a:rPr lang="en-US" altLang="ko-KR" dirty="0"/>
-              <a:t>,</a:t>
-            </a:r>
+              <a:t>는 사용자 잠재행렬</a:t>
+            </a:r>
+            <a:endParaRPr lang="en-US" altLang="ko-KR" dirty="0"/>
           </a:p>
           <a:p>
             <a:pPr marL="0" indent="0">
               <a:buNone/>
             </a:pPr>
             <a:r>
+              <a:rPr lang="en-US" altLang="ko-KR" dirty="0"/>
+              <a:t>V</a:t>
+            </a:r>
+            <a:r>
               <a:rPr lang="ko-KR" altLang="en-US" dirty="0"/>
-              <a:t>각 아이템은 어떤 특성에 대해 얼마만큼 가중치를 가지고 있는지 표현할 수 있어서</a:t>
-            </a:r>
-            <a:endParaRPr lang="en-US" altLang="ko-KR" dirty="0"/>
-          </a:p>
-          <a:p>
-            <a:pPr marL="0" indent="0">
-              <a:buNone/>
-            </a:pPr>
-            <a:r>
-              <a:rPr lang="ko-KR" altLang="en-US" dirty="0"/>
-              <a:t>유저</a:t>
-            </a:r>
-            <a:r>
-              <a:rPr lang="en-US" altLang="ko-KR" dirty="0"/>
-              <a:t>-</a:t>
-            </a:r>
-            <a:r>
-              <a:rPr lang="ko-KR" altLang="en-US" dirty="0"/>
-              <a:t>아이템 클러스터를 각 </a:t>
-            </a:r>
-            <a:r>
-              <a:rPr lang="en-US" altLang="ko-KR" dirty="0"/>
-              <a:t>aspect</a:t>
-            </a:r>
-            <a:r>
-              <a:rPr lang="ko-KR" altLang="en-US" dirty="0"/>
-              <a:t>으로 해석할 수 있다</a:t>
-            </a:r>
-            <a:r>
-              <a:rPr lang="en-US" altLang="ko-KR" dirty="0"/>
-              <a:t>.</a:t>
-            </a:r>
-            <a:endParaRPr lang="ko-KR" altLang="en-US" dirty="0"/>
+              <a:t>는 아이템 잠재행렬</a:t>
+            </a:r>
           </a:p>
         </p:txBody>
       </p:sp>
@@ -1806,7 +1764,7 @@
     </p:spTree>
     <p:extLst>
       <p:ext uri="{BB962C8B-B14F-4D97-AF65-F5344CB8AC3E}">
-        <p14:creationId xmlns:p14="http://schemas.microsoft.com/office/powerpoint/2010/main" val="2468794545"/>
+        <p14:creationId xmlns:p14="http://schemas.microsoft.com/office/powerpoint/2010/main" val="2256936856"/>
       </p:ext>
     </p:extLst>
   </p:cSld>
@@ -1865,73 +1823,71 @@
             </a:pPr>
             <a:r>
               <a:rPr lang="ko-KR" altLang="en-US" dirty="0"/>
-              <a:t>그림은 </a:t>
+              <a:t>여기서 </a:t>
+            </a:r>
+            <a:r>
+              <a:rPr lang="en-US" altLang="ko-KR" dirty="0" err="1"/>
+              <a:t>rij</a:t>
+            </a:r>
+            <a:r>
+              <a:rPr lang="ko-KR" altLang="en-US" dirty="0"/>
+              <a:t>는 유저의 </a:t>
             </a:r>
             <a:r>
               <a:rPr lang="en-US" altLang="ko-KR" dirty="0"/>
-              <a:t>sum-of-pars</a:t>
+              <a:t>dairy</a:t>
             </a:r>
             <a:r>
               <a:rPr lang="ko-KR" altLang="en-US" dirty="0"/>
-              <a:t>로 비음분해를 해석하는 예시다</a:t>
+              <a:t>에 대한 선호</a:t>
             </a:r>
             <a:r>
               <a:rPr lang="en-US" altLang="ko-KR" dirty="0"/>
-              <a:t>.</a:t>
-            </a:r>
-          </a:p>
-          <a:p>
-            <a:pPr marL="0" indent="0">
-              <a:buNone/>
-            </a:pPr>
-            <a:endParaRPr lang="en-US" altLang="ko-KR" dirty="0"/>
-          </a:p>
-          <a:p>
-            <a:pPr marL="0" indent="0">
-              <a:buNone/>
-            </a:pPr>
+              <a:t>, </a:t>
+            </a:r>
             <a:r>
               <a:rPr lang="ko-KR" altLang="en-US" dirty="0"/>
-              <a:t>각 유저는 어떤 특성에 대해 얼마만큼 가중치를 가지고 있고</a:t>
+              <a:t>아이템의 </a:t>
             </a:r>
             <a:r>
               <a:rPr lang="en-US" altLang="ko-KR" dirty="0"/>
-              <a:t>,</a:t>
-            </a:r>
-          </a:p>
-          <a:p>
-            <a:pPr marL="0" indent="0">
-              <a:buNone/>
-            </a:pPr>
+              <a:t>dairy</a:t>
+            </a:r>
             <a:r>
               <a:rPr lang="ko-KR" altLang="en-US" dirty="0"/>
-              <a:t>각 아이템은 어떤 특성에 대해 얼마만큼 가중치를 가지고 있는지 표현할 수 있어서</a:t>
-            </a:r>
-            <a:endParaRPr lang="en-US" altLang="ko-KR" dirty="0"/>
-          </a:p>
-          <a:p>
-            <a:pPr marL="0" indent="0">
-              <a:buNone/>
-            </a:pPr>
+              <a:t>관한 선호도 </a:t>
+            </a:r>
+            <a:r>
+              <a:rPr lang="en-US" altLang="ko-KR" dirty="0"/>
+              <a:t>+ </a:t>
+            </a:r>
             <a:r>
               <a:rPr lang="ko-KR" altLang="en-US" dirty="0"/>
-              <a:t>유저</a:t>
+              <a:t>유저의 </a:t>
             </a:r>
             <a:r>
               <a:rPr lang="en-US" altLang="ko-KR" dirty="0"/>
-              <a:t>-</a:t>
+              <a:t>drinks</a:t>
             </a:r>
             <a:r>
               <a:rPr lang="ko-KR" altLang="en-US" dirty="0"/>
-              <a:t>아이템 클러스터를 각 </a:t>
+              <a:t>에 대한 선호</a:t>
             </a:r>
             <a:r>
               <a:rPr lang="en-US" altLang="ko-KR" dirty="0"/>
-              <a:t>aspect</a:t>
+              <a:t>, </a:t>
             </a:r>
             <a:r>
               <a:rPr lang="ko-KR" altLang="en-US" dirty="0"/>
-              <a:t>으로 해석할 수 있다</a:t>
+              <a:t>아이템의 </a:t>
+            </a:r>
+            <a:r>
+              <a:rPr lang="en-US" altLang="ko-KR" dirty="0"/>
+              <a:t>drinks</a:t>
+            </a:r>
+            <a:r>
+              <a:rPr lang="ko-KR" altLang="en-US" dirty="0"/>
+              <a:t>에 대한 선호로 해석할 수 있다</a:t>
             </a:r>
             <a:r>
               <a:rPr lang="en-US" altLang="ko-KR" dirty="0"/>
@@ -1967,7 +1923,7 @@
     </p:spTree>
     <p:extLst>
       <p:ext uri="{BB962C8B-B14F-4D97-AF65-F5344CB8AC3E}">
-        <p14:creationId xmlns:p14="http://schemas.microsoft.com/office/powerpoint/2010/main" val="1340400921"/>
+        <p14:creationId xmlns:p14="http://schemas.microsoft.com/office/powerpoint/2010/main" val="352788171"/>
       </p:ext>
     </p:extLst>
   </p:cSld>
@@ -2094,6 +2050,472 @@
     <p:extLst>
       <p:ext uri="{BB962C8B-B14F-4D97-AF65-F5344CB8AC3E}">
         <p14:creationId xmlns:p14="http://schemas.microsoft.com/office/powerpoint/2010/main" val="2148025325"/>
+      </p:ext>
+    </p:extLst>
+  </p:cSld>
+  <p:clrMapOvr>
+    <a:masterClrMapping/>
+  </p:clrMapOvr>
+</p:notes>
+</file>
+
+<file path=ppt/notesSlides/notesSlide20.xml><?xml version="1.0" encoding="utf-8"?>
+<p:notes xmlns:a="http://schemas.openxmlformats.org/drawingml/2006/main" xmlns:r="http://schemas.openxmlformats.org/officeDocument/2006/relationships" xmlns:p="http://schemas.openxmlformats.org/presentationml/2006/main">
+  <p:cSld>
+    <p:spTree>
+      <p:nvGrpSpPr>
+        <p:cNvPr id="1" name=""/>
+        <p:cNvGrpSpPr/>
+        <p:nvPr/>
+      </p:nvGrpSpPr>
+      <p:grpSpPr>
+        <a:xfrm>
+          <a:off x="0" y="0"/>
+          <a:ext cx="0" cy="0"/>
+          <a:chOff x="0" y="0"/>
+          <a:chExt cx="0" cy="0"/>
+        </a:xfrm>
+      </p:grpSpPr>
+      <p:sp>
+        <p:nvSpPr>
+          <p:cNvPr id="2" name="슬라이드 이미지 개체 틀 1"/>
+          <p:cNvSpPr>
+            <a:spLocks noGrp="1" noRot="1" noChangeAspect="1"/>
+          </p:cNvSpPr>
+          <p:nvPr>
+            <p:ph type="sldImg"/>
+          </p:nvPr>
+        </p:nvSpPr>
+        <p:spPr/>
+      </p:sp>
+      <p:sp>
+        <p:nvSpPr>
+          <p:cNvPr id="3" name="슬라이드 노트 개체 틀 2"/>
+          <p:cNvSpPr>
+            <a:spLocks noGrp="1"/>
+          </p:cNvSpPr>
+          <p:nvPr>
+            <p:ph type="body" idx="1"/>
+          </p:nvPr>
+        </p:nvSpPr>
+        <p:spPr/>
+        <p:txBody>
+          <a:bodyPr/>
+          <a:lstStyle/>
+          <a:p>
+            <a:pPr marL="0" indent="0">
+              <a:buNone/>
+            </a:pPr>
+            <a:r>
+              <a:rPr lang="ko-KR" altLang="en-US" dirty="0"/>
+              <a:t>이렇게 계산을 하는 방법은 </a:t>
+            </a:r>
+            <a:r>
+              <a:rPr lang="en-US" altLang="ko-KR" dirty="0"/>
+              <a:t>sum-of-parts </a:t>
+            </a:r>
+            <a:r>
+              <a:rPr lang="en-US" altLang="ko-KR" dirty="0" err="1"/>
+              <a:t>decompositio</a:t>
+            </a:r>
+            <a:r>
+              <a:rPr lang="ko-KR" altLang="en-US" dirty="0"/>
+              <a:t>이다</a:t>
+            </a:r>
+            <a:r>
+              <a:rPr lang="en-US" altLang="ko-KR" dirty="0"/>
+              <a:t>.</a:t>
+            </a:r>
+          </a:p>
+          <a:p>
+            <a:pPr marL="0" indent="0">
+              <a:buNone/>
+            </a:pPr>
+            <a:r>
+              <a:rPr lang="ko-KR" altLang="en-US" dirty="0"/>
+              <a:t>실질적인 용도로는</a:t>
+            </a:r>
+            <a:r>
+              <a:rPr lang="en-US" altLang="ko-KR" dirty="0"/>
+              <a:t>, </a:t>
+            </a:r>
+            <a:r>
+              <a:rPr lang="ko-KR" altLang="en-US" dirty="0"/>
+              <a:t>각 클러스터를 살펴보고 아이템</a:t>
+            </a:r>
+            <a:r>
+              <a:rPr lang="en-US" altLang="ko-KR" dirty="0"/>
+              <a:t>, </a:t>
+            </a:r>
+            <a:r>
+              <a:rPr lang="ko-KR" altLang="en-US" dirty="0"/>
+              <a:t>사용자의 연관성을 </a:t>
+            </a:r>
+            <a:r>
+              <a:rPr lang="ko-KR" altLang="en-US" dirty="0" err="1"/>
+              <a:t>시멘틱하게</a:t>
+            </a:r>
+            <a:r>
+              <a:rPr lang="ko-KR" altLang="en-US" dirty="0"/>
+              <a:t> 해석하는 것이 가능하다</a:t>
+            </a:r>
+            <a:r>
+              <a:rPr lang="en-US" altLang="ko-KR" dirty="0"/>
+              <a:t>.</a:t>
+            </a:r>
+            <a:endParaRPr lang="ko-KR" altLang="en-US" dirty="0"/>
+          </a:p>
+        </p:txBody>
+      </p:sp>
+      <p:sp>
+        <p:nvSpPr>
+          <p:cNvPr id="4" name="슬라이드 번호 개체 틀 3"/>
+          <p:cNvSpPr>
+            <a:spLocks noGrp="1"/>
+          </p:cNvSpPr>
+          <p:nvPr>
+            <p:ph type="sldNum" sz="quarter" idx="5"/>
+          </p:nvPr>
+        </p:nvSpPr>
+        <p:spPr/>
+        <p:txBody>
+          <a:bodyPr/>
+          <a:lstStyle/>
+          <a:p>
+            <a:fld id="{DA275FA2-6C42-4D6B-BC32-C1F878E1B2E0}" type="slidenum">
+              <a:rPr lang="ko-KR" altLang="en-US" smtClean="0"/>
+              <a:t>22</a:t>
+            </a:fld>
+            <a:endParaRPr lang="ko-KR" altLang="en-US"/>
+          </a:p>
+        </p:txBody>
+      </p:sp>
+    </p:spTree>
+    <p:extLst>
+      <p:ext uri="{BB962C8B-B14F-4D97-AF65-F5344CB8AC3E}">
+        <p14:creationId xmlns:p14="http://schemas.microsoft.com/office/powerpoint/2010/main" val="1325955551"/>
+      </p:ext>
+    </p:extLst>
+  </p:cSld>
+  <p:clrMapOvr>
+    <a:masterClrMapping/>
+  </p:clrMapOvr>
+</p:notes>
+</file>
+
+<file path=ppt/notesSlides/notesSlide21.xml><?xml version="1.0" encoding="utf-8"?>
+<p:notes xmlns:a="http://schemas.openxmlformats.org/drawingml/2006/main" xmlns:r="http://schemas.openxmlformats.org/officeDocument/2006/relationships" xmlns:p="http://schemas.openxmlformats.org/presentationml/2006/main">
+  <p:cSld>
+    <p:spTree>
+      <p:nvGrpSpPr>
+        <p:cNvPr id="1" name=""/>
+        <p:cNvGrpSpPr/>
+        <p:nvPr/>
+      </p:nvGrpSpPr>
+      <p:grpSpPr>
+        <a:xfrm>
+          <a:off x="0" y="0"/>
+          <a:ext cx="0" cy="0"/>
+          <a:chOff x="0" y="0"/>
+          <a:chExt cx="0" cy="0"/>
+        </a:xfrm>
+      </p:grpSpPr>
+      <p:sp>
+        <p:nvSpPr>
+          <p:cNvPr id="2" name="슬라이드 이미지 개체 틀 1"/>
+          <p:cNvSpPr>
+            <a:spLocks noGrp="1" noRot="1" noChangeAspect="1"/>
+          </p:cNvSpPr>
+          <p:nvPr>
+            <p:ph type="sldImg"/>
+          </p:nvPr>
+        </p:nvSpPr>
+        <p:spPr/>
+      </p:sp>
+      <p:sp>
+        <p:nvSpPr>
+          <p:cNvPr id="3" name="슬라이드 노트 개체 틀 2"/>
+          <p:cNvSpPr>
+            <a:spLocks noGrp="1"/>
+          </p:cNvSpPr>
+          <p:nvPr>
+            <p:ph type="body" idx="1"/>
+          </p:nvPr>
+        </p:nvSpPr>
+        <p:spPr/>
+        <p:txBody>
+          <a:bodyPr/>
+          <a:lstStyle/>
+          <a:p>
+            <a:pPr marL="0" indent="0">
+              <a:buNone/>
+            </a:pPr>
+            <a:r>
+              <a:rPr lang="ko-KR" altLang="en-US" dirty="0"/>
+              <a:t>그림은 </a:t>
+            </a:r>
+            <a:r>
+              <a:rPr lang="en-US" altLang="ko-KR" dirty="0"/>
+              <a:t>sum-of-pars</a:t>
+            </a:r>
+            <a:r>
+              <a:rPr lang="ko-KR" altLang="en-US" dirty="0"/>
+              <a:t>로 비음분해를 해석하는 예시다</a:t>
+            </a:r>
+            <a:r>
+              <a:rPr lang="en-US" altLang="ko-KR" dirty="0"/>
+              <a:t>.</a:t>
+            </a:r>
+          </a:p>
+          <a:p>
+            <a:pPr marL="0" indent="0">
+              <a:buNone/>
+            </a:pPr>
+            <a:endParaRPr lang="en-US" altLang="ko-KR" dirty="0"/>
+          </a:p>
+          <a:p>
+            <a:pPr marL="0" indent="0">
+              <a:buNone/>
+            </a:pPr>
+            <a:r>
+              <a:rPr lang="ko-KR" altLang="en-US" dirty="0"/>
+              <a:t>각 유저는 어떤 특성에 대해 얼마만큼 가중치를 가지고 있고</a:t>
+            </a:r>
+            <a:r>
+              <a:rPr lang="en-US" altLang="ko-KR" dirty="0"/>
+              <a:t>,</a:t>
+            </a:r>
+          </a:p>
+          <a:p>
+            <a:pPr marL="0" indent="0">
+              <a:buNone/>
+            </a:pPr>
+            <a:r>
+              <a:rPr lang="ko-KR" altLang="en-US" dirty="0"/>
+              <a:t>각 아이템은 어떤 특성에 대해 얼마만큼 가중치를 가지고 있는지 표현할 수 있어서</a:t>
+            </a:r>
+            <a:endParaRPr lang="en-US" altLang="ko-KR" dirty="0"/>
+          </a:p>
+          <a:p>
+            <a:pPr marL="0" indent="0">
+              <a:buNone/>
+            </a:pPr>
+            <a:r>
+              <a:rPr lang="ko-KR" altLang="en-US" dirty="0"/>
+              <a:t>유저</a:t>
+            </a:r>
+            <a:r>
+              <a:rPr lang="en-US" altLang="ko-KR" dirty="0"/>
+              <a:t>-</a:t>
+            </a:r>
+            <a:r>
+              <a:rPr lang="ko-KR" altLang="en-US" dirty="0"/>
+              <a:t>아이템 클러스터를 각 </a:t>
+            </a:r>
+            <a:r>
+              <a:rPr lang="en-US" altLang="ko-KR" dirty="0"/>
+              <a:t>aspect</a:t>
+            </a:r>
+            <a:r>
+              <a:rPr lang="ko-KR" altLang="en-US" dirty="0"/>
+              <a:t>으로 해석할 수 있다</a:t>
+            </a:r>
+            <a:r>
+              <a:rPr lang="en-US" altLang="ko-KR" dirty="0"/>
+              <a:t>.</a:t>
+            </a:r>
+            <a:endParaRPr lang="ko-KR" altLang="en-US" dirty="0"/>
+          </a:p>
+        </p:txBody>
+      </p:sp>
+      <p:sp>
+        <p:nvSpPr>
+          <p:cNvPr id="4" name="슬라이드 번호 개체 틀 3"/>
+          <p:cNvSpPr>
+            <a:spLocks noGrp="1"/>
+          </p:cNvSpPr>
+          <p:nvPr>
+            <p:ph type="sldNum" sz="quarter" idx="5"/>
+          </p:nvPr>
+        </p:nvSpPr>
+        <p:spPr/>
+        <p:txBody>
+          <a:bodyPr/>
+          <a:lstStyle/>
+          <a:p>
+            <a:fld id="{DA275FA2-6C42-4D6B-BC32-C1F878E1B2E0}" type="slidenum">
+              <a:rPr lang="ko-KR" altLang="en-US" smtClean="0"/>
+              <a:t>23</a:t>
+            </a:fld>
+            <a:endParaRPr lang="ko-KR" altLang="en-US"/>
+          </a:p>
+        </p:txBody>
+      </p:sp>
+    </p:spTree>
+    <p:extLst>
+      <p:ext uri="{BB962C8B-B14F-4D97-AF65-F5344CB8AC3E}">
+        <p14:creationId xmlns:p14="http://schemas.microsoft.com/office/powerpoint/2010/main" val="2468794545"/>
+      </p:ext>
+    </p:extLst>
+  </p:cSld>
+  <p:clrMapOvr>
+    <a:masterClrMapping/>
+  </p:clrMapOvr>
+</p:notes>
+</file>
+
+<file path=ppt/notesSlides/notesSlide22.xml><?xml version="1.0" encoding="utf-8"?>
+<p:notes xmlns:a="http://schemas.openxmlformats.org/drawingml/2006/main" xmlns:r="http://schemas.openxmlformats.org/officeDocument/2006/relationships" xmlns:p="http://schemas.openxmlformats.org/presentationml/2006/main">
+  <p:cSld>
+    <p:spTree>
+      <p:nvGrpSpPr>
+        <p:cNvPr id="1" name=""/>
+        <p:cNvGrpSpPr/>
+        <p:nvPr/>
+      </p:nvGrpSpPr>
+      <p:grpSpPr>
+        <a:xfrm>
+          <a:off x="0" y="0"/>
+          <a:ext cx="0" cy="0"/>
+          <a:chOff x="0" y="0"/>
+          <a:chExt cx="0" cy="0"/>
+        </a:xfrm>
+      </p:grpSpPr>
+      <p:sp>
+        <p:nvSpPr>
+          <p:cNvPr id="2" name="슬라이드 이미지 개체 틀 1"/>
+          <p:cNvSpPr>
+            <a:spLocks noGrp="1" noRot="1" noChangeAspect="1"/>
+          </p:cNvSpPr>
+          <p:nvPr>
+            <p:ph type="sldImg"/>
+          </p:nvPr>
+        </p:nvSpPr>
+        <p:spPr/>
+      </p:sp>
+      <p:sp>
+        <p:nvSpPr>
+          <p:cNvPr id="3" name="슬라이드 노트 개체 틀 2"/>
+          <p:cNvSpPr>
+            <a:spLocks noGrp="1"/>
+          </p:cNvSpPr>
+          <p:nvPr>
+            <p:ph type="body" idx="1"/>
+          </p:nvPr>
+        </p:nvSpPr>
+        <p:spPr/>
+        <p:txBody>
+          <a:bodyPr/>
+          <a:lstStyle/>
+          <a:p>
+            <a:pPr marL="0" indent="0">
+              <a:buNone/>
+            </a:pPr>
+            <a:r>
+              <a:rPr lang="ko-KR" altLang="en-US" dirty="0"/>
+              <a:t>그림은 </a:t>
+            </a:r>
+            <a:r>
+              <a:rPr lang="en-US" altLang="ko-KR" dirty="0"/>
+              <a:t>sum-of-pars</a:t>
+            </a:r>
+            <a:r>
+              <a:rPr lang="ko-KR" altLang="en-US" dirty="0"/>
+              <a:t>로 비음분해를 해석하는 예시다</a:t>
+            </a:r>
+            <a:r>
+              <a:rPr lang="en-US" altLang="ko-KR" dirty="0"/>
+              <a:t>.</a:t>
+            </a:r>
+          </a:p>
+          <a:p>
+            <a:pPr marL="0" indent="0">
+              <a:buNone/>
+            </a:pPr>
+            <a:endParaRPr lang="en-US" altLang="ko-KR" dirty="0"/>
+          </a:p>
+          <a:p>
+            <a:pPr marL="0" indent="0">
+              <a:buNone/>
+            </a:pPr>
+            <a:r>
+              <a:rPr lang="ko-KR" altLang="en-US" dirty="0"/>
+              <a:t>각 유저는 어떤 특성에 대해 얼마만큼 가중치를 가지고 있고</a:t>
+            </a:r>
+            <a:r>
+              <a:rPr lang="en-US" altLang="ko-KR" dirty="0"/>
+              <a:t>,</a:t>
+            </a:r>
+          </a:p>
+          <a:p>
+            <a:pPr marL="0" indent="0">
+              <a:buNone/>
+            </a:pPr>
+            <a:r>
+              <a:rPr lang="ko-KR" altLang="en-US" dirty="0"/>
+              <a:t>각 아이템은 어떤 특성에 대해 얼마만큼 가중치를 가지고 있는지 표현할 수 있어서</a:t>
+            </a:r>
+            <a:endParaRPr lang="en-US" altLang="ko-KR" dirty="0"/>
+          </a:p>
+          <a:p>
+            <a:pPr marL="0" indent="0">
+              <a:buNone/>
+            </a:pPr>
+            <a:r>
+              <a:rPr lang="ko-KR" altLang="en-US" dirty="0"/>
+              <a:t>유저</a:t>
+            </a:r>
+            <a:r>
+              <a:rPr lang="en-US" altLang="ko-KR" dirty="0"/>
+              <a:t>-</a:t>
+            </a:r>
+            <a:r>
+              <a:rPr lang="ko-KR" altLang="en-US" dirty="0"/>
+              <a:t>아이템 클러스터를 각 </a:t>
+            </a:r>
+            <a:r>
+              <a:rPr lang="en-US" altLang="ko-KR" dirty="0"/>
+              <a:t>aspect</a:t>
+            </a:r>
+            <a:r>
+              <a:rPr lang="ko-KR" altLang="en-US" dirty="0"/>
+              <a:t>으로 해석할 수 있다</a:t>
+            </a:r>
+            <a:r>
+              <a:rPr lang="en-US" altLang="ko-KR" dirty="0"/>
+              <a:t>.</a:t>
+            </a:r>
+            <a:endParaRPr lang="ko-KR" altLang="en-US" dirty="0"/>
+          </a:p>
+        </p:txBody>
+      </p:sp>
+      <p:sp>
+        <p:nvSpPr>
+          <p:cNvPr id="4" name="슬라이드 번호 개체 틀 3"/>
+          <p:cNvSpPr>
+            <a:spLocks noGrp="1"/>
+          </p:cNvSpPr>
+          <p:nvPr>
+            <p:ph type="sldNum" sz="quarter" idx="5"/>
+          </p:nvPr>
+        </p:nvSpPr>
+        <p:spPr/>
+        <p:txBody>
+          <a:bodyPr/>
+          <a:lstStyle/>
+          <a:p>
+            <a:fld id="{DA275FA2-6C42-4D6B-BC32-C1F878E1B2E0}" type="slidenum">
+              <a:rPr lang="ko-KR" altLang="en-US" smtClean="0"/>
+              <a:t>24</a:t>
+            </a:fld>
+            <a:endParaRPr lang="ko-KR" altLang="en-US"/>
+          </a:p>
+        </p:txBody>
+      </p:sp>
+    </p:spTree>
+    <p:extLst>
+      <p:ext uri="{BB962C8B-B14F-4D97-AF65-F5344CB8AC3E}">
+        <p14:creationId xmlns:p14="http://schemas.microsoft.com/office/powerpoint/2010/main" val="1340400921"/>
       </p:ext>
     </p:extLst>
   </p:cSld>
@@ -4025,7 +4447,7 @@
           <a:p>
             <a:fld id="{7E5AEA8A-4A3A-3A4A-AF89-A7FE62BAFD7C}" type="datetimeFigureOut">
               <a:rPr kumimoji="1" lang="ko-Kore-KR" altLang="en-US" smtClean="0"/>
-              <a:t>02/20/2023</a:t>
+              <a:t>02/27/2023</a:t>
             </a:fld>
             <a:endParaRPr kumimoji="1" lang="ko-Kore-KR" altLang="en-US"/>
           </a:p>
@@ -4576,8 +4998,8 @@
           </a:p>
         </p:txBody>
       </p:sp>
-      <mc:AlternateContent xmlns:mc="http://schemas.openxmlformats.org/markup-compatibility/2006">
-        <mc:Choice xmlns:a14="http://schemas.microsoft.com/office/drawing/2010/main" Requires="a14">
+      <mc:AlternateContent xmlns:mc="http://schemas.openxmlformats.org/markup-compatibility/2006" xmlns:a14="http://schemas.microsoft.com/office/drawing/2010/main">
+        <mc:Choice Requires="a14">
           <p:sp>
             <p:nvSpPr>
               <p:cNvPr id="3" name="내용 개체 틀 2">
@@ -4986,7 +5408,7 @@
             </p:txBody>
           </p:sp>
         </mc:Choice>
-        <mc:Fallback>
+        <mc:Fallback xmlns="">
           <p:sp>
             <p:nvSpPr>
               <p:cNvPr id="3" name="내용 개체 틀 2">
@@ -5258,8 +5680,8 @@
           </a:p>
         </p:txBody>
       </p:sp>
-      <mc:AlternateContent xmlns:mc="http://schemas.openxmlformats.org/markup-compatibility/2006">
-        <mc:Choice xmlns:a14="http://schemas.microsoft.com/office/drawing/2010/main" Requires="a14">
+      <mc:AlternateContent xmlns:mc="http://schemas.openxmlformats.org/markup-compatibility/2006" xmlns:a14="http://schemas.microsoft.com/office/drawing/2010/main">
+        <mc:Choice Requires="a14">
           <p:sp>
             <p:nvSpPr>
               <p:cNvPr id="5" name="TextBox 4">
@@ -5288,6 +5710,7 @@
               </a:bodyPr>
               <a:lstStyle/>
               <a:p>
+                <a:pPr/>
                 <a14:m>
                   <m:oMathPara xmlns:m="http://schemas.openxmlformats.org/officeDocument/2006/math">
                     <m:oMathParaPr>
@@ -5895,7 +6318,7 @@
             </p:txBody>
           </p:sp>
         </mc:Choice>
-        <mc:Fallback>
+        <mc:Fallback xmlns="">
           <p:sp>
             <p:nvSpPr>
               <p:cNvPr id="5" name="TextBox 4">
@@ -5994,10 +6417,10 @@
           <a:lstStyle/>
           <a:p>
             <a:r>
-              <a:rPr kumimoji="1" lang="en-US" altLang="en-US" sz="4000" dirty="0"/>
-              <a:t>3.6.6 Non-negative Matrix Factorization</a:t>
-            </a:r>
-            <a:endParaRPr kumimoji="1" lang="ko-Kore-KR" altLang="en-US" sz="4000" dirty="0"/>
+              <a:rPr kumimoji="1" lang="en-US" altLang="en-US" sz="3600" dirty="0"/>
+              <a:t>3.6.5.4 Example of SVD</a:t>
+            </a:r>
+            <a:endParaRPr kumimoji="1" lang="ko-Kore-KR" altLang="en-US" sz="3600" dirty="0"/>
           </a:p>
         </p:txBody>
       </p:sp>
@@ -6031,25 +6454,120 @@
           <a:p>
             <a:r>
               <a:rPr lang="en-US" altLang="ko-KR" dirty="0"/>
-              <a:t>Non-negative matrix factorization (NMF) may be used for ratings matrices that are nonnegative</a:t>
-            </a:r>
-          </a:p>
-          <a:p>
-            <a:r>
-              <a:rPr lang="en-US" altLang="ko-KR" dirty="0"/>
-              <a:t>The major advantage of this approach is not necessarily one of accuracy, but that of the </a:t>
-            </a:r>
-            <a:r>
-              <a:rPr lang="en-US" altLang="ko-KR" b="1" dirty="0"/>
-              <a:t>high level of interpretability it provides in understanding the user-item interactions</a:t>
+              <a:t>The first step is to fill in the missing entries with the average of each row</a:t>
             </a:r>
           </a:p>
         </p:txBody>
       </p:sp>
+      <p:pic>
+        <p:nvPicPr>
+          <p:cNvPr id="6" name="그림 5">
+            <a:extLst>
+              <a:ext uri="{FF2B5EF4-FFF2-40B4-BE49-F238E27FC236}">
+                <a16:creationId xmlns:a16="http://schemas.microsoft.com/office/drawing/2014/main" id="{8E060328-6E6B-BFC3-CC04-BDF6584C3EDF}"/>
+              </a:ext>
+            </a:extLst>
+          </p:cNvPr>
+          <p:cNvPicPr>
+            <a:picLocks noChangeAspect="1"/>
+          </p:cNvPicPr>
+          <p:nvPr/>
+        </p:nvPicPr>
+        <p:blipFill>
+          <a:blip r:embed="rId3"/>
+          <a:stretch>
+            <a:fillRect/>
+          </a:stretch>
+        </p:blipFill>
+        <p:spPr>
+          <a:xfrm>
+            <a:off x="1302805" y="3043173"/>
+            <a:ext cx="4205654" cy="2133600"/>
+          </a:xfrm>
+          <a:prstGeom prst="rect">
+            <a:avLst/>
+          </a:prstGeom>
+        </p:spPr>
+      </p:pic>
+      <p:pic>
+        <p:nvPicPr>
+          <p:cNvPr id="7" name="그림 6">
+            <a:extLst>
+              <a:ext uri="{FF2B5EF4-FFF2-40B4-BE49-F238E27FC236}">
+                <a16:creationId xmlns:a16="http://schemas.microsoft.com/office/drawing/2014/main" id="{152CB592-AB27-6508-7AC5-5F354B02745D}"/>
+              </a:ext>
+            </a:extLst>
+          </p:cNvPr>
+          <p:cNvPicPr>
+            <a:picLocks noChangeAspect="1"/>
+          </p:cNvPicPr>
+          <p:nvPr/>
+        </p:nvPicPr>
+        <p:blipFill>
+          <a:blip r:embed="rId4"/>
+          <a:stretch>
+            <a:fillRect/>
+          </a:stretch>
+        </p:blipFill>
+        <p:spPr>
+          <a:xfrm>
+            <a:off x="6683543" y="3312419"/>
+            <a:ext cx="4178910" cy="1526281"/>
+          </a:xfrm>
+          <a:prstGeom prst="rect">
+            <a:avLst/>
+          </a:prstGeom>
+        </p:spPr>
+      </p:pic>
+      <p:cxnSp>
+        <p:nvCxnSpPr>
+          <p:cNvPr id="9" name="직선 화살표 연결선 8">
+            <a:extLst>
+              <a:ext uri="{FF2B5EF4-FFF2-40B4-BE49-F238E27FC236}">
+                <a16:creationId xmlns:a16="http://schemas.microsoft.com/office/drawing/2014/main" id="{DDDA199D-C276-72C8-8450-477FC8CF019E}"/>
+              </a:ext>
+            </a:extLst>
+          </p:cNvPr>
+          <p:cNvCxnSpPr>
+            <a:cxnSpLocks/>
+            <a:endCxn id="7" idx="1"/>
+          </p:cNvCxnSpPr>
+          <p:nvPr/>
+        </p:nvCxnSpPr>
+        <p:spPr>
+          <a:xfrm>
+            <a:off x="5651500" y="4075560"/>
+            <a:ext cx="1032043" cy="0"/>
+          </a:xfrm>
+          <a:prstGeom prst="straightConnector1">
+            <a:avLst/>
+          </a:prstGeom>
+          <a:ln>
+            <a:solidFill>
+              <a:schemeClr val="tx1"/>
+            </a:solidFill>
+            <a:tailEnd type="triangle"/>
+          </a:ln>
+        </p:spPr>
+        <p:style>
+          <a:lnRef idx="1">
+            <a:schemeClr val="accent1"/>
+          </a:lnRef>
+          <a:fillRef idx="0">
+            <a:schemeClr val="accent1"/>
+          </a:fillRef>
+          <a:effectRef idx="0">
+            <a:schemeClr val="accent1"/>
+          </a:effectRef>
+          <a:fontRef idx="minor">
+            <a:schemeClr val="tx1"/>
+          </a:fontRef>
+        </p:style>
+      </p:cxnSp>
     </p:spTree>
     <p:extLst>
       <p:ext uri="{BB962C8B-B14F-4D97-AF65-F5344CB8AC3E}">
-        <p14:creationId xmlns:p14="http://schemas.microsoft.com/office/powerpoint/2010/main" val="441389465"/>
+        <p14:creationId xmlns:p14="http://schemas.microsoft.com/office/powerpoint/2010/main" val="1853276257"/>
       </p:ext>
     </p:extLst>
   </p:cSld>
@@ -6100,10 +6618,10 @@
           <a:lstStyle/>
           <a:p>
             <a:r>
-              <a:rPr kumimoji="1" lang="en-US" altLang="en-US" sz="4000" dirty="0"/>
-              <a:t>3.6.6 Non-negative Matrix Factorization</a:t>
-            </a:r>
-            <a:endParaRPr kumimoji="1" lang="ko-Kore-KR" altLang="en-US" sz="4000" dirty="0"/>
+              <a:rPr kumimoji="1" lang="en-US" altLang="en-US" sz="3600" dirty="0"/>
+              <a:t>3.6.5.4 Example of SVD</a:t>
+            </a:r>
+            <a:endParaRPr kumimoji="1" lang="ko-Kore-KR" altLang="en-US" sz="3600" dirty="0"/>
           </a:p>
         </p:txBody>
       </p:sp>
@@ -6137,6 +6655,795 @@
           <a:p>
             <a:r>
               <a:rPr lang="en-US" altLang="ko-KR" dirty="0"/>
+              <a:t>Upon applying rank-2 truncated SVD to the matrix, and absorbing the diagonal matrix within the user factors, we obtain the following</a:t>
+            </a:r>
+          </a:p>
+        </p:txBody>
+      </p:sp>
+      <p:pic>
+        <p:nvPicPr>
+          <p:cNvPr id="5" name="그림 4">
+            <a:extLst>
+              <a:ext uri="{FF2B5EF4-FFF2-40B4-BE49-F238E27FC236}">
+                <a16:creationId xmlns:a16="http://schemas.microsoft.com/office/drawing/2014/main" id="{7DC2987B-C499-F87F-E6AA-EE77BCB14CD8}"/>
+              </a:ext>
+            </a:extLst>
+          </p:cNvPr>
+          <p:cNvPicPr>
+            <a:picLocks noChangeAspect="1"/>
+          </p:cNvPicPr>
+          <p:nvPr/>
+        </p:nvPicPr>
+        <p:blipFill>
+          <a:blip r:embed="rId3"/>
+          <a:stretch>
+            <a:fillRect/>
+          </a:stretch>
+        </p:blipFill>
+        <p:spPr>
+          <a:xfrm>
+            <a:off x="1899652" y="3006790"/>
+            <a:ext cx="8392696" cy="2848373"/>
+          </a:xfrm>
+          <a:prstGeom prst="rect">
+            <a:avLst/>
+          </a:prstGeom>
+        </p:spPr>
+      </p:pic>
+      <p:sp>
+        <p:nvSpPr>
+          <p:cNvPr id="8" name="직사각형 7">
+            <a:extLst>
+              <a:ext uri="{FF2B5EF4-FFF2-40B4-BE49-F238E27FC236}">
+                <a16:creationId xmlns:a16="http://schemas.microsoft.com/office/drawing/2014/main" id="{23E3125D-B9F8-FC54-8AFA-8D32DE3C85DD}"/>
+              </a:ext>
+            </a:extLst>
+          </p:cNvPr>
+          <p:cNvSpPr/>
+          <p:nvPr/>
+        </p:nvSpPr>
+        <p:spPr>
+          <a:xfrm>
+            <a:off x="5003800" y="4699000"/>
+            <a:ext cx="723900" cy="254000"/>
+          </a:xfrm>
+          <a:prstGeom prst="rect">
+            <a:avLst/>
+          </a:prstGeom>
+          <a:noFill/>
+          <a:ln w="28575"/>
+        </p:spPr>
+        <p:style>
+          <a:lnRef idx="2">
+            <a:schemeClr val="accent2">
+              <a:shade val="50000"/>
+            </a:schemeClr>
+          </a:lnRef>
+          <a:fillRef idx="1">
+            <a:schemeClr val="accent2"/>
+          </a:fillRef>
+          <a:effectRef idx="0">
+            <a:schemeClr val="accent2"/>
+          </a:effectRef>
+          <a:fontRef idx="minor">
+            <a:schemeClr val="lt1"/>
+          </a:fontRef>
+        </p:style>
+        <p:txBody>
+          <a:bodyPr rtlCol="0" anchor="ctr"/>
+          <a:lstStyle/>
+          <a:p>
+            <a:pPr algn="ctr"/>
+            <a:endParaRPr lang="ko-KR" altLang="en-US"/>
+          </a:p>
+        </p:txBody>
+      </p:sp>
+      <p:sp>
+        <p:nvSpPr>
+          <p:cNvPr id="10" name="직사각형 9">
+            <a:extLst>
+              <a:ext uri="{FF2B5EF4-FFF2-40B4-BE49-F238E27FC236}">
+                <a16:creationId xmlns:a16="http://schemas.microsoft.com/office/drawing/2014/main" id="{4609571E-5786-FA06-2927-8A4AEA7A4702}"/>
+              </a:ext>
+            </a:extLst>
+          </p:cNvPr>
+          <p:cNvSpPr/>
+          <p:nvPr/>
+        </p:nvSpPr>
+        <p:spPr>
+          <a:xfrm>
+            <a:off x="3022600" y="4960873"/>
+            <a:ext cx="723900" cy="254000"/>
+          </a:xfrm>
+          <a:prstGeom prst="rect">
+            <a:avLst/>
+          </a:prstGeom>
+          <a:noFill/>
+          <a:ln w="28575"/>
+        </p:spPr>
+        <p:style>
+          <a:lnRef idx="2">
+            <a:schemeClr val="accent2">
+              <a:shade val="50000"/>
+            </a:schemeClr>
+          </a:lnRef>
+          <a:fillRef idx="1">
+            <a:schemeClr val="accent2"/>
+          </a:fillRef>
+          <a:effectRef idx="0">
+            <a:schemeClr val="accent2"/>
+          </a:effectRef>
+          <a:fontRef idx="minor">
+            <a:schemeClr val="lt1"/>
+          </a:fontRef>
+        </p:style>
+        <p:txBody>
+          <a:bodyPr rtlCol="0" anchor="ctr"/>
+          <a:lstStyle/>
+          <a:p>
+            <a:pPr algn="ctr"/>
+            <a:endParaRPr lang="ko-KR" altLang="en-US"/>
+          </a:p>
+        </p:txBody>
+      </p:sp>
+      <p:sp>
+        <p:nvSpPr>
+          <p:cNvPr id="11" name="직사각형 10">
+            <a:extLst>
+              <a:ext uri="{FF2B5EF4-FFF2-40B4-BE49-F238E27FC236}">
+                <a16:creationId xmlns:a16="http://schemas.microsoft.com/office/drawing/2014/main" id="{458FDEFF-CCF5-8614-FDD3-39D69D9797F7}"/>
+              </a:ext>
+            </a:extLst>
+          </p:cNvPr>
+          <p:cNvSpPr/>
+          <p:nvPr/>
+        </p:nvSpPr>
+        <p:spPr>
+          <a:xfrm>
+            <a:off x="3962400" y="5545337"/>
+            <a:ext cx="723900" cy="254000"/>
+          </a:xfrm>
+          <a:prstGeom prst="rect">
+            <a:avLst/>
+          </a:prstGeom>
+          <a:noFill/>
+          <a:ln w="28575"/>
+        </p:spPr>
+        <p:style>
+          <a:lnRef idx="2">
+            <a:schemeClr val="accent2">
+              <a:shade val="50000"/>
+            </a:schemeClr>
+          </a:lnRef>
+          <a:fillRef idx="1">
+            <a:schemeClr val="accent2"/>
+          </a:fillRef>
+          <a:effectRef idx="0">
+            <a:schemeClr val="accent2"/>
+          </a:effectRef>
+          <a:fontRef idx="minor">
+            <a:schemeClr val="lt1"/>
+          </a:fontRef>
+        </p:style>
+        <p:txBody>
+          <a:bodyPr rtlCol="0" anchor="ctr"/>
+          <a:lstStyle/>
+          <a:p>
+            <a:pPr algn="ctr"/>
+            <a:endParaRPr lang="ko-KR" altLang="en-US"/>
+          </a:p>
+        </p:txBody>
+      </p:sp>
+      <p:sp>
+        <p:nvSpPr>
+          <p:cNvPr id="13" name="직사각형 12">
+            <a:extLst>
+              <a:ext uri="{FF2B5EF4-FFF2-40B4-BE49-F238E27FC236}">
+                <a16:creationId xmlns:a16="http://schemas.microsoft.com/office/drawing/2014/main" id="{47C80302-0CEB-4967-21F8-B5272BE63948}"/>
+              </a:ext>
+            </a:extLst>
+          </p:cNvPr>
+          <p:cNvSpPr/>
+          <p:nvPr/>
+        </p:nvSpPr>
+        <p:spPr>
+          <a:xfrm>
+            <a:off x="7912100" y="4953000"/>
+            <a:ext cx="723900" cy="254000"/>
+          </a:xfrm>
+          <a:prstGeom prst="rect">
+            <a:avLst/>
+          </a:prstGeom>
+          <a:noFill/>
+          <a:ln w="28575"/>
+        </p:spPr>
+        <p:style>
+          <a:lnRef idx="2">
+            <a:schemeClr val="accent2">
+              <a:shade val="50000"/>
+            </a:schemeClr>
+          </a:lnRef>
+          <a:fillRef idx="1">
+            <a:schemeClr val="accent2"/>
+          </a:fillRef>
+          <a:effectRef idx="0">
+            <a:schemeClr val="accent2"/>
+          </a:effectRef>
+          <a:fontRef idx="minor">
+            <a:schemeClr val="lt1"/>
+          </a:fontRef>
+        </p:style>
+        <p:txBody>
+          <a:bodyPr rtlCol="0" anchor="ctr"/>
+          <a:lstStyle/>
+          <a:p>
+            <a:pPr algn="ctr"/>
+            <a:endParaRPr lang="ko-KR" altLang="en-US"/>
+          </a:p>
+        </p:txBody>
+      </p:sp>
+    </p:spTree>
+    <p:extLst>
+      <p:ext uri="{BB962C8B-B14F-4D97-AF65-F5344CB8AC3E}">
+        <p14:creationId xmlns:p14="http://schemas.microsoft.com/office/powerpoint/2010/main" val="3681386977"/>
+      </p:ext>
+    </p:extLst>
+  </p:cSld>
+  <p:clrMapOvr>
+    <a:masterClrMapping/>
+  </p:clrMapOvr>
+</p:sld>
+</file>
+
+<file path=ppt/slides/slide15.xml><?xml version="1.0" encoding="utf-8"?>
+<p:sld xmlns:a="http://schemas.openxmlformats.org/drawingml/2006/main" xmlns:r="http://schemas.openxmlformats.org/officeDocument/2006/relationships" xmlns:p="http://schemas.openxmlformats.org/presentationml/2006/main">
+  <p:cSld>
+    <p:spTree>
+      <p:nvGrpSpPr>
+        <p:cNvPr id="1" name=""/>
+        <p:cNvGrpSpPr/>
+        <p:nvPr/>
+      </p:nvGrpSpPr>
+      <p:grpSpPr>
+        <a:xfrm>
+          <a:off x="0" y="0"/>
+          <a:ext cx="0" cy="0"/>
+          <a:chOff x="0" y="0"/>
+          <a:chExt cx="0" cy="0"/>
+        </a:xfrm>
+      </p:grpSpPr>
+      <p:sp>
+        <p:nvSpPr>
+          <p:cNvPr id="2" name="제목 1">
+            <a:extLst>
+              <a:ext uri="{FF2B5EF4-FFF2-40B4-BE49-F238E27FC236}">
+                <a16:creationId xmlns:a16="http://schemas.microsoft.com/office/drawing/2014/main" id="{AA92BCFB-E11B-F940-A787-2261CAC8E814}"/>
+              </a:ext>
+            </a:extLst>
+          </p:cNvPr>
+          <p:cNvSpPr>
+            <a:spLocks noGrp="1"/>
+          </p:cNvSpPr>
+          <p:nvPr>
+            <p:ph type="title"/>
+          </p:nvPr>
+        </p:nvSpPr>
+        <p:spPr/>
+        <p:txBody>
+          <a:bodyPr>
+            <a:normAutofit/>
+          </a:bodyPr>
+          <a:lstStyle/>
+          <a:p>
+            <a:r>
+              <a:rPr kumimoji="1" lang="en-US" altLang="en-US" sz="3600" dirty="0"/>
+              <a:t>3.6.5.4 Example of SVD</a:t>
+            </a:r>
+            <a:endParaRPr kumimoji="1" lang="ko-Kore-KR" altLang="en-US" sz="3600" dirty="0"/>
+          </a:p>
+        </p:txBody>
+      </p:sp>
+      <p:sp>
+        <p:nvSpPr>
+          <p:cNvPr id="3" name="내용 개체 틀 2">
+            <a:extLst>
+              <a:ext uri="{FF2B5EF4-FFF2-40B4-BE49-F238E27FC236}">
+                <a16:creationId xmlns:a16="http://schemas.microsoft.com/office/drawing/2014/main" id="{1725D5B2-2C6C-3B43-B4F2-CA91BE12BB41}"/>
+              </a:ext>
+            </a:extLst>
+          </p:cNvPr>
+          <p:cNvSpPr>
+            <a:spLocks noGrp="1"/>
+          </p:cNvSpPr>
+          <p:nvPr>
+            <p:ph idx="1"/>
+          </p:nvPr>
+        </p:nvSpPr>
+        <p:spPr>
+          <a:xfrm>
+            <a:off x="838200" y="1681227"/>
+            <a:ext cx="10515600" cy="4351338"/>
+          </a:xfrm>
+        </p:spPr>
+        <p:txBody>
+          <a:bodyPr>
+            <a:normAutofit/>
+          </a:bodyPr>
+          <a:lstStyle/>
+          <a:p>
+            <a:r>
+              <a:rPr lang="en-US" altLang="ko-KR" dirty="0"/>
+              <a:t>in the next iteration, we fill in these four missing values in the original matrix to obtain the following matrix</a:t>
+            </a:r>
+          </a:p>
+        </p:txBody>
+      </p:sp>
+      <p:pic>
+        <p:nvPicPr>
+          <p:cNvPr id="4" name="그림 3">
+            <a:extLst>
+              <a:ext uri="{FF2B5EF4-FFF2-40B4-BE49-F238E27FC236}">
+                <a16:creationId xmlns:a16="http://schemas.microsoft.com/office/drawing/2014/main" id="{F92B2FA9-8AA0-8DE5-865D-FB8650F61888}"/>
+              </a:ext>
+            </a:extLst>
+          </p:cNvPr>
+          <p:cNvPicPr>
+            <a:picLocks noChangeAspect="1"/>
+          </p:cNvPicPr>
+          <p:nvPr/>
+        </p:nvPicPr>
+        <p:blipFill>
+          <a:blip r:embed="rId3"/>
+          <a:stretch>
+            <a:fillRect/>
+          </a:stretch>
+        </p:blipFill>
+        <p:spPr>
+          <a:xfrm>
+            <a:off x="6367907" y="2911422"/>
+            <a:ext cx="4128594" cy="1256127"/>
+          </a:xfrm>
+          <a:prstGeom prst="rect">
+            <a:avLst/>
+          </a:prstGeom>
+        </p:spPr>
+      </p:pic>
+      <p:pic>
+        <p:nvPicPr>
+          <p:cNvPr id="6" name="그림 5">
+            <a:extLst>
+              <a:ext uri="{FF2B5EF4-FFF2-40B4-BE49-F238E27FC236}">
+                <a16:creationId xmlns:a16="http://schemas.microsoft.com/office/drawing/2014/main" id="{F25C9268-4654-291C-F3BF-FF4A5F5E0162}"/>
+              </a:ext>
+            </a:extLst>
+          </p:cNvPr>
+          <p:cNvPicPr>
+            <a:picLocks noChangeAspect="1"/>
+          </p:cNvPicPr>
+          <p:nvPr/>
+        </p:nvPicPr>
+        <p:blipFill>
+          <a:blip r:embed="rId4"/>
+          <a:stretch>
+            <a:fillRect/>
+          </a:stretch>
+        </p:blipFill>
+        <p:spPr>
+          <a:xfrm>
+            <a:off x="6327179" y="4677485"/>
+            <a:ext cx="4210050" cy="1195338"/>
+          </a:xfrm>
+          <a:prstGeom prst="rect">
+            <a:avLst/>
+          </a:prstGeom>
+        </p:spPr>
+      </p:pic>
+      <p:pic>
+        <p:nvPicPr>
+          <p:cNvPr id="7" name="그림 6">
+            <a:extLst>
+              <a:ext uri="{FF2B5EF4-FFF2-40B4-BE49-F238E27FC236}">
+                <a16:creationId xmlns:a16="http://schemas.microsoft.com/office/drawing/2014/main" id="{1955F08D-E276-228A-BC3B-B2CD3138EAB7}"/>
+              </a:ext>
+            </a:extLst>
+          </p:cNvPr>
+          <p:cNvPicPr>
+            <a:picLocks noChangeAspect="1"/>
+          </p:cNvPicPr>
+          <p:nvPr/>
+        </p:nvPicPr>
+        <p:blipFill>
+          <a:blip r:embed="rId5"/>
+          <a:stretch>
+            <a:fillRect/>
+          </a:stretch>
+        </p:blipFill>
+        <p:spPr>
+          <a:xfrm>
+            <a:off x="995933" y="4677485"/>
+            <a:ext cx="4210050" cy="1195338"/>
+          </a:xfrm>
+          <a:prstGeom prst="rect">
+            <a:avLst/>
+          </a:prstGeom>
+        </p:spPr>
+      </p:pic>
+      <p:cxnSp>
+        <p:nvCxnSpPr>
+          <p:cNvPr id="9" name="직선 화살표 연결선 8">
+            <a:extLst>
+              <a:ext uri="{FF2B5EF4-FFF2-40B4-BE49-F238E27FC236}">
+                <a16:creationId xmlns:a16="http://schemas.microsoft.com/office/drawing/2014/main" id="{70601609-D010-ACB3-55DF-DDD4F19A8069}"/>
+              </a:ext>
+            </a:extLst>
+          </p:cNvPr>
+          <p:cNvCxnSpPr>
+            <a:cxnSpLocks/>
+            <a:stCxn id="4" idx="2"/>
+            <a:endCxn id="6" idx="0"/>
+          </p:cNvCxnSpPr>
+          <p:nvPr/>
+        </p:nvCxnSpPr>
+        <p:spPr>
+          <a:xfrm>
+            <a:off x="8432204" y="4167549"/>
+            <a:ext cx="0" cy="509936"/>
+          </a:xfrm>
+          <a:prstGeom prst="straightConnector1">
+            <a:avLst/>
+          </a:prstGeom>
+          <a:ln>
+            <a:tailEnd type="triangle"/>
+          </a:ln>
+        </p:spPr>
+        <p:style>
+          <a:lnRef idx="1">
+            <a:schemeClr val="accent1"/>
+          </a:lnRef>
+          <a:fillRef idx="0">
+            <a:schemeClr val="accent1"/>
+          </a:fillRef>
+          <a:effectRef idx="0">
+            <a:schemeClr val="accent1"/>
+          </a:effectRef>
+          <a:fontRef idx="minor">
+            <a:schemeClr val="tx1"/>
+          </a:fontRef>
+        </p:style>
+      </p:cxnSp>
+      <p:cxnSp>
+        <p:nvCxnSpPr>
+          <p:cNvPr id="12" name="직선 화살표 연결선 11">
+            <a:extLst>
+              <a:ext uri="{FF2B5EF4-FFF2-40B4-BE49-F238E27FC236}">
+                <a16:creationId xmlns:a16="http://schemas.microsoft.com/office/drawing/2014/main" id="{315B100E-CB37-B629-3168-9EFB1CA0D179}"/>
+              </a:ext>
+            </a:extLst>
+          </p:cNvPr>
+          <p:cNvCxnSpPr>
+            <a:cxnSpLocks/>
+            <a:stCxn id="6" idx="1"/>
+            <a:endCxn id="7" idx="3"/>
+          </p:cNvCxnSpPr>
+          <p:nvPr/>
+        </p:nvCxnSpPr>
+        <p:spPr>
+          <a:xfrm flipH="1">
+            <a:off x="5205983" y="5275154"/>
+            <a:ext cx="1121196" cy="0"/>
+          </a:xfrm>
+          <a:prstGeom prst="straightConnector1">
+            <a:avLst/>
+          </a:prstGeom>
+          <a:ln>
+            <a:tailEnd type="triangle"/>
+          </a:ln>
+        </p:spPr>
+        <p:style>
+          <a:lnRef idx="1">
+            <a:schemeClr val="accent1"/>
+          </a:lnRef>
+          <a:fillRef idx="0">
+            <a:schemeClr val="accent1"/>
+          </a:fillRef>
+          <a:effectRef idx="0">
+            <a:schemeClr val="accent1"/>
+          </a:effectRef>
+          <a:fontRef idx="minor">
+            <a:schemeClr val="tx1"/>
+          </a:fontRef>
+        </p:style>
+      </p:cxnSp>
+      <p:pic>
+        <p:nvPicPr>
+          <p:cNvPr id="14" name="그림 13">
+            <a:extLst>
+              <a:ext uri="{FF2B5EF4-FFF2-40B4-BE49-F238E27FC236}">
+                <a16:creationId xmlns:a16="http://schemas.microsoft.com/office/drawing/2014/main" id="{4D74B05C-F0A4-E8C1-411B-817A431DFDC0}"/>
+              </a:ext>
+            </a:extLst>
+          </p:cNvPr>
+          <p:cNvPicPr>
+            <a:picLocks noChangeAspect="1"/>
+          </p:cNvPicPr>
+          <p:nvPr/>
+        </p:nvPicPr>
+        <p:blipFill>
+          <a:blip r:embed="rId6"/>
+          <a:stretch>
+            <a:fillRect/>
+          </a:stretch>
+        </p:blipFill>
+        <p:spPr>
+          <a:xfrm>
+            <a:off x="1431212" y="2889506"/>
+            <a:ext cx="3559253" cy="1299961"/>
+          </a:xfrm>
+          <a:prstGeom prst="rect">
+            <a:avLst/>
+          </a:prstGeom>
+        </p:spPr>
+      </p:pic>
+      <p:cxnSp>
+        <p:nvCxnSpPr>
+          <p:cNvPr id="15" name="직선 화살표 연결선 14">
+            <a:extLst>
+              <a:ext uri="{FF2B5EF4-FFF2-40B4-BE49-F238E27FC236}">
+                <a16:creationId xmlns:a16="http://schemas.microsoft.com/office/drawing/2014/main" id="{3C9B5371-EF17-EA30-F469-93CCE4D3D688}"/>
+              </a:ext>
+            </a:extLst>
+          </p:cNvPr>
+          <p:cNvCxnSpPr>
+            <a:cxnSpLocks/>
+            <a:stCxn id="14" idx="3"/>
+          </p:cNvCxnSpPr>
+          <p:nvPr/>
+        </p:nvCxnSpPr>
+        <p:spPr>
+          <a:xfrm flipV="1">
+            <a:off x="4990465" y="3539486"/>
+            <a:ext cx="1377442" cy="1"/>
+          </a:xfrm>
+          <a:prstGeom prst="straightConnector1">
+            <a:avLst/>
+          </a:prstGeom>
+          <a:ln>
+            <a:tailEnd type="triangle"/>
+          </a:ln>
+        </p:spPr>
+        <p:style>
+          <a:lnRef idx="1">
+            <a:schemeClr val="accent1"/>
+          </a:lnRef>
+          <a:fillRef idx="0">
+            <a:schemeClr val="accent1"/>
+          </a:fillRef>
+          <a:effectRef idx="0">
+            <a:schemeClr val="accent1"/>
+          </a:effectRef>
+          <a:fontRef idx="minor">
+            <a:schemeClr val="tx1"/>
+          </a:fontRef>
+        </p:style>
+      </p:cxnSp>
+    </p:spTree>
+    <p:extLst>
+      <p:ext uri="{BB962C8B-B14F-4D97-AF65-F5344CB8AC3E}">
+        <p14:creationId xmlns:p14="http://schemas.microsoft.com/office/powerpoint/2010/main" val="2768176028"/>
+      </p:ext>
+    </p:extLst>
+  </p:cSld>
+  <p:clrMapOvr>
+    <a:masterClrMapping/>
+  </p:clrMapOvr>
+</p:sld>
+</file>
+
+<file path=ppt/slides/slide16.xml><?xml version="1.0" encoding="utf-8"?>
+<p:sld xmlns:a="http://schemas.openxmlformats.org/drawingml/2006/main" xmlns:r="http://schemas.openxmlformats.org/officeDocument/2006/relationships" xmlns:p="http://schemas.openxmlformats.org/presentationml/2006/main">
+  <p:cSld>
+    <p:spTree>
+      <p:nvGrpSpPr>
+        <p:cNvPr id="1" name=""/>
+        <p:cNvGrpSpPr/>
+        <p:nvPr/>
+      </p:nvGrpSpPr>
+      <p:grpSpPr>
+        <a:xfrm>
+          <a:off x="0" y="0"/>
+          <a:ext cx="0" cy="0"/>
+          <a:chOff x="0" y="0"/>
+          <a:chExt cx="0" cy="0"/>
+        </a:xfrm>
+      </p:grpSpPr>
+      <p:sp>
+        <p:nvSpPr>
+          <p:cNvPr id="2" name="제목 1">
+            <a:extLst>
+              <a:ext uri="{FF2B5EF4-FFF2-40B4-BE49-F238E27FC236}">
+                <a16:creationId xmlns:a16="http://schemas.microsoft.com/office/drawing/2014/main" id="{AA92BCFB-E11B-F940-A787-2261CAC8E814}"/>
+              </a:ext>
+            </a:extLst>
+          </p:cNvPr>
+          <p:cNvSpPr>
+            <a:spLocks noGrp="1"/>
+          </p:cNvSpPr>
+          <p:nvPr>
+            <p:ph type="title"/>
+          </p:nvPr>
+        </p:nvSpPr>
+        <p:spPr/>
+        <p:txBody>
+          <a:bodyPr>
+            <a:normAutofit/>
+          </a:bodyPr>
+          <a:lstStyle/>
+          <a:p>
+            <a:r>
+              <a:rPr kumimoji="1" lang="en-US" altLang="en-US" sz="4000" dirty="0"/>
+              <a:t>3.6.6 Non-negative Matrix Factorization</a:t>
+            </a:r>
+            <a:endParaRPr kumimoji="1" lang="ko-Kore-KR" altLang="en-US" sz="4000" dirty="0"/>
+          </a:p>
+        </p:txBody>
+      </p:sp>
+      <p:sp>
+        <p:nvSpPr>
+          <p:cNvPr id="3" name="내용 개체 틀 2">
+            <a:extLst>
+              <a:ext uri="{FF2B5EF4-FFF2-40B4-BE49-F238E27FC236}">
+                <a16:creationId xmlns:a16="http://schemas.microsoft.com/office/drawing/2014/main" id="{1725D5B2-2C6C-3B43-B4F2-CA91BE12BB41}"/>
+              </a:ext>
+            </a:extLst>
+          </p:cNvPr>
+          <p:cNvSpPr>
+            <a:spLocks noGrp="1"/>
+          </p:cNvSpPr>
+          <p:nvPr>
+            <p:ph idx="1"/>
+          </p:nvPr>
+        </p:nvSpPr>
+        <p:spPr>
+          <a:xfrm>
+            <a:off x="838200" y="1681227"/>
+            <a:ext cx="10515600" cy="4351338"/>
+          </a:xfrm>
+        </p:spPr>
+        <p:txBody>
+          <a:bodyPr>
+            <a:normAutofit lnSpcReduction="10000"/>
+          </a:bodyPr>
+          <a:lstStyle/>
+          <a:p>
+            <a:r>
+              <a:rPr lang="en-US" altLang="ko-KR" dirty="0"/>
+              <a:t>Non-negative matrix factorization (NMF) may be used for ratings matrices that are nonnegative</a:t>
+            </a:r>
+          </a:p>
+          <a:p>
+            <a:r>
+              <a:rPr lang="en-US" altLang="ko-KR" dirty="0"/>
+              <a:t>The major advantage of this approach is not necessarily one of accuracy, but that of the </a:t>
+            </a:r>
+            <a:r>
+              <a:rPr lang="en-US" altLang="ko-KR" b="1" dirty="0"/>
+              <a:t>high level of interpretability it provides in understanding the user-item interactions</a:t>
+            </a:r>
+          </a:p>
+          <a:p>
+            <a:r>
+              <a:rPr lang="en-US" altLang="ko-KR" dirty="0"/>
+              <a:t>implicit feedback data sets as</a:t>
+            </a:r>
+          </a:p>
+          <a:p>
+            <a:pPr lvl="1"/>
+            <a:r>
+              <a:rPr lang="en-US" altLang="ko-KR" dirty="0"/>
+              <a:t>In Web click data, the selection of an item corresponds to a unary rating of liking an item.</a:t>
+            </a:r>
+          </a:p>
+          <a:p>
+            <a:pPr lvl="1"/>
+            <a:r>
+              <a:rPr lang="en-US" altLang="ko-KR" dirty="0"/>
+              <a:t>A “like” button on Facebook can be considered a mechanism to provide a unary rating for an item.</a:t>
+            </a:r>
+            <a:endParaRPr lang="en-US" altLang="ko-KR" b="1" dirty="0"/>
+          </a:p>
+        </p:txBody>
+      </p:sp>
+    </p:spTree>
+    <p:extLst>
+      <p:ext uri="{BB962C8B-B14F-4D97-AF65-F5344CB8AC3E}">
+        <p14:creationId xmlns:p14="http://schemas.microsoft.com/office/powerpoint/2010/main" val="441389465"/>
+      </p:ext>
+    </p:extLst>
+  </p:cSld>
+  <p:clrMapOvr>
+    <a:masterClrMapping/>
+  </p:clrMapOvr>
+</p:sld>
+</file>
+
+<file path=ppt/slides/slide17.xml><?xml version="1.0" encoding="utf-8"?>
+<p:sld xmlns:a="http://schemas.openxmlformats.org/drawingml/2006/main" xmlns:r="http://schemas.openxmlformats.org/officeDocument/2006/relationships" xmlns:p="http://schemas.openxmlformats.org/presentationml/2006/main">
+  <p:cSld>
+    <p:spTree>
+      <p:nvGrpSpPr>
+        <p:cNvPr id="1" name=""/>
+        <p:cNvGrpSpPr/>
+        <p:nvPr/>
+      </p:nvGrpSpPr>
+      <p:grpSpPr>
+        <a:xfrm>
+          <a:off x="0" y="0"/>
+          <a:ext cx="0" cy="0"/>
+          <a:chOff x="0" y="0"/>
+          <a:chExt cx="0" cy="0"/>
+        </a:xfrm>
+      </p:grpSpPr>
+      <p:sp>
+        <p:nvSpPr>
+          <p:cNvPr id="2" name="제목 1">
+            <a:extLst>
+              <a:ext uri="{FF2B5EF4-FFF2-40B4-BE49-F238E27FC236}">
+                <a16:creationId xmlns:a16="http://schemas.microsoft.com/office/drawing/2014/main" id="{AA92BCFB-E11B-F940-A787-2261CAC8E814}"/>
+              </a:ext>
+            </a:extLst>
+          </p:cNvPr>
+          <p:cNvSpPr>
+            <a:spLocks noGrp="1"/>
+          </p:cNvSpPr>
+          <p:nvPr>
+            <p:ph type="title"/>
+          </p:nvPr>
+        </p:nvSpPr>
+        <p:spPr/>
+        <p:txBody>
+          <a:bodyPr>
+            <a:normAutofit/>
+          </a:bodyPr>
+          <a:lstStyle/>
+          <a:p>
+            <a:r>
+              <a:rPr kumimoji="1" lang="en-US" altLang="en-US" sz="4000" dirty="0"/>
+              <a:t>3.6.6 Non-negative Matrix Factorization</a:t>
+            </a:r>
+            <a:endParaRPr kumimoji="1" lang="ko-Kore-KR" altLang="en-US" sz="4000" dirty="0"/>
+          </a:p>
+        </p:txBody>
+      </p:sp>
+      <p:sp>
+        <p:nvSpPr>
+          <p:cNvPr id="3" name="내용 개체 틀 2">
+            <a:extLst>
+              <a:ext uri="{FF2B5EF4-FFF2-40B4-BE49-F238E27FC236}">
+                <a16:creationId xmlns:a16="http://schemas.microsoft.com/office/drawing/2014/main" id="{1725D5B2-2C6C-3B43-B4F2-CA91BE12BB41}"/>
+              </a:ext>
+            </a:extLst>
+          </p:cNvPr>
+          <p:cNvSpPr>
+            <a:spLocks noGrp="1"/>
+          </p:cNvSpPr>
+          <p:nvPr>
+            <p:ph idx="1"/>
+          </p:nvPr>
+        </p:nvSpPr>
+        <p:spPr>
+          <a:xfrm>
+            <a:off x="838200" y="1681227"/>
+            <a:ext cx="10515600" cy="4351338"/>
+          </a:xfrm>
+        </p:spPr>
+        <p:txBody>
+          <a:bodyPr>
+            <a:normAutofit/>
+          </a:bodyPr>
+          <a:lstStyle/>
+          <a:p>
+            <a:r>
+              <a:rPr lang="en-US" altLang="ko-KR" dirty="0"/>
               <a:t>The </a:t>
             </a:r>
             <a:r>
@@ -6177,8 +7484,8 @@
           </a:p>
         </p:txBody>
       </p:sp>
-      <mc:AlternateContent xmlns:mc="http://schemas.openxmlformats.org/markup-compatibility/2006">
-        <mc:Choice xmlns:a14="http://schemas.microsoft.com/office/drawing/2010/main" Requires="a14">
+      <mc:AlternateContent xmlns:mc="http://schemas.openxmlformats.org/markup-compatibility/2006" xmlns:a14="http://schemas.microsoft.com/office/drawing/2010/main">
+        <mc:Choice Requires="a14">
           <p:sp>
             <p:nvSpPr>
               <p:cNvPr id="4" name="TextBox 3">
@@ -6207,6 +7514,7 @@
               </a:bodyPr>
               <a:lstStyle/>
               <a:p>
+                <a:pPr/>
                 <a14:m>
                   <m:oMathPara xmlns:m="http://schemas.openxmlformats.org/officeDocument/2006/math">
                     <m:oMathParaPr>
@@ -6420,7 +7728,7 @@
             </p:txBody>
           </p:sp>
         </mc:Choice>
-        <mc:Fallback>
+        <mc:Fallback xmlns="">
           <p:sp>
             <p:nvSpPr>
               <p:cNvPr id="4" name="TextBox 3">
@@ -6478,7 +7786,7 @@
 </p:sld>
 </file>
 
-<file path=ppt/slides/slide15.xml><?xml version="1.0" encoding="utf-8"?>
+<file path=ppt/slides/slide18.xml><?xml version="1.0" encoding="utf-8"?>
 <p:sld xmlns:a="http://schemas.openxmlformats.org/drawingml/2006/main" xmlns:r="http://schemas.openxmlformats.org/officeDocument/2006/relationships" xmlns:p="http://schemas.openxmlformats.org/presentationml/2006/main">
   <p:cSld>
     <p:spTree>
@@ -6555,14 +7863,30 @@
           <a:lstStyle/>
           <a:p>
             <a:r>
+              <a:rPr lang="en-US" altLang="ko-KR" dirty="0">
+                <a:solidFill>
+                  <a:srgbClr val="FF0000"/>
+                </a:solidFill>
+              </a:rPr>
+              <a:t>its greatest interpretability advantages </a:t>
+            </a:r>
+            <a:r>
               <a:rPr lang="en-US" altLang="ko-KR" dirty="0"/>
-              <a:t>its greatest interpretability advantages arise in cases in which users have a mechanism to specify a liking for an item, but no mechanism to specify a dislike</a:t>
+              <a:t>arise in cases in which users have a mechanism to specify a liking for an item, but no mechanism to specify a dislike</a:t>
             </a:r>
           </a:p>
           <a:p>
             <a:r>
               <a:rPr lang="en-US" altLang="ko-KR" dirty="0"/>
-              <a:t>a helpful aspect of such problem settings is that it is often reasonably possible to set the unspecified entries to 0, rather than treat them as missing values</a:t>
+              <a:t>a helpful aspect of such problem settings is that </a:t>
+            </a:r>
+            <a:r>
+              <a:rPr lang="en-US" altLang="ko-KR" b="1" dirty="0"/>
+              <a:t>it is often reasonably possible to set the unspecified entries to 0</a:t>
+            </a:r>
+            <a:r>
+              <a:rPr lang="en-US" altLang="ko-KR" dirty="0"/>
+              <a:t>, rather than treat them as missing values</a:t>
             </a:r>
             <a:endParaRPr lang="en-US" altLang="ko-KR" b="1" dirty="0"/>
           </a:p>
@@ -6581,7 +7905,7 @@
 </p:sld>
 </file>
 
-<file path=ppt/slides/slide16.xml><?xml version="1.0" encoding="utf-8"?>
+<file path=ppt/slides/slide19.xml><?xml version="1.0" encoding="utf-8"?>
 <p:sld xmlns:a="http://schemas.openxmlformats.org/drawingml/2006/main" xmlns:r="http://schemas.openxmlformats.org/officeDocument/2006/relationships" xmlns:p="http://schemas.openxmlformats.org/presentationml/2006/main">
   <p:cSld>
     <p:spTree>
@@ -6629,8 +7953,8 @@
           </a:p>
         </p:txBody>
       </p:sp>
-      <mc:AlternateContent xmlns:mc="http://schemas.openxmlformats.org/markup-compatibility/2006">
-        <mc:Choice xmlns:a14="http://schemas.microsoft.com/office/drawing/2010/main" Requires="a14">
+      <mc:AlternateContent xmlns:mc="http://schemas.openxmlformats.org/markup-compatibility/2006" xmlns:a14="http://schemas.microsoft.com/office/drawing/2010/main">
+        <mc:Choice Requires="a14">
           <p:sp>
             <p:nvSpPr>
               <p:cNvPr id="3" name="내용 개체 틀 2">
@@ -6828,7 +8152,7 @@
             </p:txBody>
           </p:sp>
         </mc:Choice>
-        <mc:Fallback>
+        <mc:Fallback xmlns="">
           <p:sp>
             <p:nvSpPr>
               <p:cNvPr id="3" name="내용 개체 틀 2">
@@ -6872,8 +8196,8 @@
           </p:sp>
         </mc:Fallback>
       </mc:AlternateContent>
-      <mc:AlternateContent xmlns:mc="http://schemas.openxmlformats.org/markup-compatibility/2006">
-        <mc:Choice xmlns:a14="http://schemas.microsoft.com/office/drawing/2010/main" Requires="a14">
+      <mc:AlternateContent xmlns:mc="http://schemas.openxmlformats.org/markup-compatibility/2006" xmlns:a14="http://schemas.microsoft.com/office/drawing/2010/main">
+        <mc:Choice Requires="a14">
           <p:sp>
             <p:nvSpPr>
               <p:cNvPr id="5" name="TextBox 4">
@@ -6902,6 +8226,7 @@
               </a:bodyPr>
               <a:lstStyle/>
               <a:p>
+                <a:pPr/>
                 <a14:m>
                   <m:oMathPara xmlns:m="http://schemas.openxmlformats.org/officeDocument/2006/math">
                     <m:oMathParaPr>
@@ -7190,6 +8515,7 @@
                 <a:endParaRPr lang="en-US" altLang="ko-KR" sz="2400" dirty="0"/>
               </a:p>
               <a:p>
+                <a:pPr/>
                 <a14:m>
                   <m:oMathPara xmlns:m="http://schemas.openxmlformats.org/officeDocument/2006/math">
                     <m:oMathParaPr>
@@ -7459,14 +8785,18 @@
                         <m:t> ∈ {1 </m:t>
                       </m:r>
                       <m:r>
-                        <a:rPr lang="en-US" altLang="ko-KR" sz="2400" i="1" smtClean="0"/>
+                        <a:rPr lang="en-US" altLang="ko-KR" sz="2400" i="1" smtClean="0">
+                          <a:latin typeface="Cambria Math" panose="02040503050406030204" pitchFamily="18" charset="0"/>
+                        </a:rPr>
                         <m:t>…</m:t>
                       </m:r>
                       <m:r>
                         <m:rPr>
                           <m:sty m:val="p"/>
                         </m:rPr>
-                        <a:rPr lang="en-US" altLang="ko-KR" sz="2400" i="1" smtClean="0"/>
+                        <a:rPr lang="en-US" altLang="ko-KR" sz="2400" i="1" smtClean="0">
+                          <a:latin typeface="Cambria Math" panose="02040503050406030204" pitchFamily="18" charset="0"/>
+                        </a:rPr>
                         <m:t>n</m:t>
                       </m:r>
                       <m:r>
@@ -7515,7 +8845,7 @@
             </p:txBody>
           </p:sp>
         </mc:Choice>
-        <mc:Fallback>
+        <mc:Fallback xmlns="">
           <p:sp>
             <p:nvSpPr>
               <p:cNvPr id="5" name="TextBox 4">
@@ -7573,7 +8903,96 @@
 </p:sld>
 </file>
 
-<file path=ppt/slides/slide17.xml><?xml version="1.0" encoding="utf-8"?>
+<file path=ppt/slides/slide2.xml><?xml version="1.0" encoding="utf-8"?>
+<p:sld xmlns:a="http://schemas.openxmlformats.org/drawingml/2006/main" xmlns:r="http://schemas.openxmlformats.org/officeDocument/2006/relationships" xmlns:p="http://schemas.openxmlformats.org/presentationml/2006/main">
+  <p:cSld>
+    <p:spTree>
+      <p:nvGrpSpPr>
+        <p:cNvPr id="1" name=""/>
+        <p:cNvGrpSpPr/>
+        <p:nvPr/>
+      </p:nvGrpSpPr>
+      <p:grpSpPr>
+        <a:xfrm>
+          <a:off x="0" y="0"/>
+          <a:ext cx="0" cy="0"/>
+          <a:chOff x="0" y="0"/>
+          <a:chExt cx="0" cy="0"/>
+        </a:xfrm>
+      </p:grpSpPr>
+      <p:sp>
+        <p:nvSpPr>
+          <p:cNvPr id="2" name="제목 1">
+            <a:extLst>
+              <a:ext uri="{FF2B5EF4-FFF2-40B4-BE49-F238E27FC236}">
+                <a16:creationId xmlns:a16="http://schemas.microsoft.com/office/drawing/2014/main" id="{AA92BCFB-E11B-F940-A787-2261CAC8E814}"/>
+              </a:ext>
+            </a:extLst>
+          </p:cNvPr>
+          <p:cNvSpPr>
+            <a:spLocks noGrp="1"/>
+          </p:cNvSpPr>
+          <p:nvPr>
+            <p:ph type="title"/>
+          </p:nvPr>
+        </p:nvSpPr>
+        <p:spPr/>
+        <p:txBody>
+          <a:bodyPr/>
+          <a:lstStyle/>
+          <a:p>
+            <a:r>
+              <a:rPr kumimoji="1" lang="en-US" altLang="en-US" dirty="0"/>
+              <a:t>Summary</a:t>
+            </a:r>
+            <a:endParaRPr kumimoji="1" lang="ko-Kore-KR" altLang="en-US" dirty="0"/>
+          </a:p>
+        </p:txBody>
+      </p:sp>
+      <p:sp>
+        <p:nvSpPr>
+          <p:cNvPr id="3" name="내용 개체 틀 2">
+            <a:extLst>
+              <a:ext uri="{FF2B5EF4-FFF2-40B4-BE49-F238E27FC236}">
+                <a16:creationId xmlns:a16="http://schemas.microsoft.com/office/drawing/2014/main" id="{1725D5B2-2C6C-3B43-B4F2-CA91BE12BB41}"/>
+              </a:ext>
+            </a:extLst>
+          </p:cNvPr>
+          <p:cNvSpPr>
+            <a:spLocks noGrp="1"/>
+          </p:cNvSpPr>
+          <p:nvPr>
+            <p:ph idx="1"/>
+          </p:nvPr>
+        </p:nvSpPr>
+        <p:spPr>
+          <a:xfrm>
+            <a:off x="838200" y="1721803"/>
+            <a:ext cx="10515600" cy="4351338"/>
+          </a:xfrm>
+        </p:spPr>
+        <p:txBody>
+          <a:bodyPr/>
+          <a:lstStyle/>
+          <a:p>
+            <a:endParaRPr kumimoji="1" lang="en-US" altLang="en-US" b="1" dirty="0"/>
+          </a:p>
+        </p:txBody>
+      </p:sp>
+    </p:spTree>
+    <p:extLst>
+      <p:ext uri="{BB962C8B-B14F-4D97-AF65-F5344CB8AC3E}">
+        <p14:creationId xmlns:p14="http://schemas.microsoft.com/office/powerpoint/2010/main" val="2122359743"/>
+      </p:ext>
+    </p:extLst>
+  </p:cSld>
+  <p:clrMapOvr>
+    <a:masterClrMapping/>
+  </p:clrMapOvr>
+</p:sld>
+</file>
+
+<file path=ppt/slides/slide20.xml><?xml version="1.0" encoding="utf-8"?>
 <p:sld xmlns:a="http://schemas.openxmlformats.org/drawingml/2006/main" xmlns:r="http://schemas.openxmlformats.org/officeDocument/2006/relationships" xmlns:p="http://schemas.openxmlformats.org/presentationml/2006/main">
   <p:cSld>
     <p:spTree>
@@ -7712,7 +9131,7 @@
 </p:sld>
 </file>
 
-<file path=ppt/slides/slide18.xml><?xml version="1.0" encoding="utf-8"?>
+<file path=ppt/slides/slide21.xml><?xml version="1.0" encoding="utf-8"?>
 <p:sld xmlns:a="http://schemas.openxmlformats.org/drawingml/2006/main" xmlns:r="http://schemas.openxmlformats.org/officeDocument/2006/relationships" xmlns:p="http://schemas.openxmlformats.org/presentationml/2006/main">
   <p:cSld>
     <p:spTree>
@@ -7760,8 +9179,8 @@
           </a:p>
         </p:txBody>
       </p:sp>
-      <mc:AlternateContent xmlns:mc="http://schemas.openxmlformats.org/markup-compatibility/2006">
-        <mc:Choice xmlns:a14="http://schemas.microsoft.com/office/drawing/2010/main" Requires="a14">
+      <mc:AlternateContent xmlns:mc="http://schemas.openxmlformats.org/markup-compatibility/2006" xmlns:a14="http://schemas.microsoft.com/office/drawing/2010/main">
+        <mc:Choice Requires="a14">
           <p:sp>
             <p:nvSpPr>
               <p:cNvPr id="3" name="내용 개체 틀 2">
@@ -8166,7 +9585,7 @@
             </p:txBody>
           </p:sp>
         </mc:Choice>
-        <mc:Fallback>
+        <mc:Fallback xmlns="">
           <p:sp>
             <p:nvSpPr>
               <p:cNvPr id="3" name="내용 개체 틀 2">
@@ -8253,7 +9672,7 @@
 </p:sld>
 </file>
 
-<file path=ppt/slides/slide19.xml><?xml version="1.0" encoding="utf-8"?>
+<file path=ppt/slides/slide22.xml><?xml version="1.0" encoding="utf-8"?>
 <p:sld xmlns:a="http://schemas.openxmlformats.org/drawingml/2006/main" xmlns:r="http://schemas.openxmlformats.org/officeDocument/2006/relationships" xmlns:p="http://schemas.openxmlformats.org/presentationml/2006/main">
   <p:cSld>
     <p:spTree>
@@ -8301,8 +9720,8 @@
           </a:p>
         </p:txBody>
       </p:sp>
-      <mc:AlternateContent xmlns:mc="http://schemas.openxmlformats.org/markup-compatibility/2006">
-        <mc:Choice xmlns:a14="http://schemas.microsoft.com/office/drawing/2010/main" Requires="a14">
+      <mc:AlternateContent xmlns:mc="http://schemas.openxmlformats.org/markup-compatibility/2006" xmlns:a14="http://schemas.microsoft.com/office/drawing/2010/main">
+        <mc:Choice Requires="a14">
           <p:sp>
             <p:nvSpPr>
               <p:cNvPr id="3" name="내용 개체 틀 2">
@@ -8758,7 +10177,7 @@
             </p:txBody>
           </p:sp>
         </mc:Choice>
-        <mc:Fallback>
+        <mc:Fallback xmlns="">
           <p:sp>
             <p:nvSpPr>
               <p:cNvPr id="3" name="내용 개체 틀 2">
@@ -8815,96 +10234,7 @@
 </p:sld>
 </file>
 
-<file path=ppt/slides/slide2.xml><?xml version="1.0" encoding="utf-8"?>
-<p:sld xmlns:a="http://schemas.openxmlformats.org/drawingml/2006/main" xmlns:r="http://schemas.openxmlformats.org/officeDocument/2006/relationships" xmlns:p="http://schemas.openxmlformats.org/presentationml/2006/main">
-  <p:cSld>
-    <p:spTree>
-      <p:nvGrpSpPr>
-        <p:cNvPr id="1" name=""/>
-        <p:cNvGrpSpPr/>
-        <p:nvPr/>
-      </p:nvGrpSpPr>
-      <p:grpSpPr>
-        <a:xfrm>
-          <a:off x="0" y="0"/>
-          <a:ext cx="0" cy="0"/>
-          <a:chOff x="0" y="0"/>
-          <a:chExt cx="0" cy="0"/>
-        </a:xfrm>
-      </p:grpSpPr>
-      <p:sp>
-        <p:nvSpPr>
-          <p:cNvPr id="2" name="제목 1">
-            <a:extLst>
-              <a:ext uri="{FF2B5EF4-FFF2-40B4-BE49-F238E27FC236}">
-                <a16:creationId xmlns:a16="http://schemas.microsoft.com/office/drawing/2014/main" id="{AA92BCFB-E11B-F940-A787-2261CAC8E814}"/>
-              </a:ext>
-            </a:extLst>
-          </p:cNvPr>
-          <p:cNvSpPr>
-            <a:spLocks noGrp="1"/>
-          </p:cNvSpPr>
-          <p:nvPr>
-            <p:ph type="title"/>
-          </p:nvPr>
-        </p:nvSpPr>
-        <p:spPr/>
-        <p:txBody>
-          <a:bodyPr/>
-          <a:lstStyle/>
-          <a:p>
-            <a:r>
-              <a:rPr kumimoji="1" lang="en-US" altLang="en-US" dirty="0"/>
-              <a:t>Summary</a:t>
-            </a:r>
-            <a:endParaRPr kumimoji="1" lang="ko-Kore-KR" altLang="en-US" dirty="0"/>
-          </a:p>
-        </p:txBody>
-      </p:sp>
-      <p:sp>
-        <p:nvSpPr>
-          <p:cNvPr id="3" name="내용 개체 틀 2">
-            <a:extLst>
-              <a:ext uri="{FF2B5EF4-FFF2-40B4-BE49-F238E27FC236}">
-                <a16:creationId xmlns:a16="http://schemas.microsoft.com/office/drawing/2014/main" id="{1725D5B2-2C6C-3B43-B4F2-CA91BE12BB41}"/>
-              </a:ext>
-            </a:extLst>
-          </p:cNvPr>
-          <p:cNvSpPr>
-            <a:spLocks noGrp="1"/>
-          </p:cNvSpPr>
-          <p:nvPr>
-            <p:ph idx="1"/>
-          </p:nvPr>
-        </p:nvSpPr>
-        <p:spPr>
-          <a:xfrm>
-            <a:off x="838200" y="1721803"/>
-            <a:ext cx="10515600" cy="4351338"/>
-          </a:xfrm>
-        </p:spPr>
-        <p:txBody>
-          <a:bodyPr/>
-          <a:lstStyle/>
-          <a:p>
-            <a:endParaRPr kumimoji="1" lang="en-US" altLang="en-US" b="1" dirty="0"/>
-          </a:p>
-        </p:txBody>
-      </p:sp>
-    </p:spTree>
-    <p:extLst>
-      <p:ext uri="{BB962C8B-B14F-4D97-AF65-F5344CB8AC3E}">
-        <p14:creationId xmlns:p14="http://schemas.microsoft.com/office/powerpoint/2010/main" val="2122359743"/>
-      </p:ext>
-    </p:extLst>
-  </p:cSld>
-  <p:clrMapOvr>
-    <a:masterClrMapping/>
-  </p:clrMapOvr>
-</p:sld>
-</file>
-
-<file path=ppt/slides/slide20.xml><?xml version="1.0" encoding="utf-8"?>
+<file path=ppt/slides/slide23.xml><?xml version="1.0" encoding="utf-8"?>
 <p:sld xmlns:a="http://schemas.openxmlformats.org/drawingml/2006/main" xmlns:r="http://schemas.openxmlformats.org/officeDocument/2006/relationships" xmlns:p="http://schemas.openxmlformats.org/presentationml/2006/main">
   <p:cSld>
     <p:spTree>
@@ -9034,7 +10364,7 @@
 </p:sld>
 </file>
 
-<file path=ppt/slides/slide21.xml><?xml version="1.0" encoding="utf-8"?>
+<file path=ppt/slides/slide24.xml><?xml version="1.0" encoding="utf-8"?>
 <p:sld xmlns:a="http://schemas.openxmlformats.org/drawingml/2006/main" xmlns:r="http://schemas.openxmlformats.org/officeDocument/2006/relationships" xmlns:p="http://schemas.openxmlformats.org/presentationml/2006/main">
   <p:cSld>
     <p:spTree>
@@ -9127,7 +10457,7 @@
 </p:sld>
 </file>
 
-<file path=ppt/slides/slide22.xml><?xml version="1.0" encoding="utf-8"?>
+<file path=ppt/slides/slide25.xml><?xml version="1.0" encoding="utf-8"?>
 <p:sld xmlns:a="http://schemas.openxmlformats.org/drawingml/2006/main" xmlns:r="http://schemas.openxmlformats.org/officeDocument/2006/relationships" xmlns:p="http://schemas.openxmlformats.org/presentationml/2006/main">
   <p:cSld>
     <p:spTree>
@@ -9176,36 +10506,6 @@
           </a:p>
         </p:txBody>
       </p:sp>
-      <p:pic>
-        <p:nvPicPr>
-          <p:cNvPr id="3" name="그림 2">
-            <a:extLst>
-              <a:ext uri="{FF2B5EF4-FFF2-40B4-BE49-F238E27FC236}">
-                <a16:creationId xmlns:a16="http://schemas.microsoft.com/office/drawing/2014/main" id="{14989BB8-D312-6538-ABD7-DCB58C035431}"/>
-              </a:ext>
-            </a:extLst>
-          </p:cNvPr>
-          <p:cNvPicPr>
-            <a:picLocks noChangeAspect="1"/>
-          </p:cNvPicPr>
-          <p:nvPr/>
-        </p:nvPicPr>
-        <p:blipFill>
-          <a:blip r:embed="rId2"/>
-          <a:stretch>
-            <a:fillRect/>
-          </a:stretch>
-        </p:blipFill>
-        <p:spPr>
-          <a:xfrm>
-            <a:off x="11667744" y="1987964"/>
-            <a:ext cx="6156021" cy="2104758"/>
-          </a:xfrm>
-          <a:prstGeom prst="rect">
-            <a:avLst/>
-          </a:prstGeom>
-        </p:spPr>
-      </p:pic>
     </p:spTree>
     <p:extLst>
       <p:ext uri="{BB962C8B-B14F-4D97-AF65-F5344CB8AC3E}">
@@ -9439,8 +10739,8 @@
           </a:p>
         </p:txBody>
       </p:sp>
-      <mc:AlternateContent xmlns:mc="http://schemas.openxmlformats.org/markup-compatibility/2006">
-        <mc:Choice xmlns:a14="http://schemas.microsoft.com/office/drawing/2010/main" Requires="a14">
+      <mc:AlternateContent xmlns:mc="http://schemas.openxmlformats.org/markup-compatibility/2006" xmlns:a14="http://schemas.microsoft.com/office/drawing/2010/main">
+        <mc:Choice Requires="a14">
           <p:sp>
             <p:nvSpPr>
               <p:cNvPr id="4" name="TextBox 3">
@@ -9598,7 +10898,7 @@
             </p:txBody>
           </p:sp>
         </mc:Choice>
-        <mc:Fallback>
+        <mc:Fallback xmlns="">
           <p:sp>
             <p:nvSpPr>
               <p:cNvPr id="4" name="TextBox 3">
@@ -9643,8 +10943,8 @@
           </p:sp>
         </mc:Fallback>
       </mc:AlternateContent>
-      <mc:AlternateContent xmlns:mc="http://schemas.openxmlformats.org/markup-compatibility/2006">
-        <mc:Choice xmlns:a14="http://schemas.microsoft.com/office/drawing/2010/main" Requires="a14">
+      <mc:AlternateContent xmlns:mc="http://schemas.openxmlformats.org/markup-compatibility/2006" xmlns:a14="http://schemas.microsoft.com/office/drawing/2010/main">
+        <mc:Choice Requires="a14">
           <p:sp>
             <p:nvSpPr>
               <p:cNvPr id="5" name="TextBox 4">
@@ -9970,7 +11270,7 @@
             </p:txBody>
           </p:sp>
         </mc:Choice>
-        <mc:Fallback>
+        <mc:Fallback xmlns="">
           <p:sp>
             <p:nvSpPr>
               <p:cNvPr id="5" name="TextBox 4">
@@ -10110,14 +11410,18 @@
               <a:p>
                 <a:r>
                   <a:rPr lang="en-US" altLang="ko-KR" dirty="0"/>
-                  <a:t>However, the diagonal matrix </a:t>
+                  <a:t>However, the </a:t>
+                </a:r>
+                <a:r>
+                  <a:rPr lang="en-US" altLang="ko-KR" b="1" dirty="0"/>
+                  <a:t>diagonal matrix </a:t>
                 </a:r>
                 <a14:m>
                   <m:oMath xmlns:m="http://schemas.openxmlformats.org/officeDocument/2006/math">
                     <m:sSub>
                       <m:sSubPr>
                         <m:ctrlPr>
-                          <a:rPr lang="en-US" altLang="ko-KR" sz="2000" b="0" i="1" smtClean="0">
+                          <a:rPr lang="en-US" altLang="ko-KR" sz="2000" b="1" i="1" smtClean="0">
                             <a:latin typeface="Cambria Math" panose="02040503050406030204" pitchFamily="18" charset="0"/>
                             <a:ea typeface="Cambria Math" panose="02040503050406030204" pitchFamily="18" charset="0"/>
                           </a:rPr>
@@ -10125,28 +11429,25 @@
                       </m:sSubPr>
                       <m:e>
                         <m:r>
-                          <m:rPr>
-                            <m:sty m:val="p"/>
-                          </m:rPr>
-                          <a:rPr lang="el-GR" altLang="ko-KR" sz="2000" b="0" i="1" smtClean="0">
+                          <a:rPr lang="el-GR" altLang="ko-KR" sz="2000" b="1" i="1" smtClean="0">
                             <a:latin typeface="Cambria Math" panose="02040503050406030204" pitchFamily="18" charset="0"/>
                             <a:ea typeface="Cambria Math" panose="02040503050406030204" pitchFamily="18" charset="0"/>
                           </a:rPr>
-                          <m:t>Σ</m:t>
+                          <m:t>𝜮</m:t>
                         </m:r>
                       </m:e>
                       <m:sub>
                         <m:r>
-                          <a:rPr lang="en-US" altLang="ko-KR" sz="2000" b="0" i="1" smtClean="0">
+                          <a:rPr lang="en-US" altLang="ko-KR" sz="2000" b="1" i="1" smtClean="0">
                             <a:latin typeface="Cambria Math" panose="02040503050406030204" pitchFamily="18" charset="0"/>
                             <a:ea typeface="Cambria Math" panose="02040503050406030204" pitchFamily="18" charset="0"/>
                           </a:rPr>
-                          <m:t>𝑘</m:t>
+                          <m:t>𝒌</m:t>
                         </m:r>
                       </m:sub>
                     </m:sSub>
                     <m:r>
-                      <a:rPr lang="en-US" altLang="ko-KR" sz="2000" b="0" i="1" smtClean="0">
+                      <a:rPr lang="en-US" altLang="ko-KR" sz="2000" b="1" i="1" smtClean="0">
                         <a:latin typeface="Cambria Math" panose="02040503050406030204" pitchFamily="18" charset="0"/>
                         <a:ea typeface="Cambria Math" panose="02040503050406030204" pitchFamily="18" charset="0"/>
                       </a:rPr>
@@ -10155,7 +11456,7 @@
                   </m:oMath>
                 </a14:m>
                 <a:r>
-                  <a:rPr lang="en-US" altLang="ko-KR" dirty="0"/>
+                  <a:rPr lang="en-US" altLang="ko-KR" b="1" dirty="0"/>
                   <a:t>can be absorbed in either the user factors </a:t>
                 </a:r>
                 <a14:m>
@@ -10163,7 +11464,7 @@
                     <m:sSub>
                       <m:sSubPr>
                         <m:ctrlPr>
-                          <a:rPr lang="en-US" altLang="ko-KR" i="1">
+                          <a:rPr lang="en-US" altLang="ko-KR" b="1" i="1">
                             <a:latin typeface="Cambria Math" panose="02040503050406030204" pitchFamily="18" charset="0"/>
                             <a:ea typeface="Cambria Math" panose="02040503050406030204" pitchFamily="18" charset="0"/>
                           </a:rPr>
@@ -10171,20 +11472,20 @@
                       </m:sSubPr>
                       <m:e>
                         <m:r>
-                          <a:rPr lang="en-US" altLang="ko-KR" i="1">
+                          <a:rPr lang="en-US" altLang="ko-KR" b="1" i="1">
                             <a:latin typeface="Cambria Math" panose="02040503050406030204" pitchFamily="18" charset="0"/>
                             <a:ea typeface="Cambria Math" panose="02040503050406030204" pitchFamily="18" charset="0"/>
                           </a:rPr>
-                          <m:t>𝑄</m:t>
+                          <m:t>𝑸</m:t>
                         </m:r>
                       </m:e>
                       <m:sub>
                         <m:r>
-                          <a:rPr lang="en-US" altLang="ko-KR" i="1">
+                          <a:rPr lang="en-US" altLang="ko-KR" b="1" i="1">
                             <a:latin typeface="Cambria Math" panose="02040503050406030204" pitchFamily="18" charset="0"/>
                             <a:ea typeface="Cambria Math" panose="02040503050406030204" pitchFamily="18" charset="0"/>
                           </a:rPr>
-                          <m:t>𝑘</m:t>
+                          <m:t>𝒌</m:t>
                         </m:r>
                       </m:sub>
                     </m:sSub>
@@ -10192,14 +11493,18 @@
                 </a14:m>
                 <a:r>
                   <a:rPr lang="en-US" altLang="ko-KR" dirty="0"/>
-                  <a:t> or the item factors </a:t>
+                  <a:t> or the </a:t>
+                </a:r>
+                <a:r>
+                  <a:rPr lang="en-US" altLang="ko-KR" b="1" dirty="0"/>
+                  <a:t>item factors </a:t>
                 </a:r>
                 <a14:m>
                   <m:oMath xmlns:m="http://schemas.openxmlformats.org/officeDocument/2006/math">
                     <m:sSubSup>
                       <m:sSubSupPr>
                         <m:ctrlPr>
-                          <a:rPr lang="en-US" altLang="ko-KR" i="1">
+                          <a:rPr lang="en-US" altLang="ko-KR" b="1" i="1">
                             <a:latin typeface="Cambria Math" panose="02040503050406030204" pitchFamily="18" charset="0"/>
                             <a:ea typeface="Cambria Math" panose="02040503050406030204" pitchFamily="18" charset="0"/>
                           </a:rPr>
@@ -10207,20 +11512,20 @@
                       </m:sSubSupPr>
                       <m:e>
                         <m:r>
-                          <a:rPr lang="en-US" altLang="ko-KR" i="1">
+                          <a:rPr lang="en-US" altLang="ko-KR" b="1" i="1">
                             <a:latin typeface="Cambria Math" panose="02040503050406030204" pitchFamily="18" charset="0"/>
                             <a:ea typeface="Cambria Math" panose="02040503050406030204" pitchFamily="18" charset="0"/>
                           </a:rPr>
-                          <m:t>𝑃</m:t>
+                          <m:t>𝑷</m:t>
                         </m:r>
                       </m:e>
                       <m:sub>
                         <m:r>
-                          <a:rPr lang="en-US" altLang="ko-KR" i="1">
+                          <a:rPr lang="en-US" altLang="ko-KR" b="1" i="1">
                             <a:latin typeface="Cambria Math" panose="02040503050406030204" pitchFamily="18" charset="0"/>
                             <a:ea typeface="Cambria Math" panose="02040503050406030204" pitchFamily="18" charset="0"/>
                           </a:rPr>
-                          <m:t>𝑘</m:t>
+                          <m:t>𝒌</m:t>
                         </m:r>
                       </m:sub>
                       <m:sup/>
@@ -10273,7 +11578,7 @@
               <a:blipFill>
                 <a:blip r:embed="rId3"/>
                 <a:stretch>
-                  <a:fillRect l="-522" r="-1043"/>
+                  <a:fillRect l="-522" r="-348"/>
                 </a:stretch>
               </a:blipFill>
             </p:spPr>
@@ -10292,8 +11597,8 @@
           </p:sp>
         </mc:Fallback>
       </mc:AlternateContent>
-      <mc:AlternateContent xmlns:mc="http://schemas.openxmlformats.org/markup-compatibility/2006">
-        <mc:Choice xmlns:a14="http://schemas.microsoft.com/office/drawing/2010/main" Requires="a14">
+      <mc:AlternateContent xmlns:mc="http://schemas.openxmlformats.org/markup-compatibility/2006" xmlns:a14="http://schemas.microsoft.com/office/drawing/2010/main">
+        <mc:Choice Requires="a14">
           <p:sp>
             <p:nvSpPr>
               <p:cNvPr id="4" name="TextBox 3">
@@ -10322,6 +11627,7 @@
               </a:bodyPr>
               <a:lstStyle/>
               <a:p>
+                <a:pPr/>
                 <a14:m>
                   <m:oMathPara xmlns:m="http://schemas.openxmlformats.org/officeDocument/2006/math">
                     <m:oMathParaPr>
@@ -10407,6 +11713,7 @@
                 <a:endParaRPr lang="en-US" altLang="ko-KR" sz="2400" dirty="0"/>
               </a:p>
               <a:p>
+                <a:pPr/>
                 <a14:m>
                   <m:oMathPara xmlns:m="http://schemas.openxmlformats.org/officeDocument/2006/math">
                     <m:oMathParaPr>
@@ -10503,7 +11810,7 @@
             </p:txBody>
           </p:sp>
         </mc:Choice>
-        <mc:Fallback>
+        <mc:Fallback xmlns="">
           <p:sp>
             <p:nvSpPr>
               <p:cNvPr id="4" name="TextBox 3">
@@ -10607,8 +11914,8 @@
           </a:p>
         </p:txBody>
       </p:sp>
-      <mc:AlternateContent xmlns:mc="http://schemas.openxmlformats.org/markup-compatibility/2006">
-        <mc:Choice xmlns:a14="http://schemas.microsoft.com/office/drawing/2010/main" Requires="a14">
+      <mc:AlternateContent xmlns:mc="http://schemas.openxmlformats.org/markup-compatibility/2006" xmlns:a14="http://schemas.microsoft.com/office/drawing/2010/main">
+        <mc:Choice Requires="a14">
           <p:sp>
             <p:nvSpPr>
               <p:cNvPr id="3" name="내용 개체 틀 2">
@@ -10709,7 +12016,7 @@
             </p:txBody>
           </p:sp>
         </mc:Choice>
-        <mc:Fallback>
+        <mc:Fallback xmlns="">
           <p:sp>
             <p:nvSpPr>
               <p:cNvPr id="3" name="내용 개체 틀 2">
@@ -10753,8 +12060,8 @@
           </p:sp>
         </mc:Fallback>
       </mc:AlternateContent>
-      <mc:AlternateContent xmlns:mc="http://schemas.openxmlformats.org/markup-compatibility/2006">
-        <mc:Choice xmlns:a14="http://schemas.microsoft.com/office/drawing/2010/main" Requires="a14">
+      <mc:AlternateContent xmlns:mc="http://schemas.openxmlformats.org/markup-compatibility/2006" xmlns:a14="http://schemas.microsoft.com/office/drawing/2010/main">
+        <mc:Choice Requires="a14">
           <p:sp>
             <p:nvSpPr>
               <p:cNvPr id="4" name="TextBox 3">
@@ -10783,6 +12090,7 @@
               </a:bodyPr>
               <a:lstStyle/>
               <a:p>
+                <a:pPr/>
                 <a14:m>
                   <m:oMathPara xmlns:m="http://schemas.openxmlformats.org/officeDocument/2006/math">
                     <m:oMathParaPr>
@@ -11041,7 +12349,7 @@
             </p:txBody>
           </p:sp>
         </mc:Choice>
-        <mc:Fallback>
+        <mc:Fallback xmlns="">
           <p:sp>
             <p:nvSpPr>
               <p:cNvPr id="4" name="TextBox 3">
@@ -11147,8 +12455,8 @@
           </a:p>
         </p:txBody>
       </p:sp>
-      <mc:AlternateContent xmlns:mc="http://schemas.openxmlformats.org/markup-compatibility/2006">
-        <mc:Choice xmlns:a14="http://schemas.microsoft.com/office/drawing/2010/main" Requires="a14">
+      <mc:AlternateContent xmlns:mc="http://schemas.openxmlformats.org/markup-compatibility/2006" xmlns:a14="http://schemas.microsoft.com/office/drawing/2010/main">
+        <mc:Choice Requires="a14">
           <p:sp>
             <p:nvSpPr>
               <p:cNvPr id="3" name="내용 개체 틀 2">
@@ -11473,7 +12781,7 @@
             </p:txBody>
           </p:sp>
         </mc:Choice>
-        <mc:Fallback>
+        <mc:Fallback xmlns="">
           <p:sp>
             <p:nvSpPr>
               <p:cNvPr id="3" name="내용 개체 틀 2">
@@ -11578,8 +12886,8 @@
           </a:p>
         </p:txBody>
       </p:sp>
-      <mc:AlternateContent xmlns:mc="http://schemas.openxmlformats.org/markup-compatibility/2006">
-        <mc:Choice xmlns:a14="http://schemas.microsoft.com/office/drawing/2010/main" Requires="a14">
+      <mc:AlternateContent xmlns:mc="http://schemas.openxmlformats.org/markup-compatibility/2006" xmlns:a14="http://schemas.microsoft.com/office/drawing/2010/main">
+        <mc:Choice Requires="a14">
           <p:sp>
             <p:nvSpPr>
               <p:cNvPr id="3" name="내용 개체 틀 2">
@@ -11776,7 +13084,6 @@
                 </a:endParaRPr>
               </a:p>
               <a:p>
-                <a:pPr/>
                 <a14:m>
                   <m:oMath xmlns:m="http://schemas.openxmlformats.org/officeDocument/2006/math">
                     <m:r>
@@ -12135,7 +13442,7 @@
             </p:txBody>
           </p:sp>
         </mc:Choice>
-        <mc:Fallback>
+        <mc:Fallback xmlns="">
           <p:sp>
             <p:nvSpPr>
               <p:cNvPr id="3" name="내용 개체 틀 2">
@@ -12179,8 +13486,8 @@
           </p:sp>
         </mc:Fallback>
       </mc:AlternateContent>
-      <mc:AlternateContent xmlns:mc="http://schemas.openxmlformats.org/markup-compatibility/2006">
-        <mc:Choice xmlns:a14="http://schemas.microsoft.com/office/drawing/2010/main" Requires="a14">
+      <mc:AlternateContent xmlns:mc="http://schemas.openxmlformats.org/markup-compatibility/2006" xmlns:a14="http://schemas.microsoft.com/office/drawing/2010/main">
+        <mc:Choice Requires="a14">
           <p:sp>
             <p:nvSpPr>
               <p:cNvPr id="6" name="TextBox 5">
@@ -12378,7 +13685,7 @@
             </p:txBody>
           </p:sp>
         </mc:Choice>
-        <mc:Fallback>
+        <mc:Fallback xmlns="">
           <p:sp>
             <p:nvSpPr>
               <p:cNvPr id="6" name="TextBox 5">

--- a/RecSysStudy/Recommender System ch.3.6.5~.pptx
+++ b/RecSysStudy/Recommender System ch.3.6.5~.pptx
@@ -5,34 +5,36 @@
     <p:sldMasterId id="2147483653" r:id="rId1"/>
   </p:sldMasterIdLst>
   <p:notesMasterIdLst>
-    <p:notesMasterId r:id="rId27"/>
+    <p:notesMasterId r:id="rId29"/>
   </p:notesMasterIdLst>
   <p:sldIdLst>
     <p:sldId id="257" r:id="rId2"/>
-    <p:sldId id="259" r:id="rId3"/>
-    <p:sldId id="278" r:id="rId4"/>
-    <p:sldId id="262" r:id="rId5"/>
-    <p:sldId id="279" r:id="rId6"/>
-    <p:sldId id="280" r:id="rId7"/>
-    <p:sldId id="281" r:id="rId8"/>
-    <p:sldId id="282" r:id="rId9"/>
-    <p:sldId id="283" r:id="rId10"/>
-    <p:sldId id="284" r:id="rId11"/>
-    <p:sldId id="285" r:id="rId12"/>
-    <p:sldId id="286" r:id="rId13"/>
-    <p:sldId id="297" r:id="rId14"/>
-    <p:sldId id="298" r:id="rId15"/>
-    <p:sldId id="299" r:id="rId16"/>
-    <p:sldId id="289" r:id="rId17"/>
-    <p:sldId id="288" r:id="rId18"/>
-    <p:sldId id="290" r:id="rId19"/>
-    <p:sldId id="295" r:id="rId20"/>
-    <p:sldId id="291" r:id="rId21"/>
-    <p:sldId id="292" r:id="rId22"/>
-    <p:sldId id="293" r:id="rId23"/>
-    <p:sldId id="294" r:id="rId24"/>
-    <p:sldId id="296" r:id="rId25"/>
-    <p:sldId id="261" r:id="rId26"/>
+    <p:sldId id="278" r:id="rId3"/>
+    <p:sldId id="262" r:id="rId4"/>
+    <p:sldId id="279" r:id="rId5"/>
+    <p:sldId id="280" r:id="rId6"/>
+    <p:sldId id="281" r:id="rId7"/>
+    <p:sldId id="282" r:id="rId8"/>
+    <p:sldId id="283" r:id="rId9"/>
+    <p:sldId id="284" r:id="rId10"/>
+    <p:sldId id="285" r:id="rId11"/>
+    <p:sldId id="286" r:id="rId12"/>
+    <p:sldId id="297" r:id="rId13"/>
+    <p:sldId id="298" r:id="rId14"/>
+    <p:sldId id="299" r:id="rId15"/>
+    <p:sldId id="289" r:id="rId16"/>
+    <p:sldId id="288" r:id="rId17"/>
+    <p:sldId id="290" r:id="rId18"/>
+    <p:sldId id="295" r:id="rId19"/>
+    <p:sldId id="291" r:id="rId20"/>
+    <p:sldId id="292" r:id="rId21"/>
+    <p:sldId id="293" r:id="rId22"/>
+    <p:sldId id="294" r:id="rId23"/>
+    <p:sldId id="296" r:id="rId24"/>
+    <p:sldId id="300" r:id="rId25"/>
+    <p:sldId id="301" r:id="rId26"/>
+    <p:sldId id="302" r:id="rId27"/>
+    <p:sldId id="261" r:id="rId28"/>
   </p:sldIdLst>
   <p:sldSz cx="12192000" cy="6858000"/>
   <p:notesSz cx="6858000" cy="9144000"/>
@@ -532,6 +534,48 @@
           <a:bodyPr/>
           <a:lstStyle/>
           <a:p>
+            <a:r>
+              <a:rPr lang="ko-KR" altLang="en-US" dirty="0" err="1"/>
+              <a:t>특이값</a:t>
+            </a:r>
+            <a:r>
+              <a:rPr lang="ko-KR" altLang="en-US" dirty="0"/>
+              <a:t> 분해는 </a:t>
+            </a:r>
+            <a:r>
+              <a:rPr lang="en-US" altLang="ko-KR" dirty="0"/>
+              <a:t>MF</a:t>
+            </a:r>
+            <a:r>
+              <a:rPr lang="ko-KR" altLang="en-US" dirty="0"/>
+              <a:t>를 구현하는 방법론 중 하나다</a:t>
+            </a:r>
+            <a:r>
+              <a:rPr lang="en-US" altLang="ko-KR" dirty="0"/>
+              <a:t>.</a:t>
+            </a:r>
+          </a:p>
+          <a:p>
+            <a:r>
+              <a:rPr lang="ko-KR" altLang="en-US" dirty="0" err="1"/>
+              <a:t>꽉찬</a:t>
+            </a:r>
+            <a:r>
+              <a:rPr lang="ko-KR" altLang="en-US" dirty="0"/>
+              <a:t> 평점 행렬을 생각해보면</a:t>
+            </a:r>
+            <a:r>
+              <a:rPr lang="en-US" altLang="ko-KR" dirty="0"/>
+              <a:t>, truncated SVD</a:t>
+            </a:r>
+            <a:r>
+              <a:rPr lang="ko-KR" altLang="en-US" dirty="0"/>
+              <a:t>는 다음과 같이 정의 된다</a:t>
+            </a:r>
+            <a:r>
+              <a:rPr lang="en-US" altLang="ko-KR" dirty="0"/>
+              <a:t>.</a:t>
+            </a:r>
             <a:endParaRPr lang="ko-KR" altLang="en-US" dirty="0"/>
           </a:p>
         </p:txBody>
@@ -553,7 +597,7 @@
           <a:p>
             <a:fld id="{DA275FA2-6C42-4D6B-BC32-C1F878E1B2E0}" type="slidenum">
               <a:rPr lang="ko-KR" altLang="en-US" smtClean="0"/>
-              <a:t>2</a:t>
+              <a:t>3</a:t>
             </a:fld>
             <a:endParaRPr lang="ko-KR" altLang="en-US"/>
           </a:p>
@@ -562,7 +606,7 @@
     </p:spTree>
     <p:extLst>
       <p:ext uri="{BB962C8B-B14F-4D97-AF65-F5344CB8AC3E}">
-        <p14:creationId xmlns:p14="http://schemas.microsoft.com/office/powerpoint/2010/main" val="3209812725"/>
+        <p14:creationId xmlns:p14="http://schemas.microsoft.com/office/powerpoint/2010/main" val="2148025325"/>
       </p:ext>
     </p:extLst>
   </p:cSld>
@@ -620,28 +664,37 @@
               <a:buNone/>
             </a:pPr>
             <a:r>
+              <a:rPr lang="en-US" altLang="ko-KR" dirty="0" err="1"/>
+              <a:t>Svd</a:t>
+            </a:r>
+            <a:r>
+              <a:rPr lang="en-US" altLang="ko-KR" dirty="0"/>
+              <a:t> </a:t>
+            </a:r>
+            <a:r>
+              <a:rPr lang="ko-KR" altLang="en-US" dirty="0"/>
+              <a:t>예시</a:t>
+            </a:r>
+            <a:r>
+              <a:rPr lang="en-US" altLang="ko-KR" dirty="0"/>
+              <a:t>..</a:t>
+            </a:r>
+          </a:p>
+          <a:p>
+            <a:pPr marL="0" indent="0">
+              <a:buNone/>
+            </a:pPr>
+            <a:r>
+              <a:rPr lang="ko-KR" altLang="en-US" dirty="0"/>
+              <a:t>첫번째는 </a:t>
+            </a:r>
+            <a:r>
               <a:rPr lang="ko-KR" altLang="en-US" dirty="0" err="1"/>
-              <a:t>이런식으로</a:t>
+              <a:t>결측치를</a:t>
             </a:r>
             <a:r>
               <a:rPr lang="ko-KR" altLang="en-US" dirty="0"/>
-              <a:t> 목적함수를 정의하고 </a:t>
-            </a:r>
-            <a:r>
-              <a:rPr lang="ko-KR" altLang="en-US" dirty="0" err="1"/>
-              <a:t>경사하강법을</a:t>
-            </a:r>
-            <a:r>
-              <a:rPr lang="ko-KR" altLang="en-US" dirty="0"/>
-              <a:t> 이용해 </a:t>
-            </a:r>
-            <a:r>
-              <a:rPr lang="en-US" altLang="ko-KR" dirty="0"/>
-              <a:t>u, v </a:t>
-            </a:r>
-            <a:r>
-              <a:rPr lang="ko-KR" altLang="en-US" dirty="0"/>
-              <a:t>값을 찾아갈 수 있다</a:t>
+              <a:t> 행 평균값으로 채운다</a:t>
             </a:r>
             <a:r>
               <a:rPr lang="en-US" altLang="ko-KR" dirty="0"/>
@@ -677,7 +730,7 @@
     </p:spTree>
     <p:extLst>
       <p:ext uri="{BB962C8B-B14F-4D97-AF65-F5344CB8AC3E}">
-        <p14:creationId xmlns:p14="http://schemas.microsoft.com/office/powerpoint/2010/main" val="3505731035"/>
+        <p14:creationId xmlns:p14="http://schemas.microsoft.com/office/powerpoint/2010/main" val="2357182040"/>
       </p:ext>
     </p:extLst>
   </p:cSld>
@@ -735,41 +788,20 @@
               <a:buNone/>
             </a:pPr>
             <a:r>
-              <a:rPr lang="en-US" altLang="ko-KR" dirty="0" err="1"/>
-              <a:t>Svd</a:t>
-            </a:r>
-            <a:r>
-              <a:rPr lang="en-US" altLang="ko-KR" dirty="0"/>
-              <a:t> </a:t>
-            </a:r>
-            <a:r>
               <a:rPr lang="ko-KR" altLang="en-US" dirty="0"/>
-              <a:t>예시</a:t>
+              <a:t>두번째는 </a:t>
+            </a:r>
+            <a:r>
+              <a:rPr lang="en-US" altLang="ko-KR" dirty="0"/>
+              <a:t>rank-2 truncated SVD</a:t>
+            </a:r>
+            <a:r>
+              <a:rPr lang="ko-KR" altLang="en-US" dirty="0"/>
+              <a:t>를 적용해본다면</a:t>
             </a:r>
             <a:r>
               <a:rPr lang="en-US" altLang="ko-KR" dirty="0"/>
               <a:t>..</a:t>
-            </a:r>
-          </a:p>
-          <a:p>
-            <a:pPr marL="0" indent="0">
-              <a:buNone/>
-            </a:pPr>
-            <a:r>
-              <a:rPr lang="ko-KR" altLang="en-US" dirty="0"/>
-              <a:t>첫번째는 </a:t>
-            </a:r>
-            <a:r>
-              <a:rPr lang="ko-KR" altLang="en-US" dirty="0" err="1"/>
-              <a:t>결측치를</a:t>
-            </a:r>
-            <a:r>
-              <a:rPr lang="ko-KR" altLang="en-US" dirty="0"/>
-              <a:t> 행 평균값으로 채운다</a:t>
-            </a:r>
-            <a:r>
-              <a:rPr lang="en-US" altLang="ko-KR" dirty="0"/>
-              <a:t>.</a:t>
             </a:r>
             <a:endParaRPr lang="ko-KR" altLang="en-US" dirty="0"/>
           </a:p>
@@ -801,7 +833,7 @@
     </p:spTree>
     <p:extLst>
       <p:ext uri="{BB962C8B-B14F-4D97-AF65-F5344CB8AC3E}">
-        <p14:creationId xmlns:p14="http://schemas.microsoft.com/office/powerpoint/2010/main" val="2357182040"/>
+        <p14:creationId xmlns:p14="http://schemas.microsoft.com/office/powerpoint/2010/main" val="2910933036"/>
       </p:ext>
     </p:extLst>
   </p:cSld>
@@ -860,21 +892,40 @@
             </a:pPr>
             <a:r>
               <a:rPr lang="ko-KR" altLang="en-US" dirty="0"/>
-              <a:t>두번째는 </a:t>
-            </a:r>
-            <a:r>
-              <a:rPr lang="en-US" altLang="ko-KR" dirty="0"/>
-              <a:t>rank-2 truncated SVD</a:t>
+              <a:t>이렇게 </a:t>
+            </a:r>
+            <a:r>
+              <a:rPr lang="en-US" altLang="ko-KR" dirty="0"/>
+              <a:t>SVD</a:t>
             </a:r>
             <a:r>
               <a:rPr lang="ko-KR" altLang="en-US" dirty="0"/>
-              <a:t>를 적용해본다면</a:t>
-            </a:r>
-            <a:r>
-              <a:rPr lang="en-US" altLang="ko-KR" dirty="0"/>
-              <a:t>..</a:t>
-            </a:r>
-            <a:endParaRPr lang="ko-KR" altLang="en-US" dirty="0"/>
+              <a:t>를 통해 </a:t>
+            </a:r>
+            <a:r>
+              <a:rPr lang="ko-KR" altLang="en-US" dirty="0" err="1"/>
+              <a:t>결측치를</a:t>
+            </a:r>
+            <a:r>
+              <a:rPr lang="ko-KR" altLang="en-US" dirty="0"/>
+              <a:t> 채웠다면 다음 반복에서 </a:t>
+            </a:r>
+            <a:r>
+              <a:rPr lang="ko-KR" altLang="en-US" dirty="0" err="1"/>
+              <a:t>결측값에</a:t>
+            </a:r>
+            <a:r>
+              <a:rPr lang="ko-KR" altLang="en-US" dirty="0"/>
+              <a:t> 해당하는 값을 이전 반복을 통해 얻은 값으로 </a:t>
+            </a:r>
+            <a:r>
+              <a:rPr lang="ko-KR" altLang="en-US" dirty="0" err="1"/>
+              <a:t>채워넣고</a:t>
+            </a:r>
+            <a:r>
+              <a:rPr lang="ko-KR" altLang="en-US" dirty="0"/>
+              <a:t> 다시 반복 수행</a:t>
+            </a:r>
           </a:p>
         </p:txBody>
       </p:sp>
@@ -904,7 +955,7 @@
     </p:spTree>
     <p:extLst>
       <p:ext uri="{BB962C8B-B14F-4D97-AF65-F5344CB8AC3E}">
-        <p14:creationId xmlns:p14="http://schemas.microsoft.com/office/powerpoint/2010/main" val="2910933036"/>
+        <p14:creationId xmlns:p14="http://schemas.microsoft.com/office/powerpoint/2010/main" val="3712197951"/>
       </p:ext>
     </p:extLst>
   </p:cSld>
@@ -963,40 +1014,88 @@
             </a:pPr>
             <a:r>
               <a:rPr lang="ko-KR" altLang="en-US" dirty="0"/>
-              <a:t>이렇게 </a:t>
-            </a:r>
-            <a:r>
-              <a:rPr lang="en-US" altLang="ko-KR" dirty="0"/>
-              <a:t>SVD</a:t>
-            </a:r>
+              <a:t>비음평점 행렬에는 비음행렬 인수분해가 사용될 수 있음</a:t>
+            </a:r>
+            <a:r>
+              <a:rPr lang="en-US" altLang="ko-KR" dirty="0"/>
+              <a:t>.</a:t>
+            </a:r>
+          </a:p>
+          <a:p>
+            <a:pPr marL="0" indent="0">
+              <a:buNone/>
+            </a:pPr>
             <a:r>
               <a:rPr lang="ko-KR" altLang="en-US" dirty="0"/>
-              <a:t>를 통해 </a:t>
-            </a:r>
+              <a:t>이것의 장점은 유저 아이템 상호작용에 대한 높은 이해와 해석이다</a:t>
+            </a:r>
+            <a:r>
+              <a:rPr lang="en-US" altLang="ko-KR" dirty="0"/>
+              <a:t>.</a:t>
+            </a:r>
+          </a:p>
+          <a:p>
+            <a:pPr marL="0" indent="0">
+              <a:buNone/>
+            </a:pPr>
             <a:r>
               <a:rPr lang="ko-KR" altLang="en-US" dirty="0" err="1"/>
-              <a:t>결측치를</a:t>
+              <a:t>예를들어</a:t>
             </a:r>
             <a:r>
               <a:rPr lang="ko-KR" altLang="en-US" dirty="0"/>
-              <a:t> 채웠다면 다음 반복에서 </a:t>
-            </a:r>
+              <a:t> </a:t>
+            </a:r>
+            <a:r>
+              <a:rPr lang="en-US" altLang="ko-KR" dirty="0"/>
+              <a:t>implicit feedback</a:t>
+            </a:r>
+            <a:r>
+              <a:rPr lang="ko-KR" altLang="en-US" dirty="0"/>
+              <a:t>에서 유용</a:t>
+            </a:r>
+            <a:r>
+              <a:rPr lang="en-US" altLang="ko-KR" dirty="0"/>
+              <a:t>..</a:t>
+            </a:r>
+          </a:p>
+          <a:p>
+            <a:pPr marL="0" indent="0">
+              <a:buNone/>
+            </a:pPr>
+            <a:r>
+              <a:rPr lang="ko-KR" altLang="en-US" dirty="0"/>
+              <a:t>웹 클릭이나</a:t>
+            </a:r>
+            <a:endParaRPr lang="en-US" altLang="ko-KR" dirty="0"/>
+          </a:p>
+          <a:p>
+            <a:pPr marL="0" indent="0">
+              <a:buNone/>
+            </a:pPr>
             <a:r>
               <a:rPr lang="ko-KR" altLang="en-US" dirty="0" err="1"/>
-              <a:t>결측값에</a:t>
+              <a:t>페북의</a:t>
             </a:r>
             <a:r>
               <a:rPr lang="ko-KR" altLang="en-US" dirty="0"/>
-              <a:t> 해당하는 값을 이전 반복을 통해 얻은 값으로 </a:t>
-            </a:r>
-            <a:r>
-              <a:rPr lang="ko-KR" altLang="en-US" dirty="0" err="1"/>
-              <a:t>채워넣고</a:t>
+              <a:t> </a:t>
+            </a:r>
+            <a:r>
+              <a:rPr lang="en-US" altLang="ko-KR" dirty="0"/>
+              <a:t>like </a:t>
             </a:r>
             <a:r>
               <a:rPr lang="ko-KR" altLang="en-US" dirty="0"/>
-              <a:t> 다시 반복 수행</a:t>
-            </a:r>
+              <a:t>버튼</a:t>
+            </a:r>
+            <a:endParaRPr lang="en-US" altLang="ko-KR" dirty="0"/>
+          </a:p>
+          <a:p>
+            <a:pPr marL="0" indent="0">
+              <a:buNone/>
+            </a:pPr>
+            <a:endParaRPr lang="ko-KR" altLang="en-US" dirty="0"/>
           </a:p>
         </p:txBody>
       </p:sp>
@@ -1026,7 +1125,7 @@
     </p:spTree>
     <p:extLst>
       <p:ext uri="{BB962C8B-B14F-4D97-AF65-F5344CB8AC3E}">
-        <p14:creationId xmlns:p14="http://schemas.microsoft.com/office/powerpoint/2010/main" val="3712197951"/>
+        <p14:creationId xmlns:p14="http://schemas.microsoft.com/office/powerpoint/2010/main" val="1629408121"/>
       </p:ext>
     </p:extLst>
   </p:cSld>
@@ -1085,7 +1184,15 @@
             </a:pPr>
             <a:r>
               <a:rPr lang="ko-KR" altLang="en-US" dirty="0"/>
-              <a:t>비음평점 행렬에는 비음행렬 인수분해가 사용될 수 있음</a:t>
+              <a:t>다른 </a:t>
+            </a:r>
+            <a:r>
+              <a:rPr lang="en-US" altLang="ko-KR" dirty="0"/>
+              <a:t>MF </a:t>
+            </a:r>
+            <a:r>
+              <a:rPr lang="ko-KR" altLang="en-US" dirty="0"/>
+              <a:t>방식과 가장 큰 차이는 비음수라는 거임</a:t>
             </a:r>
             <a:r>
               <a:rPr lang="en-US" altLang="ko-KR" dirty="0"/>
@@ -1098,7 +1205,15 @@
             </a:pPr>
             <a:r>
               <a:rPr lang="ko-KR" altLang="en-US" dirty="0"/>
-              <a:t>이것의 장점은 유저 아이템 상호작용에 대한 높은 이해와 해석이다</a:t>
+              <a:t>그렇기 때문에 비음 </a:t>
+            </a:r>
+            <a:r>
+              <a:rPr lang="en-US" altLang="ko-KR" dirty="0"/>
+              <a:t>MF</a:t>
+            </a:r>
+            <a:r>
+              <a:rPr lang="ko-KR" altLang="en-US" dirty="0"/>
+              <a:t>는 다음과 같이 최적화 문제로 표현할 수 있음</a:t>
             </a:r>
             <a:r>
               <a:rPr lang="en-US" altLang="ko-KR" dirty="0"/>
@@ -1110,63 +1225,9 @@
               <a:buNone/>
             </a:pPr>
             <a:r>
-              <a:rPr lang="ko-KR" altLang="en-US" dirty="0" err="1"/>
-              <a:t>예를들어</a:t>
-            </a:r>
-            <a:r>
               <a:rPr lang="ko-KR" altLang="en-US" dirty="0"/>
-              <a:t> </a:t>
-            </a:r>
-            <a:r>
-              <a:rPr lang="en-US" altLang="ko-KR" dirty="0"/>
-              <a:t>implicit feedback</a:t>
-            </a:r>
-            <a:r>
-              <a:rPr lang="ko-KR" altLang="en-US" dirty="0"/>
-              <a:t>에서 유용</a:t>
-            </a:r>
-            <a:r>
-              <a:rPr lang="en-US" altLang="ko-KR" dirty="0"/>
-              <a:t>..</a:t>
-            </a:r>
-          </a:p>
-          <a:p>
-            <a:pPr marL="0" indent="0">
-              <a:buNone/>
-            </a:pPr>
-            <a:r>
-              <a:rPr lang="ko-KR" altLang="en-US" dirty="0"/>
-              <a:t>웹 클릭이나</a:t>
-            </a:r>
-            <a:endParaRPr lang="en-US" altLang="ko-KR" dirty="0"/>
-          </a:p>
-          <a:p>
-            <a:pPr marL="0" indent="0">
-              <a:buNone/>
-            </a:pPr>
-            <a:r>
-              <a:rPr lang="ko-KR" altLang="en-US" dirty="0" err="1"/>
-              <a:t>페북의</a:t>
-            </a:r>
-            <a:r>
-              <a:rPr lang="ko-KR" altLang="en-US" dirty="0"/>
-              <a:t> </a:t>
-            </a:r>
-            <a:r>
-              <a:rPr lang="en-US" altLang="ko-KR" dirty="0"/>
-              <a:t>like </a:t>
-            </a:r>
-            <a:r>
-              <a:rPr lang="ko-KR" altLang="en-US" dirty="0"/>
-              <a:t>버튼</a:t>
-            </a:r>
-            <a:endParaRPr lang="en-US" altLang="ko-KR" dirty="0"/>
-          </a:p>
-          <a:p>
-            <a:pPr marL="0" indent="0">
-              <a:buNone/>
-            </a:pPr>
-            <a:endParaRPr lang="ko-KR" altLang="en-US" dirty="0"/>
+              <a:t>물론 다른 방식과 같은 것 같지만 제약조건이 비음이라는 특징임 </a:t>
+            </a:r>
           </a:p>
         </p:txBody>
       </p:sp>
@@ -1196,7 +1257,7 @@
     </p:spTree>
     <p:extLst>
       <p:ext uri="{BB962C8B-B14F-4D97-AF65-F5344CB8AC3E}">
-        <p14:creationId xmlns:p14="http://schemas.microsoft.com/office/powerpoint/2010/main" val="1629408121"/>
+        <p14:creationId xmlns:p14="http://schemas.microsoft.com/office/powerpoint/2010/main" val="3175594948"/>
       </p:ext>
     </p:extLst>
   </p:cSld>
@@ -1255,7 +1316,31 @@
             </a:pPr>
             <a:r>
               <a:rPr lang="ko-KR" altLang="en-US" dirty="0"/>
-              <a:t>다른 </a:t>
+              <a:t>사용자가 아이템에 대한 </a:t>
+            </a:r>
+            <a:r>
+              <a:rPr lang="en-US" altLang="ko-KR" dirty="0"/>
+              <a:t>like</a:t>
+            </a:r>
+            <a:r>
+              <a:rPr lang="ko-KR" altLang="en-US" dirty="0"/>
+              <a:t>는 표시할 수 있지만</a:t>
+            </a:r>
+            <a:r>
+              <a:rPr lang="en-US" altLang="ko-KR" dirty="0"/>
+              <a:t>, dislike</a:t>
+            </a:r>
+            <a:r>
+              <a:rPr lang="ko-KR" altLang="en-US" dirty="0"/>
+              <a:t>는 표시할 수 없는 시스템에서 가장 큰 해석적인 </a:t>
+            </a:r>
+            <a:r>
+              <a:rPr lang="ko-KR" altLang="en-US" dirty="0" err="1"/>
+              <a:t>어드벤티지가</a:t>
+            </a:r>
+            <a:r>
+              <a:rPr lang="ko-KR" altLang="en-US" dirty="0"/>
+              <a:t> 있는 </a:t>
             </a:r>
             <a:r>
               <a:rPr lang="en-US" altLang="ko-KR" dirty="0"/>
@@ -1263,7 +1348,7 @@
             </a:r>
             <a:r>
               <a:rPr lang="ko-KR" altLang="en-US" dirty="0"/>
-              <a:t>방식과 가장 큰 차이는 비음수라는 거임</a:t>
+              <a:t>방식임</a:t>
             </a:r>
             <a:r>
               <a:rPr lang="en-US" altLang="ko-KR" dirty="0"/>
@@ -1276,29 +1361,29 @@
             </a:pPr>
             <a:r>
               <a:rPr lang="ko-KR" altLang="en-US" dirty="0"/>
-              <a:t>그렇기 때문에 비음 </a:t>
-            </a:r>
-            <a:r>
-              <a:rPr lang="en-US" altLang="ko-KR" dirty="0"/>
-              <a:t>MF</a:t>
+              <a:t>이런 세팅에 </a:t>
+            </a:r>
+            <a:r>
+              <a:rPr lang="ko-KR" altLang="en-US" dirty="0" err="1"/>
+              <a:t>좋은점은</a:t>
             </a:r>
             <a:r>
               <a:rPr lang="ko-KR" altLang="en-US" dirty="0"/>
-              <a:t>는 다음과 같이 최적화 문제로 표현할 수 있음</a:t>
+              <a:t> 미싱 데이터를 </a:t>
+            </a:r>
+            <a:r>
+              <a:rPr lang="en-US" altLang="ko-KR" dirty="0"/>
+              <a:t>0</a:t>
+            </a:r>
+            <a:r>
+              <a:rPr lang="ko-KR" altLang="en-US" dirty="0"/>
+              <a:t>로 설정하면 된다는 것이다</a:t>
             </a:r>
             <a:r>
               <a:rPr lang="en-US" altLang="ko-KR" dirty="0"/>
               <a:t>.</a:t>
             </a:r>
-          </a:p>
-          <a:p>
-            <a:pPr marL="0" indent="0">
-              <a:buNone/>
-            </a:pPr>
-            <a:r>
-              <a:rPr lang="ko-KR" altLang="en-US" dirty="0"/>
-              <a:t>물론 다른 방식과 같은 것 같지만 제약조건이 비음이라는 특징임 </a:t>
-            </a:r>
+            <a:endParaRPr lang="ko-KR" altLang="en-US" dirty="0"/>
           </a:p>
         </p:txBody>
       </p:sp>
@@ -1328,7 +1413,7 @@
     </p:spTree>
     <p:extLst>
       <p:ext uri="{BB962C8B-B14F-4D97-AF65-F5344CB8AC3E}">
-        <p14:creationId xmlns:p14="http://schemas.microsoft.com/office/powerpoint/2010/main" val="3175594948"/>
+        <p14:creationId xmlns:p14="http://schemas.microsoft.com/office/powerpoint/2010/main" val="4011891149"/>
       </p:ext>
     </p:extLst>
   </p:cSld>
@@ -1387,39 +1472,23 @@
             </a:pPr>
             <a:r>
               <a:rPr lang="ko-KR" altLang="en-US" dirty="0"/>
-              <a:t>사용자가 아이템에 대한 </a:t>
-            </a:r>
-            <a:r>
-              <a:rPr lang="en-US" altLang="ko-KR" dirty="0"/>
-              <a:t>like</a:t>
+              <a:t>행렬 </a:t>
+            </a:r>
+            <a:r>
+              <a:rPr lang="en-US" altLang="ko-KR" dirty="0"/>
+              <a:t>U, V</a:t>
             </a:r>
             <a:r>
               <a:rPr lang="ko-KR" altLang="en-US" dirty="0"/>
-              <a:t>는 표시할 수 있지만</a:t>
-            </a:r>
-            <a:r>
-              <a:rPr lang="en-US" altLang="ko-KR" dirty="0"/>
-              <a:t>, dislike</a:t>
+              <a:t>를 업데이트하기 위해서는 </a:t>
+            </a:r>
+            <a:r>
+              <a:rPr lang="en-US" altLang="ko-KR" dirty="0"/>
+              <a:t>iterative</a:t>
             </a:r>
             <a:r>
               <a:rPr lang="ko-KR" altLang="en-US" dirty="0"/>
-              <a:t>는 표시할 수 없는 시스템에서 가장 큰 해석적인 </a:t>
-            </a:r>
-            <a:r>
-              <a:rPr lang="ko-KR" altLang="en-US" dirty="0" err="1"/>
-              <a:t>어드벤티지가</a:t>
-            </a:r>
-            <a:r>
-              <a:rPr lang="ko-KR" altLang="en-US" dirty="0"/>
-              <a:t> 있는 </a:t>
-            </a:r>
-            <a:r>
-              <a:rPr lang="en-US" altLang="ko-KR" dirty="0"/>
-              <a:t>MF </a:t>
-            </a:r>
-            <a:r>
-              <a:rPr lang="ko-KR" altLang="en-US" dirty="0"/>
-              <a:t>방식임</a:t>
+              <a:t>한 방식을 사용한다</a:t>
             </a:r>
             <a:r>
               <a:rPr lang="en-US" altLang="ko-KR" dirty="0"/>
@@ -1431,24 +1500,20 @@
               <a:buNone/>
             </a:pPr>
             <a:r>
+              <a:rPr lang="en-US" altLang="ko-KR" dirty="0"/>
+              <a:t>U, V</a:t>
+            </a:r>
+            <a:r>
               <a:rPr lang="ko-KR" altLang="en-US" dirty="0"/>
-              <a:t>이런 세팅에 </a:t>
-            </a:r>
-            <a:r>
-              <a:rPr lang="ko-KR" altLang="en-US" dirty="0" err="1"/>
-              <a:t>좋은점은</a:t>
+              <a:t>에 요소 </a:t>
+            </a:r>
+            <a:r>
+              <a:rPr lang="en-US" altLang="ko-KR" dirty="0"/>
+              <a:t>u, v</a:t>
             </a:r>
             <a:r>
               <a:rPr lang="ko-KR" altLang="en-US" dirty="0"/>
-              <a:t> 미싱 데이터를 </a:t>
-            </a:r>
-            <a:r>
-              <a:rPr lang="en-US" altLang="ko-KR" dirty="0"/>
-              <a:t>0</a:t>
-            </a:r>
-            <a:r>
-              <a:rPr lang="ko-KR" altLang="en-US" dirty="0"/>
-              <a:t>로 설정하면 된다는 것이다</a:t>
+              <a:t>는 다음과 같은 곱하기 업데이트 규칙을 사용한다</a:t>
             </a:r>
             <a:r>
               <a:rPr lang="en-US" altLang="ko-KR" dirty="0"/>
@@ -1484,7 +1549,7 @@
     </p:spTree>
     <p:extLst>
       <p:ext uri="{BB962C8B-B14F-4D97-AF65-F5344CB8AC3E}">
-        <p14:creationId xmlns:p14="http://schemas.microsoft.com/office/powerpoint/2010/main" val="4011891149"/>
+        <p14:creationId xmlns:p14="http://schemas.microsoft.com/office/powerpoint/2010/main" val="2104699159"/>
       </p:ext>
     </p:extLst>
   </p:cSld>
@@ -1542,55 +1607,63 @@
               <a:buNone/>
             </a:pPr>
             <a:r>
+              <a:rPr lang="en-US" altLang="ko-KR" dirty="0"/>
+              <a:t>6x6 </a:t>
+            </a:r>
+            <a:r>
               <a:rPr lang="ko-KR" altLang="en-US" dirty="0"/>
-              <a:t>행렬 </a:t>
-            </a:r>
-            <a:r>
-              <a:rPr lang="en-US" altLang="ko-KR" dirty="0"/>
-              <a:t>U, V</a:t>
+              <a:t>행렬이 있다</a:t>
+            </a:r>
+            <a:r>
+              <a:rPr lang="en-US" altLang="ko-KR" dirty="0"/>
+              <a:t>. 6</a:t>
             </a:r>
             <a:r>
               <a:rPr lang="ko-KR" altLang="en-US" dirty="0"/>
-              <a:t>를 업데이트하기 위해서는 </a:t>
-            </a:r>
-            <a:r>
-              <a:rPr lang="en-US" altLang="ko-KR" dirty="0"/>
-              <a:t>iterative</a:t>
+              <a:t>개의 아이템</a:t>
+            </a:r>
+            <a:r>
+              <a:rPr lang="en-US" altLang="ko-KR" dirty="0"/>
+              <a:t>, </a:t>
             </a:r>
             <a:r>
               <a:rPr lang="ko-KR" altLang="en-US" dirty="0"/>
-              <a:t>한 방식을 사용한다</a:t>
-            </a:r>
-            <a:r>
-              <a:rPr lang="en-US" altLang="ko-KR" dirty="0"/>
-              <a:t>.</a:t>
-            </a:r>
+              <a:t>손님</a:t>
+            </a:r>
+            <a:endParaRPr lang="en-US" altLang="ko-KR" dirty="0"/>
           </a:p>
           <a:p>
             <a:pPr marL="0" indent="0">
               <a:buNone/>
             </a:pPr>
-            <a:r>
-              <a:rPr lang="en-US" altLang="ko-KR" dirty="0"/>
-              <a:t>U, V</a:t>
+            <a:endParaRPr lang="en-US" altLang="ko-KR" dirty="0"/>
+          </a:p>
+          <a:p>
+            <a:pPr marL="0" indent="0">
+              <a:buNone/>
+            </a:pPr>
+            <a:r>
+              <a:rPr lang="en-US" altLang="ko-KR" dirty="0"/>
+              <a:t>U</a:t>
             </a:r>
             <a:r>
               <a:rPr lang="ko-KR" altLang="en-US" dirty="0"/>
-              <a:t>에 요소 </a:t>
-            </a:r>
-            <a:r>
-              <a:rPr lang="en-US" altLang="ko-KR" dirty="0"/>
-              <a:t>u, v</a:t>
+              <a:t>는 사용자 잠재행렬</a:t>
+            </a:r>
+            <a:endParaRPr lang="en-US" altLang="ko-KR" dirty="0"/>
+          </a:p>
+          <a:p>
+            <a:pPr marL="0" indent="0">
+              <a:buNone/>
+            </a:pPr>
+            <a:r>
+              <a:rPr lang="en-US" altLang="ko-KR" dirty="0"/>
+              <a:t>V</a:t>
             </a:r>
             <a:r>
               <a:rPr lang="ko-KR" altLang="en-US" dirty="0"/>
-              <a:t>는 다음과 같은 곱하기 업데이트 규칙을 사용한다</a:t>
-            </a:r>
-            <a:r>
-              <a:rPr lang="en-US" altLang="ko-KR" dirty="0"/>
-              <a:t>.</a:t>
-            </a:r>
-            <a:endParaRPr lang="ko-KR" altLang="en-US" dirty="0"/>
+              <a:t>는 아이템 잠재행렬</a:t>
+            </a:r>
           </a:p>
         </p:txBody>
       </p:sp>
@@ -1620,7 +1693,7 @@
     </p:spTree>
     <p:extLst>
       <p:ext uri="{BB962C8B-B14F-4D97-AF65-F5344CB8AC3E}">
-        <p14:creationId xmlns:p14="http://schemas.microsoft.com/office/powerpoint/2010/main" val="2104699159"/>
+        <p14:creationId xmlns:p14="http://schemas.microsoft.com/office/powerpoint/2010/main" val="2256936856"/>
       </p:ext>
     </p:extLst>
   </p:cSld>
@@ -1678,20 +1751,24 @@
               <a:buNone/>
             </a:pPr>
             <a:r>
-              <a:rPr lang="en-US" altLang="ko-KR" dirty="0"/>
-              <a:t>6x6 </a:t>
-            </a:r>
-            <a:r>
               <a:rPr lang="ko-KR" altLang="en-US" dirty="0"/>
-              <a:t>행렬이 있다</a:t>
-            </a:r>
-            <a:r>
-              <a:rPr lang="en-US" altLang="ko-KR" dirty="0"/>
-              <a:t>. 6</a:t>
+              <a:t>여기서 </a:t>
+            </a:r>
+            <a:r>
+              <a:rPr lang="en-US" altLang="ko-KR" dirty="0" err="1"/>
+              <a:t>rij</a:t>
             </a:r>
             <a:r>
               <a:rPr lang="ko-KR" altLang="en-US" dirty="0"/>
-              <a:t>개의 아이템</a:t>
+              <a:t>는 유저의 </a:t>
+            </a:r>
+            <a:r>
+              <a:rPr lang="en-US" altLang="ko-KR" dirty="0"/>
+              <a:t>dairy</a:t>
+            </a:r>
+            <a:r>
+              <a:rPr lang="ko-KR" altLang="en-US" dirty="0"/>
+              <a:t>에 대한 선호</a:t>
             </a:r>
             <a:r>
               <a:rPr lang="en-US" altLang="ko-KR" dirty="0"/>
@@ -1699,42 +1776,53 @@
             </a:r>
             <a:r>
               <a:rPr lang="ko-KR" altLang="en-US" dirty="0"/>
-              <a:t>손님</a:t>
-            </a:r>
-            <a:endParaRPr lang="en-US" altLang="ko-KR" dirty="0"/>
-          </a:p>
-          <a:p>
-            <a:pPr marL="0" indent="0">
-              <a:buNone/>
-            </a:pPr>
-            <a:endParaRPr lang="en-US" altLang="ko-KR" dirty="0"/>
-          </a:p>
-          <a:p>
-            <a:pPr marL="0" indent="0">
-              <a:buNone/>
-            </a:pPr>
-            <a:r>
-              <a:rPr lang="en-US" altLang="ko-KR" dirty="0"/>
-              <a:t>U</a:t>
+              <a:t>아이템의 </a:t>
+            </a:r>
+            <a:r>
+              <a:rPr lang="en-US" altLang="ko-KR" dirty="0"/>
+              <a:t>dairy</a:t>
             </a:r>
             <a:r>
               <a:rPr lang="ko-KR" altLang="en-US" dirty="0"/>
-              <a:t>는 사용자 잠재행렬</a:t>
-            </a:r>
-            <a:endParaRPr lang="en-US" altLang="ko-KR" dirty="0"/>
-          </a:p>
-          <a:p>
-            <a:pPr marL="0" indent="0">
-              <a:buNone/>
-            </a:pPr>
-            <a:r>
-              <a:rPr lang="en-US" altLang="ko-KR" dirty="0"/>
-              <a:t>V</a:t>
+              <a:t>관한 선호도 </a:t>
+            </a:r>
+            <a:r>
+              <a:rPr lang="en-US" altLang="ko-KR" dirty="0"/>
+              <a:t>+ </a:t>
             </a:r>
             <a:r>
               <a:rPr lang="ko-KR" altLang="en-US" dirty="0"/>
-              <a:t>는 아이템 잠재행렬</a:t>
-            </a:r>
+              <a:t>유저의 </a:t>
+            </a:r>
+            <a:r>
+              <a:rPr lang="en-US" altLang="ko-KR" dirty="0"/>
+              <a:t>drinks</a:t>
+            </a:r>
+            <a:r>
+              <a:rPr lang="ko-KR" altLang="en-US" dirty="0"/>
+              <a:t>에 대한 선호</a:t>
+            </a:r>
+            <a:r>
+              <a:rPr lang="en-US" altLang="ko-KR" dirty="0"/>
+              <a:t>, </a:t>
+            </a:r>
+            <a:r>
+              <a:rPr lang="ko-KR" altLang="en-US" dirty="0"/>
+              <a:t>아이템의 </a:t>
+            </a:r>
+            <a:r>
+              <a:rPr lang="en-US" altLang="ko-KR" dirty="0"/>
+              <a:t>drinks</a:t>
+            </a:r>
+            <a:r>
+              <a:rPr lang="ko-KR" altLang="en-US" dirty="0"/>
+              <a:t>에 대한 선호로 해석할 수 있다</a:t>
+            </a:r>
+            <a:r>
+              <a:rPr lang="en-US" altLang="ko-KR" dirty="0"/>
+              <a:t>.</a:t>
+            </a:r>
+            <a:endParaRPr lang="ko-KR" altLang="en-US" dirty="0"/>
           </a:p>
         </p:txBody>
       </p:sp>
@@ -1764,7 +1852,7 @@
     </p:spTree>
     <p:extLst>
       <p:ext uri="{BB962C8B-B14F-4D97-AF65-F5344CB8AC3E}">
-        <p14:creationId xmlns:p14="http://schemas.microsoft.com/office/powerpoint/2010/main" val="2256936856"/>
+        <p14:creationId xmlns:p14="http://schemas.microsoft.com/office/powerpoint/2010/main" val="352788171"/>
       </p:ext>
     </p:extLst>
   </p:cSld>
@@ -1823,23 +1911,32 @@
             </a:pPr>
             <a:r>
               <a:rPr lang="ko-KR" altLang="en-US" dirty="0"/>
-              <a:t>여기서 </a:t>
+              <a:t>이렇게 계산을 하는 방법은 </a:t>
+            </a:r>
+            <a:r>
+              <a:rPr lang="en-US" altLang="ko-KR" dirty="0"/>
+              <a:t>sum-of-parts </a:t>
             </a:r>
             <a:r>
               <a:rPr lang="en-US" altLang="ko-KR" dirty="0" err="1"/>
-              <a:t>rij</a:t>
+              <a:t>decompositio</a:t>
             </a:r>
             <a:r>
               <a:rPr lang="ko-KR" altLang="en-US" dirty="0"/>
-              <a:t>는 유저의 </a:t>
-            </a:r>
-            <a:r>
-              <a:rPr lang="en-US" altLang="ko-KR" dirty="0"/>
-              <a:t>dairy</a:t>
-            </a:r>
+              <a:t>이다</a:t>
+            </a:r>
+            <a:r>
+              <a:rPr lang="en-US" altLang="ko-KR" dirty="0"/>
+              <a:t>.</a:t>
+            </a:r>
+          </a:p>
+          <a:p>
+            <a:pPr marL="0" indent="0">
+              <a:buNone/>
+            </a:pPr>
             <a:r>
               <a:rPr lang="ko-KR" altLang="en-US" dirty="0"/>
-              <a:t>에 대한 선호</a:t>
+              <a:t>실질적인 용도로는</a:t>
             </a:r>
             <a:r>
               <a:rPr lang="en-US" altLang="ko-KR" dirty="0"/>
@@ -1847,47 +1944,23 @@
             </a:r>
             <a:r>
               <a:rPr lang="ko-KR" altLang="en-US" dirty="0"/>
-              <a:t>아이템의 </a:t>
-            </a:r>
-            <a:r>
-              <a:rPr lang="en-US" altLang="ko-KR" dirty="0"/>
-              <a:t>dairy</a:t>
+              <a:t>각 클러스터를 살펴보고 아이템</a:t>
+            </a:r>
+            <a:r>
+              <a:rPr lang="en-US" altLang="ko-KR" dirty="0"/>
+              <a:t>, </a:t>
             </a:r>
             <a:r>
               <a:rPr lang="ko-KR" altLang="en-US" dirty="0"/>
-              <a:t>관한 선호도 </a:t>
-            </a:r>
-            <a:r>
-              <a:rPr lang="en-US" altLang="ko-KR" dirty="0"/>
-              <a:t>+ </a:t>
+              <a:t>사용자의 연관성을 </a:t>
+            </a:r>
+            <a:r>
+              <a:rPr lang="ko-KR" altLang="en-US" dirty="0" err="1"/>
+              <a:t>시멘틱하게</a:t>
             </a:r>
             <a:r>
               <a:rPr lang="ko-KR" altLang="en-US" dirty="0"/>
-              <a:t>유저의 </a:t>
-            </a:r>
-            <a:r>
-              <a:rPr lang="en-US" altLang="ko-KR" dirty="0"/>
-              <a:t>drinks</a:t>
-            </a:r>
-            <a:r>
-              <a:rPr lang="ko-KR" altLang="en-US" dirty="0"/>
-              <a:t>에 대한 선호</a:t>
-            </a:r>
-            <a:r>
-              <a:rPr lang="en-US" altLang="ko-KR" dirty="0"/>
-              <a:t>, </a:t>
-            </a:r>
-            <a:r>
-              <a:rPr lang="ko-KR" altLang="en-US" dirty="0"/>
-              <a:t>아이템의 </a:t>
-            </a:r>
-            <a:r>
-              <a:rPr lang="en-US" altLang="ko-KR" dirty="0"/>
-              <a:t>drinks</a:t>
-            </a:r>
-            <a:r>
-              <a:rPr lang="ko-KR" altLang="en-US" dirty="0"/>
-              <a:t>에 대한 선호로 해석할 수 있다</a:t>
+              <a:t> 해석하는 것이 가능하다</a:t>
             </a:r>
             <a:r>
               <a:rPr lang="en-US" altLang="ko-KR" dirty="0"/>
@@ -1923,7 +1996,7 @@
     </p:spTree>
     <p:extLst>
       <p:ext uri="{BB962C8B-B14F-4D97-AF65-F5344CB8AC3E}">
-        <p14:creationId xmlns:p14="http://schemas.microsoft.com/office/powerpoint/2010/main" val="352788171"/>
+        <p14:creationId xmlns:p14="http://schemas.microsoft.com/office/powerpoint/2010/main" val="1325955551"/>
       </p:ext>
     </p:extLst>
   </p:cSld>
@@ -1978,42 +2051,70 @@
           <a:lstStyle/>
           <a:p>
             <a:r>
+              <a:rPr lang="ko-KR" altLang="en-US" dirty="0"/>
+              <a:t>물론 </a:t>
+            </a:r>
+            <a:r>
               <a:rPr lang="ko-KR" altLang="en-US" dirty="0" err="1"/>
               <a:t>특이값</a:t>
             </a:r>
             <a:r>
               <a:rPr lang="ko-KR" altLang="en-US" dirty="0"/>
-              <a:t> 분해는 </a:t>
-            </a:r>
-            <a:r>
-              <a:rPr lang="en-US" altLang="ko-KR" dirty="0"/>
-              <a:t>MF</a:t>
+              <a:t> 분해는 두개가 아닌 세개의 행렬로 분해되지만</a:t>
+            </a:r>
+            <a:r>
+              <a:rPr lang="en-US" altLang="ko-KR" dirty="0"/>
+              <a:t>,</a:t>
+            </a:r>
+          </a:p>
+          <a:p>
+            <a:r>
+              <a:rPr lang="ko-KR" altLang="en-US" dirty="0" err="1"/>
+              <a:t>대각형렬</a:t>
             </a:r>
             <a:r>
               <a:rPr lang="ko-KR" altLang="en-US" dirty="0"/>
-              <a:t>를 구현하는 방법론 중 하나다</a:t>
-            </a:r>
-            <a:r>
-              <a:rPr lang="en-US" altLang="ko-KR" dirty="0"/>
-              <a:t>.</a:t>
-            </a:r>
-          </a:p>
-          <a:p>
+              <a:t> 시그마는 유저 </a:t>
+            </a:r>
             <a:r>
               <a:rPr lang="ko-KR" altLang="en-US" dirty="0" err="1"/>
-              <a:t>꽉찬</a:t>
+              <a:t>팩터</a:t>
             </a:r>
             <a:r>
               <a:rPr lang="ko-KR" altLang="en-US" dirty="0"/>
-              <a:t> 평점 행렬을 생각해보면</a:t>
-            </a:r>
-            <a:r>
-              <a:rPr lang="en-US" altLang="ko-KR" dirty="0"/>
-              <a:t>, truncated SVD</a:t>
+              <a:t> </a:t>
+            </a:r>
+            <a:r>
+              <a:rPr lang="en-US" altLang="ko-KR" dirty="0"/>
+              <a:t>Q</a:t>
             </a:r>
             <a:r>
               <a:rPr lang="ko-KR" altLang="en-US" dirty="0"/>
-              <a:t>는 다음과 같이 정의 된다</a:t>
+              <a:t>에 흡수될 수도 있고</a:t>
+            </a:r>
+            <a:r>
+              <a:rPr lang="en-US" altLang="ko-KR" dirty="0"/>
+              <a:t>, </a:t>
+            </a:r>
+            <a:r>
+              <a:rPr lang="ko-KR" altLang="en-US" dirty="0"/>
+              <a:t>아이템 </a:t>
+            </a:r>
+            <a:r>
+              <a:rPr lang="ko-KR" altLang="en-US" dirty="0" err="1"/>
+              <a:t>팩터</a:t>
+            </a:r>
+            <a:r>
+              <a:rPr lang="ko-KR" altLang="en-US" dirty="0"/>
+              <a:t> </a:t>
+            </a:r>
+            <a:r>
+              <a:rPr lang="en-US" altLang="ko-KR" dirty="0"/>
+              <a:t>P</a:t>
+            </a:r>
+            <a:r>
+              <a:rPr lang="ko-KR" altLang="en-US" dirty="0"/>
+              <a:t>에 흡수될 수도 있지만 일반적으로 다음과 같이 정의한다</a:t>
             </a:r>
             <a:r>
               <a:rPr lang="en-US" altLang="ko-KR" dirty="0"/>
@@ -2049,7 +2150,7 @@
     </p:spTree>
     <p:extLst>
       <p:ext uri="{BB962C8B-B14F-4D97-AF65-F5344CB8AC3E}">
-        <p14:creationId xmlns:p14="http://schemas.microsoft.com/office/powerpoint/2010/main" val="2148025325"/>
+        <p14:creationId xmlns:p14="http://schemas.microsoft.com/office/powerpoint/2010/main" val="2012400655"/>
       </p:ext>
     </p:extLst>
   </p:cSld>
@@ -2108,19 +2209,15 @@
             </a:pPr>
             <a:r>
               <a:rPr lang="ko-KR" altLang="en-US" dirty="0"/>
-              <a:t>이렇게 계산을 하는 방법은 </a:t>
-            </a:r>
-            <a:r>
-              <a:rPr lang="en-US" altLang="ko-KR" dirty="0"/>
-              <a:t>sum-of-parts </a:t>
-            </a:r>
-            <a:r>
-              <a:rPr lang="en-US" altLang="ko-KR" dirty="0" err="1"/>
-              <a:t>decompositio</a:t>
+              <a:t>그림은 </a:t>
+            </a:r>
+            <a:r>
+              <a:rPr lang="en-US" altLang="ko-KR" dirty="0"/>
+              <a:t>sum-of-pars</a:t>
             </a:r>
             <a:r>
               <a:rPr lang="ko-KR" altLang="en-US" dirty="0"/>
-              <a:t>이다</a:t>
+              <a:t>로 비음분해를 해석하는 예시다</a:t>
             </a:r>
             <a:r>
               <a:rPr lang="en-US" altLang="ko-KR" dirty="0"/>
@@ -2131,33 +2228,54 @@
             <a:pPr marL="0" indent="0">
               <a:buNone/>
             </a:pPr>
+            <a:endParaRPr lang="en-US" altLang="ko-KR" dirty="0"/>
+          </a:p>
+          <a:p>
+            <a:pPr marL="0" indent="0">
+              <a:buNone/>
+            </a:pPr>
             <a:r>
               <a:rPr lang="ko-KR" altLang="en-US" dirty="0"/>
-              <a:t>실질적인 용도로는</a:t>
-            </a:r>
-            <a:r>
-              <a:rPr lang="en-US" altLang="ko-KR" dirty="0"/>
-              <a:t>, </a:t>
-            </a:r>
+              <a:t>각 유저는 어떤 특성에 대해 얼마만큼 가중치를 가지고 있고</a:t>
+            </a:r>
+            <a:r>
+              <a:rPr lang="en-US" altLang="ko-KR" dirty="0"/>
+              <a:t>,</a:t>
+            </a:r>
+          </a:p>
+          <a:p>
+            <a:pPr marL="0" indent="0">
+              <a:buNone/>
+            </a:pPr>
             <a:r>
               <a:rPr lang="ko-KR" altLang="en-US" dirty="0"/>
-              <a:t>각 클러스터를 살펴보고 아이템</a:t>
-            </a:r>
-            <a:r>
-              <a:rPr lang="en-US" altLang="ko-KR" dirty="0"/>
-              <a:t>, </a:t>
-            </a:r>
+              <a:t>각 아이템은 어떤 특성에 대해 얼마만큼 가중치를 가지고 있는지 표현할 수 있어서</a:t>
+            </a:r>
+            <a:endParaRPr lang="en-US" altLang="ko-KR" dirty="0"/>
+          </a:p>
+          <a:p>
+            <a:pPr marL="0" indent="0">
+              <a:buNone/>
+            </a:pPr>
             <a:r>
               <a:rPr lang="ko-KR" altLang="en-US" dirty="0"/>
-              <a:t>사용자의 연관성을 </a:t>
-            </a:r>
-            <a:r>
-              <a:rPr lang="ko-KR" altLang="en-US" dirty="0" err="1"/>
-              <a:t>시멘틱하게</a:t>
+              <a:t>유저</a:t>
+            </a:r>
+            <a:r>
+              <a:rPr lang="en-US" altLang="ko-KR" dirty="0"/>
+              <a:t>-</a:t>
             </a:r>
             <a:r>
               <a:rPr lang="ko-KR" altLang="en-US" dirty="0"/>
-              <a:t> 해석하는 것이 가능하다</a:t>
+              <a:t>아이템 클러스터를 각 </a:t>
+            </a:r>
+            <a:r>
+              <a:rPr lang="en-US" altLang="ko-KR" dirty="0"/>
+              <a:t>aspect</a:t>
+            </a:r>
+            <a:r>
+              <a:rPr lang="ko-KR" altLang="en-US" dirty="0"/>
+              <a:t>으로 해석할 수 있다</a:t>
             </a:r>
             <a:r>
               <a:rPr lang="en-US" altLang="ko-KR" dirty="0"/>
@@ -2193,7 +2311,7 @@
     </p:spTree>
     <p:extLst>
       <p:ext uri="{BB962C8B-B14F-4D97-AF65-F5344CB8AC3E}">
-        <p14:creationId xmlns:p14="http://schemas.microsoft.com/office/powerpoint/2010/main" val="1325955551"/>
+        <p14:creationId xmlns:p14="http://schemas.microsoft.com/office/powerpoint/2010/main" val="2468794545"/>
       </p:ext>
     </p:extLst>
   </p:cSld>
@@ -2252,15 +2370,39 @@
             </a:pPr>
             <a:r>
               <a:rPr lang="ko-KR" altLang="en-US" dirty="0"/>
-              <a:t>그림은 </a:t>
-            </a:r>
-            <a:r>
-              <a:rPr lang="en-US" altLang="ko-KR" dirty="0"/>
-              <a:t>sum-of-pars</a:t>
+              <a:t>앞서 살펴보았던 모든 최적화 공식은 </a:t>
+            </a:r>
+            <a:r>
+              <a:rPr lang="en-US" altLang="ko-KR" dirty="0"/>
+              <a:t>U, V </a:t>
             </a:r>
             <a:r>
               <a:rPr lang="ko-KR" altLang="en-US" dirty="0"/>
-              <a:t>로 비음분해를 해석하는 예시다</a:t>
+              <a:t>행렬에 대한 다양한 제약 조건에 따라 </a:t>
+            </a:r>
+            <a:r>
+              <a:rPr lang="en-US" altLang="ko-KR" dirty="0"/>
+              <a:t>R-UV</a:t>
+            </a:r>
+            <a:r>
+              <a:rPr lang="ko-KR" altLang="en-US" dirty="0"/>
+              <a:t>의 오차</a:t>
+            </a:r>
+            <a:r>
+              <a:rPr lang="en-US" altLang="ko-KR" dirty="0"/>
+              <a:t>, </a:t>
+            </a:r>
+            <a:r>
+              <a:rPr lang="ko-KR" altLang="en-US" dirty="0"/>
+              <a:t>즉 </a:t>
+            </a:r>
+            <a:r>
+              <a:rPr lang="ko-KR" altLang="en-US" dirty="0" err="1"/>
+              <a:t>프로베이니우스</a:t>
+            </a:r>
+            <a:r>
+              <a:rPr lang="ko-KR" altLang="en-US" dirty="0"/>
+              <a:t> 노름을 최소화 하는 것이다</a:t>
             </a:r>
             <a:r>
               <a:rPr lang="en-US" altLang="ko-KR" dirty="0"/>
@@ -2271,54 +2413,33 @@
             <a:pPr marL="0" indent="0">
               <a:buNone/>
             </a:pPr>
-            <a:endParaRPr lang="en-US" altLang="ko-KR" dirty="0"/>
-          </a:p>
-          <a:p>
-            <a:pPr marL="0" indent="0">
-              <a:buNone/>
-            </a:pPr>
             <a:r>
               <a:rPr lang="ko-KR" altLang="en-US" dirty="0"/>
-              <a:t>각 유저는 어떤 특성에 대해 얼마만큼 가중치를 가지고 있고</a:t>
-            </a:r>
-            <a:r>
-              <a:rPr lang="en-US" altLang="ko-KR" dirty="0"/>
-              <a:t>,</a:t>
-            </a:r>
-          </a:p>
-          <a:p>
-            <a:pPr marL="0" indent="0">
-              <a:buNone/>
-            </a:pPr>
+              <a:t>즉</a:t>
+            </a:r>
+            <a:r>
+              <a:rPr lang="en-US" altLang="ko-KR" dirty="0"/>
+              <a:t>, </a:t>
+            </a:r>
             <a:r>
               <a:rPr lang="ko-KR" altLang="en-US" dirty="0"/>
-              <a:t>각 아이템은 어떤 특성에 대해 얼마만큼 가중치를 가지고 있는지 표현할 수 있어서</a:t>
-            </a:r>
-            <a:endParaRPr lang="en-US" altLang="ko-KR" dirty="0"/>
-          </a:p>
-          <a:p>
-            <a:pPr marL="0" indent="0">
-              <a:buNone/>
-            </a:pPr>
+              <a:t>목적함수의 목표는 </a:t>
+            </a:r>
+            <a:r>
+              <a:rPr lang="en-US" altLang="ko-KR" dirty="0" err="1"/>
+              <a:t>Uvt</a:t>
+            </a:r>
             <a:r>
               <a:rPr lang="ko-KR" altLang="en-US" dirty="0"/>
-              <a:t>유저</a:t>
-            </a:r>
-            <a:r>
-              <a:rPr lang="en-US" altLang="ko-KR" dirty="0"/>
-              <a:t>-</a:t>
+              <a:t>를 </a:t>
+            </a:r>
+            <a:r>
+              <a:rPr lang="en-US" altLang="ko-KR" dirty="0"/>
+              <a:t>R</a:t>
             </a:r>
             <a:r>
               <a:rPr lang="ko-KR" altLang="en-US" dirty="0"/>
-              <a:t>아이템 클러스터를 각 </a:t>
-            </a:r>
-            <a:r>
-              <a:rPr lang="en-US" altLang="ko-KR" dirty="0"/>
-              <a:t>aspect</a:t>
-            </a:r>
-            <a:r>
-              <a:rPr lang="ko-KR" altLang="en-US" dirty="0"/>
-              <a:t>으로 해석할 수 있다</a:t>
+              <a:t>에 최대한 가깝게 하는 것이다</a:t>
             </a:r>
             <a:r>
               <a:rPr lang="en-US" altLang="ko-KR" dirty="0"/>
@@ -2354,7 +2475,7 @@
     </p:spTree>
     <p:extLst>
       <p:ext uri="{BB962C8B-B14F-4D97-AF65-F5344CB8AC3E}">
-        <p14:creationId xmlns:p14="http://schemas.microsoft.com/office/powerpoint/2010/main" val="2468794545"/>
+        <p14:creationId xmlns:p14="http://schemas.microsoft.com/office/powerpoint/2010/main" val="1340400921"/>
       </p:ext>
     </p:extLst>
   </p:cSld>
@@ -2413,15 +2534,15 @@
             </a:pPr>
             <a:r>
               <a:rPr lang="ko-KR" altLang="en-US" dirty="0"/>
-              <a:t>그림은 </a:t>
-            </a:r>
-            <a:r>
-              <a:rPr lang="en-US" altLang="ko-KR" dirty="0"/>
-              <a:t>sum-of-pars</a:t>
+              <a:t>다양한 </a:t>
+            </a:r>
+            <a:r>
+              <a:rPr lang="en-US" altLang="ko-KR" dirty="0"/>
+              <a:t>MF </a:t>
             </a:r>
             <a:r>
               <a:rPr lang="ko-KR" altLang="en-US" dirty="0"/>
-              <a:t>로 비음분해를 해석하는 예시다</a:t>
+              <a:t>모델은 더 좋은 성능을 얻기 위해 다른 목적 함수 또는 제약조건을 사용할 수 있다</a:t>
             </a:r>
             <a:r>
               <a:rPr lang="en-US" altLang="ko-KR" dirty="0"/>
@@ -2432,54 +2553,42 @@
             <a:pPr marL="0" indent="0">
               <a:buNone/>
             </a:pPr>
-            <a:endParaRPr lang="en-US" altLang="ko-KR" dirty="0"/>
+            <a:r>
+              <a:rPr lang="ko-KR" altLang="en-US" dirty="0"/>
+              <a:t>이런 것들은 다음 식으로 일반화해서 정리할 수 있다</a:t>
+            </a:r>
+            <a:r>
+              <a:rPr lang="en-US" altLang="ko-KR" dirty="0"/>
+              <a:t>.</a:t>
+            </a:r>
           </a:p>
           <a:p>
             <a:pPr marL="0" indent="0">
               <a:buNone/>
             </a:pPr>
             <a:r>
+              <a:rPr lang="en-US" altLang="ko-KR" dirty="0"/>
+              <a:t>R</a:t>
+            </a:r>
+            <a:r>
               <a:rPr lang="ko-KR" altLang="en-US" dirty="0"/>
-              <a:t>각 유저는 어떤 특성에 대해 얼마만큼 가중치를 가지고 있고</a:t>
-            </a:r>
-            <a:r>
-              <a:rPr lang="en-US" altLang="ko-KR" dirty="0"/>
-              <a:t>,</a:t>
-            </a:r>
-          </a:p>
-          <a:p>
-            <a:pPr marL="0" indent="0">
-              <a:buNone/>
-            </a:pPr>
+              <a:t>과 </a:t>
+            </a:r>
+            <a:r>
+              <a:rPr lang="en-US" altLang="ko-KR" dirty="0"/>
+              <a:t>UV </a:t>
+            </a:r>
             <a:r>
               <a:rPr lang="ko-KR" altLang="en-US" dirty="0"/>
-              <a:t>각 아이템은 어떤 특성에 대해 얼마만큼 가중치를 가지고 있는지 표현할 수 있어서</a:t>
-            </a:r>
-            <a:endParaRPr lang="en-US" altLang="ko-KR" dirty="0"/>
-          </a:p>
-          <a:p>
-            <a:pPr marL="0" indent="0">
-              <a:buNone/>
-            </a:pPr>
+              <a:t>사이의 차이를 정량화 하는 함수를 목적함수로 하고</a:t>
+            </a:r>
+            <a:r>
+              <a:rPr lang="en-US" altLang="ko-KR" dirty="0"/>
+              <a:t>, U, V</a:t>
+            </a:r>
             <a:r>
               <a:rPr lang="ko-KR" altLang="en-US" dirty="0"/>
-              <a:t>유저</a:t>
-            </a:r>
-            <a:r>
-              <a:rPr lang="en-US" altLang="ko-KR" dirty="0"/>
-              <a:t>-</a:t>
-            </a:r>
-            <a:r>
-              <a:rPr lang="ko-KR" altLang="en-US" dirty="0"/>
-              <a:t>아이템 클러스터를 각 </a:t>
-            </a:r>
-            <a:r>
-              <a:rPr lang="en-US" altLang="ko-KR" dirty="0"/>
-              <a:t>aspect</a:t>
-            </a:r>
-            <a:r>
-              <a:rPr lang="ko-KR" altLang="en-US" dirty="0"/>
-              <a:t>으로 해석할 수 있다</a:t>
+              <a:t>에 대한 제약조건</a:t>
             </a:r>
             <a:r>
               <a:rPr lang="en-US" altLang="ko-KR" dirty="0"/>
@@ -2515,7 +2624,281 @@
     </p:spTree>
     <p:extLst>
       <p:ext uri="{BB962C8B-B14F-4D97-AF65-F5344CB8AC3E}">
-        <p14:creationId xmlns:p14="http://schemas.microsoft.com/office/powerpoint/2010/main" val="1340400921"/>
+        <p14:creationId xmlns:p14="http://schemas.microsoft.com/office/powerpoint/2010/main" val="3891611047"/>
+      </p:ext>
+    </p:extLst>
+  </p:cSld>
+  <p:clrMapOvr>
+    <a:masterClrMapping/>
+  </p:clrMapOvr>
+</p:notes>
+</file>
+
+<file path=ppt/notesSlides/notesSlide23.xml><?xml version="1.0" encoding="utf-8"?>
+<p:notes xmlns:a="http://schemas.openxmlformats.org/drawingml/2006/main" xmlns:r="http://schemas.openxmlformats.org/officeDocument/2006/relationships" xmlns:p="http://schemas.openxmlformats.org/presentationml/2006/main">
+  <p:cSld>
+    <p:spTree>
+      <p:nvGrpSpPr>
+        <p:cNvPr id="1" name=""/>
+        <p:cNvGrpSpPr/>
+        <p:nvPr/>
+      </p:nvGrpSpPr>
+      <p:grpSpPr>
+        <a:xfrm>
+          <a:off x="0" y="0"/>
+          <a:ext cx="0" cy="0"/>
+          <a:chOff x="0" y="0"/>
+          <a:chExt cx="0" cy="0"/>
+        </a:xfrm>
+      </p:grpSpPr>
+      <p:sp>
+        <p:nvSpPr>
+          <p:cNvPr id="2" name="슬라이드 이미지 개체 틀 1"/>
+          <p:cNvSpPr>
+            <a:spLocks noGrp="1" noRot="1" noChangeAspect="1"/>
+          </p:cNvSpPr>
+          <p:nvPr>
+            <p:ph type="sldImg"/>
+          </p:nvPr>
+        </p:nvSpPr>
+        <p:spPr/>
+      </p:sp>
+      <p:sp>
+        <p:nvSpPr>
+          <p:cNvPr id="3" name="슬라이드 노트 개체 틀 2"/>
+          <p:cNvSpPr>
+            <a:spLocks noGrp="1"/>
+          </p:cNvSpPr>
+          <p:nvPr>
+            <p:ph type="body" idx="1"/>
+          </p:nvPr>
+        </p:nvSpPr>
+        <p:spPr/>
+        <p:txBody>
+          <a:bodyPr/>
+          <a:lstStyle/>
+          <a:p>
+            <a:pPr marL="0" indent="0">
+              <a:buNone/>
+            </a:pPr>
+            <a:r>
+              <a:rPr lang="ko-KR" altLang="en-US" dirty="0"/>
+              <a:t>책에서 정의한 각 </a:t>
+            </a:r>
+            <a:r>
+              <a:rPr lang="en-US" altLang="ko-KR" dirty="0"/>
+              <a:t>MF </a:t>
+            </a:r>
+            <a:r>
+              <a:rPr lang="ko-KR" altLang="en-US" dirty="0"/>
+              <a:t>메서드</a:t>
+            </a:r>
+            <a:r>
+              <a:rPr lang="en-US" altLang="ko-KR" dirty="0"/>
+              <a:t>, </a:t>
+            </a:r>
+            <a:r>
+              <a:rPr lang="ko-KR" altLang="en-US" dirty="0"/>
+              <a:t>제약조건</a:t>
+            </a:r>
+            <a:r>
+              <a:rPr lang="en-US" altLang="ko-KR" dirty="0"/>
+              <a:t>, </a:t>
+            </a:r>
+            <a:r>
+              <a:rPr lang="ko-KR" altLang="en-US" dirty="0"/>
+              <a:t>목적함수에 대한 정의 그리고 그것에 대한 장단점이다</a:t>
+            </a:r>
+            <a:r>
+              <a:rPr lang="en-US" altLang="ko-KR" dirty="0"/>
+              <a:t>.</a:t>
+            </a:r>
+          </a:p>
+          <a:p>
+            <a:pPr marL="0" indent="0">
+              <a:buNone/>
+            </a:pPr>
+            <a:r>
+              <a:rPr lang="ko-KR" altLang="en-US" dirty="0"/>
+              <a:t>한번 쓱 보면 좋을 듯</a:t>
+            </a:r>
+            <a:r>
+              <a:rPr lang="en-US" altLang="ko-KR" dirty="0"/>
+              <a:t>.!</a:t>
+            </a:r>
+            <a:endParaRPr lang="ko-KR" altLang="en-US" dirty="0"/>
+          </a:p>
+        </p:txBody>
+      </p:sp>
+      <p:sp>
+        <p:nvSpPr>
+          <p:cNvPr id="4" name="슬라이드 번호 개체 틀 3"/>
+          <p:cNvSpPr>
+            <a:spLocks noGrp="1"/>
+          </p:cNvSpPr>
+          <p:nvPr>
+            <p:ph type="sldNum" sz="quarter" idx="5"/>
+          </p:nvPr>
+        </p:nvSpPr>
+        <p:spPr/>
+        <p:txBody>
+          <a:bodyPr/>
+          <a:lstStyle/>
+          <a:p>
+            <a:fld id="{DA275FA2-6C42-4D6B-BC32-C1F878E1B2E0}" type="slidenum">
+              <a:rPr lang="ko-KR" altLang="en-US" smtClean="0"/>
+              <a:t>25</a:t>
+            </a:fld>
+            <a:endParaRPr lang="ko-KR" altLang="en-US"/>
+          </a:p>
+        </p:txBody>
+      </p:sp>
+    </p:spTree>
+    <p:extLst>
+      <p:ext uri="{BB962C8B-B14F-4D97-AF65-F5344CB8AC3E}">
+        <p14:creationId xmlns:p14="http://schemas.microsoft.com/office/powerpoint/2010/main" val="1450392490"/>
+      </p:ext>
+    </p:extLst>
+  </p:cSld>
+  <p:clrMapOvr>
+    <a:masterClrMapping/>
+  </p:clrMapOvr>
+</p:notes>
+</file>
+
+<file path=ppt/notesSlides/notesSlide24.xml><?xml version="1.0" encoding="utf-8"?>
+<p:notes xmlns:a="http://schemas.openxmlformats.org/drawingml/2006/main" xmlns:r="http://schemas.openxmlformats.org/officeDocument/2006/relationships" xmlns:p="http://schemas.openxmlformats.org/presentationml/2006/main">
+  <p:cSld>
+    <p:spTree>
+      <p:nvGrpSpPr>
+        <p:cNvPr id="1" name=""/>
+        <p:cNvGrpSpPr/>
+        <p:nvPr/>
+      </p:nvGrpSpPr>
+      <p:grpSpPr>
+        <a:xfrm>
+          <a:off x="0" y="0"/>
+          <a:ext cx="0" cy="0"/>
+          <a:chOff x="0" y="0"/>
+          <a:chExt cx="0" cy="0"/>
+        </a:xfrm>
+      </p:grpSpPr>
+      <p:sp>
+        <p:nvSpPr>
+          <p:cNvPr id="2" name="슬라이드 이미지 개체 틀 1"/>
+          <p:cNvSpPr>
+            <a:spLocks noGrp="1" noRot="1" noChangeAspect="1"/>
+          </p:cNvSpPr>
+          <p:nvPr>
+            <p:ph type="sldImg"/>
+          </p:nvPr>
+        </p:nvSpPr>
+        <p:spPr/>
+      </p:sp>
+      <p:sp>
+        <p:nvSpPr>
+          <p:cNvPr id="3" name="슬라이드 노트 개체 틀 2"/>
+          <p:cNvSpPr>
+            <a:spLocks noGrp="1"/>
+          </p:cNvSpPr>
+          <p:nvPr>
+            <p:ph type="body" idx="1"/>
+          </p:nvPr>
+        </p:nvSpPr>
+        <p:spPr/>
+        <p:txBody>
+          <a:bodyPr/>
+          <a:lstStyle/>
+          <a:p>
+            <a:pPr marL="0" indent="0">
+              <a:buNone/>
+            </a:pPr>
+            <a:r>
+              <a:rPr lang="ko-KR" altLang="en-US" dirty="0"/>
+              <a:t>어떤 </a:t>
+            </a:r>
+            <a:r>
+              <a:rPr lang="en-US" altLang="ko-KR" dirty="0"/>
+              <a:t>MF </a:t>
+            </a:r>
+            <a:r>
+              <a:rPr lang="ko-KR" altLang="en-US" dirty="0"/>
+              <a:t>모델을 선택할 것인가는 문제 설정</a:t>
+            </a:r>
+            <a:r>
+              <a:rPr lang="en-US" altLang="ko-KR" dirty="0"/>
+              <a:t>, </a:t>
+            </a:r>
+            <a:r>
+              <a:rPr lang="ko-KR" altLang="en-US" dirty="0"/>
+              <a:t>데이터의 노이즈</a:t>
+            </a:r>
+            <a:r>
+              <a:rPr lang="en-US" altLang="ko-KR" dirty="0"/>
+              <a:t>, </a:t>
+            </a:r>
+            <a:r>
+              <a:rPr lang="ko-KR" altLang="en-US" dirty="0"/>
+              <a:t>해석 가능 수준에 따라 다르다</a:t>
+            </a:r>
+            <a:r>
+              <a:rPr lang="en-US" altLang="ko-KR" dirty="0"/>
+              <a:t>.</a:t>
+            </a:r>
+          </a:p>
+          <a:p>
+            <a:pPr marL="0" indent="0">
+              <a:buNone/>
+            </a:pPr>
+            <a:r>
+              <a:rPr lang="ko-KR" altLang="en-US" dirty="0"/>
+              <a:t>모든 문제에 대한 단일 해결책은 존재하지 않고</a:t>
+            </a:r>
+            <a:endParaRPr lang="en-US" altLang="ko-KR" dirty="0"/>
+          </a:p>
+          <a:p>
+            <a:pPr marL="0" indent="0">
+              <a:buNone/>
+            </a:pPr>
+            <a:r>
+              <a:rPr lang="ko-KR" altLang="en-US" dirty="0"/>
+              <a:t>모델을 설정하는 것은 도메인에 대한 깊은 이해가 중요하다</a:t>
+            </a:r>
+            <a:r>
+              <a:rPr lang="en-US" altLang="ko-KR"/>
+              <a:t>.</a:t>
+            </a:r>
+            <a:endParaRPr lang="ko-KR" altLang="en-US" dirty="0"/>
+          </a:p>
+        </p:txBody>
+      </p:sp>
+      <p:sp>
+        <p:nvSpPr>
+          <p:cNvPr id="4" name="슬라이드 번호 개체 틀 3"/>
+          <p:cNvSpPr>
+            <a:spLocks noGrp="1"/>
+          </p:cNvSpPr>
+          <p:nvPr>
+            <p:ph type="sldNum" sz="quarter" idx="5"/>
+          </p:nvPr>
+        </p:nvSpPr>
+        <p:spPr/>
+        <p:txBody>
+          <a:bodyPr/>
+          <a:lstStyle/>
+          <a:p>
+            <a:fld id="{DA275FA2-6C42-4D6B-BC32-C1F878E1B2E0}" type="slidenum">
+              <a:rPr lang="ko-KR" altLang="en-US" smtClean="0"/>
+              <a:t>26</a:t>
+            </a:fld>
+            <a:endParaRPr lang="ko-KR" altLang="en-US"/>
+          </a:p>
+        </p:txBody>
+      </p:sp>
+    </p:spTree>
+    <p:extLst>
+      <p:ext uri="{BB962C8B-B14F-4D97-AF65-F5344CB8AC3E}">
+        <p14:creationId xmlns:p14="http://schemas.microsoft.com/office/powerpoint/2010/main" val="1692566350"/>
       </p:ext>
     </p:extLst>
   </p:cSld>
@@ -2571,69 +2954,61 @@
           <a:p>
             <a:r>
               <a:rPr lang="ko-KR" altLang="en-US" dirty="0"/>
-              <a:t>물론 </a:t>
-            </a:r>
-            <a:r>
-              <a:rPr lang="ko-KR" altLang="en-US" dirty="0" err="1"/>
-              <a:t>특이값</a:t>
+              <a:t>그럼 이전과 마찬가지로 </a:t>
+            </a:r>
+            <a:r>
+              <a:rPr lang="en-US" altLang="ko-KR" dirty="0"/>
+              <a:t>R=</a:t>
+            </a:r>
+            <a:r>
+              <a:rPr lang="en-US" altLang="ko-KR" dirty="0" err="1"/>
+              <a:t>Uvt</a:t>
             </a:r>
             <a:r>
               <a:rPr lang="ko-KR" altLang="en-US" dirty="0"/>
-              <a:t> 분해는 두개가 아닌 세개의 행렬로 분해되지만</a:t>
-            </a:r>
-            <a:r>
-              <a:rPr lang="en-US" altLang="ko-KR" dirty="0"/>
-              <a:t>,</a:t>
-            </a:r>
-          </a:p>
-          <a:p>
-            <a:r>
-              <a:rPr lang="ko-KR" altLang="en-US" dirty="0" err="1"/>
-              <a:t>대각형렬</a:t>
+              <a:t>로 정의될 수 있고</a:t>
+            </a:r>
+            <a:r>
+              <a:rPr lang="en-US" altLang="ko-KR" dirty="0"/>
+              <a:t>, orthogonal col</a:t>
             </a:r>
             <a:r>
               <a:rPr lang="ko-KR" altLang="en-US" dirty="0"/>
-              <a:t> 시그마는 유저 </a:t>
-            </a:r>
-            <a:r>
-              <a:rPr lang="ko-KR" altLang="en-US" dirty="0" err="1"/>
-              <a:t>팩터</a:t>
+              <a:t>로 이루어진 </a:t>
+            </a:r>
+            <a:r>
+              <a:rPr lang="en-US" altLang="ko-KR" dirty="0"/>
+              <a:t>UV</a:t>
             </a:r>
             <a:r>
               <a:rPr lang="ko-KR" altLang="en-US" dirty="0"/>
-              <a:t> </a:t>
-            </a:r>
-            <a:r>
-              <a:rPr lang="en-US" altLang="ko-KR" dirty="0"/>
-              <a:t>Q</a:t>
-            </a:r>
+              <a:t>를 찾는 것이 목표가 된다</a:t>
+            </a:r>
+            <a:r>
+              <a:rPr lang="en-US" altLang="ko-KR" dirty="0"/>
+              <a:t>.</a:t>
+            </a:r>
+          </a:p>
+          <a:p>
             <a:r>
               <a:rPr lang="ko-KR" altLang="en-US" dirty="0"/>
-              <a:t>에 흡수될 수도 있고</a:t>
-            </a:r>
-            <a:r>
-              <a:rPr lang="en-US" altLang="ko-KR" dirty="0"/>
-              <a:t>, </a:t>
+              <a:t>그럼 </a:t>
+            </a:r>
+            <a:r>
+              <a:rPr lang="en-US" altLang="ko-KR" dirty="0"/>
+              <a:t>SVD</a:t>
             </a:r>
             <a:r>
               <a:rPr lang="ko-KR" altLang="en-US" dirty="0"/>
-              <a:t>아이템 </a:t>
-            </a:r>
-            <a:r>
-              <a:rPr lang="ko-KR" altLang="en-US" dirty="0" err="1"/>
-              <a:t>팩터</a:t>
+              <a:t>는 다음과 같은 </a:t>
+            </a:r>
+            <a:r>
+              <a:rPr lang="en-US" altLang="ko-KR" dirty="0"/>
+              <a:t>min </a:t>
             </a:r>
             <a:r>
               <a:rPr lang="ko-KR" altLang="en-US" dirty="0"/>
-              <a:t> </a:t>
-            </a:r>
-            <a:r>
-              <a:rPr lang="en-US" altLang="ko-KR" dirty="0"/>
-              <a:t>P</a:t>
-            </a:r>
-            <a:r>
-              <a:rPr lang="ko-KR" altLang="en-US" dirty="0"/>
-              <a:t>에 흡수될 수도 있지만 일반적으로 다음과 같이 정의한다</a:t>
+              <a:t>문제로 정의할 수 있게 된다</a:t>
             </a:r>
             <a:r>
               <a:rPr lang="en-US" altLang="ko-KR" dirty="0"/>
@@ -2669,7 +3044,7 @@
     </p:spTree>
     <p:extLst>
       <p:ext uri="{BB962C8B-B14F-4D97-AF65-F5344CB8AC3E}">
-        <p14:creationId xmlns:p14="http://schemas.microsoft.com/office/powerpoint/2010/main" val="2012400655"/>
+        <p14:creationId xmlns:p14="http://schemas.microsoft.com/office/powerpoint/2010/main" val="3332720036"/>
       </p:ext>
     </p:extLst>
   </p:cSld>
@@ -2725,35 +3100,49 @@
           <a:p>
             <a:r>
               <a:rPr lang="ko-KR" altLang="en-US" dirty="0"/>
-              <a:t>그럼 이전과 마찬가지로 </a:t>
-            </a:r>
-            <a:r>
-              <a:rPr lang="en-US" altLang="ko-KR" dirty="0"/>
-              <a:t>R=</a:t>
+              <a:t>평점행렬이 불완전할 때는 어떻게 문제를 해결할까</a:t>
+            </a:r>
+            <a:r>
+              <a:rPr lang="en-US" altLang="ko-KR" dirty="0"/>
+              <a:t>?</a:t>
+            </a:r>
+          </a:p>
+          <a:p>
+            <a:r>
+              <a:rPr lang="ko-KR" altLang="en-US" dirty="0"/>
+              <a:t>우선 사용자 </a:t>
             </a:r>
             <a:r>
               <a:rPr lang="en-US" altLang="ko-KR" dirty="0" err="1"/>
-              <a:t>Uvt</a:t>
+              <a:t>i</a:t>
             </a:r>
             <a:r>
               <a:rPr lang="ko-KR" altLang="en-US" dirty="0"/>
-              <a:t>로 정의될 수 있고</a:t>
-            </a:r>
-            <a:r>
-              <a:rPr lang="en-US" altLang="ko-KR" dirty="0"/>
-              <a:t>, orthogonal col</a:t>
+              <a:t>의 평점 </a:t>
+            </a:r>
+            <a:r>
+              <a:rPr lang="ko-KR" altLang="en-US" dirty="0" err="1"/>
+              <a:t>평점</a:t>
             </a:r>
             <a:r>
               <a:rPr lang="ko-KR" altLang="en-US" dirty="0"/>
-              <a:t>로 이루어진 </a:t>
-            </a:r>
-            <a:r>
-              <a:rPr lang="en-US" altLang="ko-KR" dirty="0"/>
-              <a:t>UV</a:t>
+              <a:t> </a:t>
+            </a:r>
+            <a:r>
+              <a:rPr lang="en-US" altLang="ko-KR" dirty="0" err="1"/>
+              <a:t>ui</a:t>
             </a:r>
             <a:r>
               <a:rPr lang="ko-KR" altLang="en-US" dirty="0"/>
-              <a:t>를 찾는 것이 목표가 된다</a:t>
+              <a:t>를 빼서 각 행을 </a:t>
+            </a:r>
+            <a:r>
+              <a:rPr lang="en-US" altLang="ko-KR" dirty="0"/>
+              <a:t>mean-center</a:t>
+            </a:r>
+            <a:r>
+              <a:rPr lang="ko-KR" altLang="en-US" dirty="0"/>
+              <a:t>하게 만드는 것이다</a:t>
             </a:r>
             <a:r>
               <a:rPr lang="en-US" altLang="ko-KR" dirty="0"/>
@@ -2763,23 +3152,45 @@
           <a:p>
             <a:r>
               <a:rPr lang="ko-KR" altLang="en-US" dirty="0"/>
-              <a:t>그럼 </a:t>
-            </a:r>
-            <a:r>
-              <a:rPr lang="en-US" altLang="ko-KR" dirty="0"/>
-              <a:t>SVD</a:t>
+              <a:t>그렇게 만든 행렬을 </a:t>
+            </a:r>
+            <a:r>
+              <a:rPr lang="en-US" altLang="ko-KR" dirty="0" err="1"/>
+              <a:t>Rc</a:t>
             </a:r>
             <a:r>
               <a:rPr lang="ko-KR" altLang="en-US" dirty="0"/>
-              <a:t>는 다음과 같은 </a:t>
-            </a:r>
-            <a:r>
-              <a:rPr lang="en-US" altLang="ko-KR" dirty="0"/>
-              <a:t>min </a:t>
+              <a:t>라고 표현한다</a:t>
+            </a:r>
+            <a:r>
+              <a:rPr lang="en-US" altLang="ko-KR" dirty="0"/>
+              <a:t>.</a:t>
+            </a:r>
+          </a:p>
+          <a:p>
+            <a:r>
+              <a:rPr lang="en-US" altLang="ko-KR" dirty="0" err="1"/>
+              <a:t>Rc</a:t>
             </a:r>
             <a:r>
               <a:rPr lang="ko-KR" altLang="en-US" dirty="0"/>
-              <a:t>문제로 정의할 수 있게 된다</a:t>
+              <a:t>에 </a:t>
+            </a:r>
+            <a:r>
+              <a:rPr lang="en-US" altLang="ko-KR" dirty="0"/>
+              <a:t>missing entry</a:t>
+            </a:r>
+            <a:r>
+              <a:rPr lang="ko-KR" altLang="en-US" dirty="0"/>
+              <a:t>는 </a:t>
+            </a:r>
+            <a:r>
+              <a:rPr lang="en-US" altLang="ko-KR" dirty="0"/>
+              <a:t>0</a:t>
+            </a:r>
+            <a:r>
+              <a:rPr lang="ko-KR" altLang="en-US" dirty="0"/>
+              <a:t>으로 설정한다</a:t>
             </a:r>
             <a:r>
               <a:rPr lang="en-US" altLang="ko-KR" dirty="0"/>
@@ -2815,7 +3226,7 @@
     </p:spTree>
     <p:extLst>
       <p:ext uri="{BB962C8B-B14F-4D97-AF65-F5344CB8AC3E}">
-        <p14:creationId xmlns:p14="http://schemas.microsoft.com/office/powerpoint/2010/main" val="3332720036"/>
+        <p14:creationId xmlns:p14="http://schemas.microsoft.com/office/powerpoint/2010/main" val="1244155767"/>
       </p:ext>
     </p:extLst>
   </p:cSld>
@@ -2870,98 +3281,79 @@
           <a:lstStyle/>
           <a:p>
             <a:r>
+              <a:rPr lang="en-US" altLang="ko-KR" dirty="0" err="1"/>
+              <a:t>Rc</a:t>
+            </a:r>
+            <a:r>
+              <a:rPr lang="en-US" altLang="ko-KR" dirty="0"/>
+              <a:t> </a:t>
+            </a:r>
+            <a:r>
               <a:rPr lang="ko-KR" altLang="en-US" dirty="0"/>
-              <a:t>평점행렬이 불완전할 때는 어떻게 문제를 해결할까</a:t>
-            </a:r>
-            <a:r>
-              <a:rPr lang="en-US" altLang="ko-KR" dirty="0"/>
-              <a:t>?</a:t>
-            </a:r>
-          </a:p>
-          <a:p>
+              <a:t>에 </a:t>
+            </a:r>
+            <a:r>
+              <a:rPr lang="en-US" altLang="ko-KR" dirty="0"/>
+              <a:t>SVD</a:t>
+            </a:r>
             <a:r>
               <a:rPr lang="ko-KR" altLang="en-US" dirty="0"/>
-              <a:t>우선 사용자 </a:t>
-            </a:r>
-            <a:r>
-              <a:rPr lang="en-US" altLang="ko-KR" dirty="0" err="1"/>
-              <a:t>i</a:t>
+              <a:t>를 적용한다</a:t>
+            </a:r>
+            <a:r>
+              <a:rPr lang="en-US" altLang="ko-KR" dirty="0"/>
+              <a:t>.</a:t>
+            </a:r>
+          </a:p>
+          <a:p>
+            <a:r>
+              <a:rPr lang="en-US" altLang="ko-KR" dirty="0"/>
+              <a:t>I</a:t>
             </a:r>
             <a:r>
               <a:rPr lang="ko-KR" altLang="en-US" dirty="0"/>
-              <a:t>의 평점 </a:t>
-            </a:r>
-            <a:r>
-              <a:rPr lang="ko-KR" altLang="en-US" dirty="0" err="1"/>
-              <a:t>평점</a:t>
-            </a:r>
-            <a:r>
-              <a:rPr lang="ko-KR" altLang="en-US" dirty="0"/>
-              <a:t> </a:t>
+              <a:t>번째 유저를 </a:t>
             </a:r>
             <a:r>
               <a:rPr lang="en-US" altLang="ko-KR" dirty="0" err="1"/>
               <a:t>ui</a:t>
             </a:r>
+            <a:endParaRPr lang="en-US" altLang="ko-KR" dirty="0"/>
+          </a:p>
+          <a:p>
+            <a:r>
+              <a:rPr lang="en-US" altLang="ko-KR" dirty="0"/>
+              <a:t>J</a:t>
+            </a:r>
             <a:r>
               <a:rPr lang="ko-KR" altLang="en-US" dirty="0"/>
-              <a:t>를 빼서 각 행을 </a:t>
-            </a:r>
-            <a:r>
-              <a:rPr lang="en-US" altLang="ko-KR" dirty="0"/>
-              <a:t>mean-center</a:t>
+              <a:t>번째 아이템을 </a:t>
+            </a:r>
+            <a:r>
+              <a:rPr lang="en-US" altLang="ko-KR" dirty="0" err="1"/>
+              <a:t>vj</a:t>
             </a:r>
             <a:r>
               <a:rPr lang="ko-KR" altLang="en-US" dirty="0"/>
-              <a:t>하게 만드는 것이다</a:t>
-            </a:r>
-            <a:r>
-              <a:rPr lang="en-US" altLang="ko-KR" dirty="0"/>
-              <a:t>.</a:t>
+              <a:t>라고 한다면</a:t>
+            </a:r>
+            <a:r>
+              <a:rPr lang="en-US" altLang="ko-KR" dirty="0"/>
+              <a:t>..</a:t>
             </a:r>
           </a:p>
           <a:p>
             <a:r>
               <a:rPr lang="ko-KR" altLang="en-US" dirty="0"/>
-              <a:t>그렇게 만든 행렬을 </a:t>
-            </a:r>
-            <a:r>
-              <a:rPr lang="en-US" altLang="ko-KR" dirty="0" err="1"/>
-              <a:t>Rc</a:t>
+              <a:t>평점 추정치 </a:t>
+            </a:r>
+            <a:r>
+              <a:rPr lang="en-US" altLang="ko-KR" dirty="0"/>
+              <a:t>r</a:t>
             </a:r>
             <a:r>
               <a:rPr lang="ko-KR" altLang="en-US" dirty="0"/>
-              <a:t>라고 표현한다</a:t>
-            </a:r>
-            <a:r>
-              <a:rPr lang="en-US" altLang="ko-KR" dirty="0"/>
-              <a:t>.</a:t>
-            </a:r>
-          </a:p>
-          <a:p>
-            <a:r>
-              <a:rPr lang="en-US" altLang="ko-KR" dirty="0" err="1"/>
-              <a:t>Rc</a:t>
-            </a:r>
-            <a:r>
-              <a:rPr lang="ko-KR" altLang="en-US" dirty="0"/>
-              <a:t>에 </a:t>
-            </a:r>
-            <a:r>
-              <a:rPr lang="en-US" altLang="ko-KR" dirty="0"/>
-              <a:t>missing entry</a:t>
-            </a:r>
-            <a:r>
-              <a:rPr lang="ko-KR" altLang="en-US" dirty="0"/>
-              <a:t>는 </a:t>
-            </a:r>
-            <a:r>
-              <a:rPr lang="en-US" altLang="ko-KR" dirty="0"/>
-              <a:t>0</a:t>
-            </a:r>
-            <a:r>
-              <a:rPr lang="ko-KR" altLang="en-US" dirty="0"/>
-              <a:t>으로 설정한다</a:t>
+              <a:t>은 다음과 같이 내적에 평균을 더한 것으로 계산할 수 있다</a:t>
             </a:r>
             <a:r>
               <a:rPr lang="en-US" altLang="ko-KR" dirty="0"/>
@@ -2997,7 +3389,7 @@
     </p:spTree>
     <p:extLst>
       <p:ext uri="{BB962C8B-B14F-4D97-AF65-F5344CB8AC3E}">
-        <p14:creationId xmlns:p14="http://schemas.microsoft.com/office/powerpoint/2010/main" val="1244155767"/>
+        <p14:creationId xmlns:p14="http://schemas.microsoft.com/office/powerpoint/2010/main" val="3394049882"/>
       </p:ext>
     </p:extLst>
   </p:cSld>
@@ -3052,24 +3444,16 @@
           <a:lstStyle/>
           <a:p>
             <a:r>
-              <a:rPr lang="en-US" altLang="ko-KR" dirty="0" err="1"/>
-              <a:t>Rc</a:t>
-            </a:r>
-            <a:r>
-              <a:rPr lang="en-US" altLang="ko-KR" dirty="0"/>
-              <a:t> </a:t>
-            </a:r>
-            <a:r>
               <a:rPr lang="ko-KR" altLang="en-US" dirty="0"/>
-              <a:t>에 </a:t>
-            </a:r>
-            <a:r>
-              <a:rPr lang="en-US" altLang="ko-KR" dirty="0"/>
-              <a:t>SVD</a:t>
+              <a:t>이 방법에 가장 큰 문제는 누락된 항목에 대한 </a:t>
+            </a:r>
+            <a:r>
+              <a:rPr lang="en-US" altLang="ko-KR" dirty="0"/>
+              <a:t>bias</a:t>
             </a:r>
             <a:r>
               <a:rPr lang="ko-KR" altLang="en-US" dirty="0"/>
-              <a:t>를 적용한다</a:t>
+              <a:t>가 크다는 점이다</a:t>
             </a:r>
             <a:r>
               <a:rPr lang="en-US" altLang="ko-KR" dirty="0"/>
@@ -3078,53 +3462,8 @@
           </a:p>
           <a:p>
             <a:r>
-              <a:rPr lang="en-US" altLang="ko-KR" dirty="0"/>
-              <a:t>I</a:t>
-            </a:r>
-            <a:r>
               <a:rPr lang="ko-KR" altLang="en-US" dirty="0"/>
-              <a:t>번째 유저를 </a:t>
-            </a:r>
-            <a:r>
-              <a:rPr lang="en-US" altLang="ko-KR" dirty="0" err="1"/>
-              <a:t>ui</a:t>
-            </a:r>
-            <a:endParaRPr lang="en-US" altLang="ko-KR" dirty="0"/>
-          </a:p>
-          <a:p>
-            <a:r>
-              <a:rPr lang="en-US" altLang="ko-KR" dirty="0"/>
-              <a:t>J</a:t>
-            </a:r>
-            <a:r>
-              <a:rPr lang="ko-KR" altLang="en-US" dirty="0"/>
-              <a:t>번째 아이템을 </a:t>
-            </a:r>
-            <a:r>
-              <a:rPr lang="en-US" altLang="ko-KR" dirty="0" err="1"/>
-              <a:t>vj</a:t>
-            </a:r>
-            <a:r>
-              <a:rPr lang="ko-KR" altLang="en-US" dirty="0"/>
-              <a:t>라고 한다면</a:t>
-            </a:r>
-            <a:r>
-              <a:rPr lang="en-US" altLang="ko-KR" dirty="0"/>
-              <a:t>..</a:t>
-            </a:r>
-          </a:p>
-          <a:p>
-            <a:r>
-              <a:rPr lang="ko-KR" altLang="en-US" dirty="0"/>
-              <a:t>평점 추정치 </a:t>
-            </a:r>
-            <a:r>
-              <a:rPr lang="en-US" altLang="ko-KR" dirty="0"/>
-              <a:t>r</a:t>
-            </a:r>
-            <a:r>
-              <a:rPr lang="ko-KR" altLang="en-US" dirty="0"/>
-              <a:t>은 다음과 같이 내적에 평균을 더한 것으로 계산할 수 있다</a:t>
+              <a:t>이는 반복을 통해 개선될 수 있다</a:t>
             </a:r>
             <a:r>
               <a:rPr lang="en-US" altLang="ko-KR" dirty="0"/>
@@ -3160,7 +3499,7 @@
     </p:spTree>
     <p:extLst>
       <p:ext uri="{BB962C8B-B14F-4D97-AF65-F5344CB8AC3E}">
-        <p14:creationId xmlns:p14="http://schemas.microsoft.com/office/powerpoint/2010/main" val="3394049882"/>
+        <p14:creationId xmlns:p14="http://schemas.microsoft.com/office/powerpoint/2010/main" val="828504615"/>
       </p:ext>
     </p:extLst>
   </p:cSld>
@@ -3214,17 +3553,44 @@
           <a:bodyPr/>
           <a:lstStyle/>
           <a:p>
+            <a:pPr marL="228600" indent="-228600">
+              <a:buAutoNum type="arabicPeriod"/>
+            </a:pPr>
             <a:r>
               <a:rPr lang="ko-KR" altLang="en-US" dirty="0"/>
-              <a:t>이 방법에 가장 큰 문제는 누락된 항목에 대한 </a:t>
-            </a:r>
-            <a:r>
-              <a:rPr lang="en-US" altLang="ko-KR" dirty="0"/>
-              <a:t>bias</a:t>
+              <a:t>초기화</a:t>
+            </a:r>
+            <a:r>
+              <a:rPr lang="en-US" altLang="ko-KR" dirty="0"/>
+              <a:t>: R</a:t>
             </a:r>
             <a:r>
               <a:rPr lang="ko-KR" altLang="en-US" dirty="0"/>
-              <a:t>가 크다는 점이다</a:t>
+              <a:t>의 </a:t>
+            </a:r>
+            <a:r>
+              <a:rPr lang="en-US" altLang="ko-KR" dirty="0" err="1"/>
+              <a:t>i</a:t>
+            </a:r>
+            <a:r>
+              <a:rPr lang="ko-KR" altLang="en-US" dirty="0"/>
+              <a:t>번째 행에서 누락된 항목을 초기화 한다</a:t>
+            </a:r>
+            <a:r>
+              <a:rPr lang="en-US" altLang="ko-KR" dirty="0"/>
+              <a:t>. </a:t>
+            </a:r>
+            <a:r>
+              <a:rPr lang="ko-KR" altLang="en-US" dirty="0"/>
+              <a:t>해당 행의 평균이 뮤가 되도록 </a:t>
+            </a:r>
+            <a:r>
+              <a:rPr lang="en-US" altLang="ko-KR" dirty="0"/>
+              <a:t>Rf</a:t>
+            </a:r>
+            <a:r>
+              <a:rPr lang="ko-KR" altLang="en-US" dirty="0"/>
+              <a:t>를 만든다</a:t>
             </a:r>
             <a:r>
               <a:rPr lang="en-US" altLang="ko-KR" dirty="0"/>
@@ -3232,9 +3598,89 @@
             </a:r>
           </a:p>
           <a:p>
+            <a:pPr marL="228600" indent="-228600">
+              <a:buAutoNum type="arabicPeriod"/>
+            </a:pPr>
             <a:r>
               <a:rPr lang="ko-KR" altLang="en-US" dirty="0"/>
-              <a:t>이는 반복을 통해 개선될 수 있다</a:t>
+              <a:t>반복 </a:t>
+            </a:r>
+            <a:r>
+              <a:rPr lang="en-US" altLang="ko-KR" dirty="0"/>
+              <a:t>1</a:t>
+            </a:r>
+            <a:r>
+              <a:rPr lang="ko-KR" altLang="en-US" dirty="0"/>
+              <a:t>단계</a:t>
+            </a:r>
+            <a:r>
+              <a:rPr lang="en-US" altLang="ko-KR" dirty="0"/>
+              <a:t>, SVD </a:t>
+            </a:r>
+            <a:r>
+              <a:rPr lang="ko-KR" altLang="en-US" dirty="0"/>
+              <a:t>형식으로 분해</a:t>
+            </a:r>
+            <a:endParaRPr lang="en-US" altLang="ko-KR" dirty="0"/>
+          </a:p>
+          <a:p>
+            <a:pPr marL="228600" indent="-228600">
+              <a:buAutoNum type="arabicPeriod"/>
+            </a:pPr>
+            <a:r>
+              <a:rPr lang="ko-KR" altLang="en-US" dirty="0"/>
+              <a:t>반복 </a:t>
+            </a:r>
+            <a:r>
+              <a:rPr lang="en-US" altLang="ko-KR" dirty="0"/>
+              <a:t>2</a:t>
+            </a:r>
+            <a:r>
+              <a:rPr lang="ko-KR" altLang="en-US" dirty="0"/>
+              <a:t>단계</a:t>
+            </a:r>
+            <a:r>
+              <a:rPr lang="en-US" altLang="ko-KR" dirty="0"/>
+              <a:t>, </a:t>
+            </a:r>
+            <a:r>
+              <a:rPr lang="ko-KR" altLang="en-US" dirty="0"/>
+              <a:t>원래 누락된 항목만 </a:t>
+            </a:r>
+            <a:r>
+              <a:rPr lang="en-US" altLang="ko-KR" dirty="0"/>
+              <a:t>SVD</a:t>
+            </a:r>
+            <a:r>
+              <a:rPr lang="ko-KR" altLang="en-US" dirty="0"/>
+              <a:t>의 해당 값으로 재조정한다</a:t>
+            </a:r>
+            <a:r>
+              <a:rPr lang="en-US" altLang="ko-KR" dirty="0"/>
+              <a:t>.</a:t>
+            </a:r>
+          </a:p>
+          <a:p>
+            <a:pPr marL="228600" indent="-228600">
+              <a:buAutoNum type="arabicPeriod"/>
+            </a:pPr>
+            <a:endParaRPr lang="en-US" altLang="ko-KR" dirty="0"/>
+          </a:p>
+          <a:p>
+            <a:pPr marL="0" indent="0">
+              <a:buNone/>
+            </a:pPr>
+            <a:r>
+              <a:rPr lang="ko-KR" altLang="en-US" dirty="0"/>
+              <a:t>예제는 </a:t>
+            </a:r>
+            <a:r>
+              <a:rPr lang="en-US" altLang="ko-KR" dirty="0"/>
+              <a:t>3.6.5.4</a:t>
+            </a:r>
+            <a:r>
+              <a:rPr lang="ko-KR" altLang="en-US" dirty="0"/>
+              <a:t>에 나와있으니 참고</a:t>
             </a:r>
             <a:r>
               <a:rPr lang="en-US" altLang="ko-KR" dirty="0"/>
@@ -3270,7 +3716,7 @@
     </p:spTree>
     <p:extLst>
       <p:ext uri="{BB962C8B-B14F-4D97-AF65-F5344CB8AC3E}">
-        <p14:creationId xmlns:p14="http://schemas.microsoft.com/office/powerpoint/2010/main" val="828504615"/>
+        <p14:creationId xmlns:p14="http://schemas.microsoft.com/office/powerpoint/2010/main" val="3172300240"/>
       </p:ext>
     </p:extLst>
   </p:cSld>
@@ -3324,134 +3770,25 @@
           <a:bodyPr/>
           <a:lstStyle/>
           <a:p>
-            <a:pPr marL="228600" indent="-228600">
-              <a:buAutoNum type="arabicPeriod"/>
-            </a:pPr>
-            <a:r>
-              <a:rPr lang="ko-KR" altLang="en-US" dirty="0"/>
-              <a:t>초기화</a:t>
-            </a:r>
-            <a:r>
-              <a:rPr lang="en-US" altLang="ko-KR" dirty="0"/>
-              <a:t>: R</a:t>
-            </a:r>
-            <a:r>
-              <a:rPr lang="ko-KR" altLang="en-US" dirty="0"/>
-              <a:t>의 </a:t>
-            </a:r>
-            <a:r>
-              <a:rPr lang="en-US" altLang="ko-KR" dirty="0" err="1"/>
-              <a:t>i</a:t>
-            </a:r>
-            <a:r>
-              <a:rPr lang="ko-KR" altLang="en-US" dirty="0"/>
-              <a:t>번째 행에서 누락된 항목을 초기화 한다</a:t>
-            </a:r>
-            <a:r>
-              <a:rPr lang="en-US" altLang="ko-KR" dirty="0"/>
-              <a:t>. </a:t>
-            </a:r>
-            <a:r>
-              <a:rPr lang="ko-KR" altLang="en-US" dirty="0"/>
-              <a:t>해당 행의 평균이 뮤가 되도록 </a:t>
-            </a:r>
-            <a:r>
-              <a:rPr lang="en-US" altLang="ko-KR" dirty="0"/>
-              <a:t>Rf</a:t>
-            </a:r>
-            <a:r>
-              <a:rPr lang="ko-KR" altLang="en-US" dirty="0"/>
-              <a:t>를 만든다</a:t>
-            </a:r>
-            <a:r>
-              <a:rPr lang="en-US" altLang="ko-KR" dirty="0"/>
-              <a:t>.</a:t>
-            </a:r>
-          </a:p>
-          <a:p>
-            <a:pPr marL="228600" indent="-228600">
-              <a:buAutoNum type="arabicPeriod"/>
-            </a:pPr>
-            <a:r>
-              <a:rPr lang="ko-KR" altLang="en-US" dirty="0"/>
-              <a:t>반복 </a:t>
-            </a:r>
-            <a:r>
-              <a:rPr lang="en-US" altLang="ko-KR" dirty="0"/>
-              <a:t>1</a:t>
-            </a:r>
-            <a:r>
-              <a:rPr lang="ko-KR" altLang="en-US" dirty="0"/>
-              <a:t>단계</a:t>
-            </a:r>
-            <a:r>
-              <a:rPr lang="en-US" altLang="ko-KR" dirty="0"/>
-              <a:t>, SVD </a:t>
-            </a:r>
-            <a:r>
-              <a:rPr lang="ko-KR" altLang="en-US" dirty="0"/>
-              <a:t>형식으로 분해</a:t>
-            </a:r>
-            <a:endParaRPr lang="en-US" altLang="ko-KR" dirty="0"/>
-          </a:p>
-          <a:p>
-            <a:pPr marL="228600" indent="-228600">
-              <a:buAutoNum type="arabicPeriod"/>
-            </a:pPr>
-            <a:r>
-              <a:rPr lang="ko-KR" altLang="en-US" dirty="0"/>
-              <a:t>반복 </a:t>
-            </a:r>
-            <a:r>
-              <a:rPr lang="en-US" altLang="ko-KR" dirty="0"/>
-              <a:t>2</a:t>
-            </a:r>
-            <a:r>
-              <a:rPr lang="ko-KR" altLang="en-US" dirty="0"/>
-              <a:t>단계</a:t>
-            </a:r>
-            <a:r>
-              <a:rPr lang="en-US" altLang="ko-KR" dirty="0"/>
-              <a:t>, </a:t>
-            </a:r>
-            <a:r>
-              <a:rPr lang="ko-KR" altLang="en-US" dirty="0"/>
-              <a:t>원래 누락된 항목만 </a:t>
-            </a:r>
-            <a:r>
-              <a:rPr lang="en-US" altLang="ko-KR" dirty="0"/>
-              <a:t>SVD</a:t>
-            </a:r>
-            <a:r>
-              <a:rPr lang="ko-KR" altLang="en-US" dirty="0"/>
-              <a:t>의 해당 값으로 재조정한다</a:t>
-            </a:r>
-            <a:r>
-              <a:rPr lang="en-US" altLang="ko-KR" dirty="0"/>
-              <a:t>.</a:t>
-            </a:r>
-          </a:p>
-          <a:p>
-            <a:pPr marL="228600" indent="-228600">
-              <a:buAutoNum type="arabicPeriod"/>
-            </a:pPr>
-            <a:endParaRPr lang="en-US" altLang="ko-KR" dirty="0"/>
-          </a:p>
-          <a:p>
             <a:pPr marL="0" indent="0">
               <a:buNone/>
             </a:pPr>
             <a:r>
               <a:rPr lang="ko-KR" altLang="en-US" dirty="0"/>
-              <a:t>예제는 </a:t>
-            </a:r>
-            <a:r>
-              <a:rPr lang="en-US" altLang="ko-KR" dirty="0"/>
-              <a:t>3.6.5.4</a:t>
-            </a:r>
+              <a:t>반복 접근 방식은 계산 비용이 크다</a:t>
+            </a:r>
+            <a:r>
+              <a:rPr lang="en-US" altLang="ko-KR" dirty="0"/>
+              <a:t>.</a:t>
+            </a:r>
+          </a:p>
+          <a:p>
+            <a:pPr marL="0" indent="0">
+              <a:buNone/>
+            </a:pPr>
             <a:r>
               <a:rPr lang="ko-KR" altLang="en-US" dirty="0"/>
-              <a:t>에 나와있으니 참고</a:t>
+              <a:t>더 효율적인 접근 방식은 직교 제한조건을 이전 절의 최적화 모델에 추가하는 것이다</a:t>
             </a:r>
             <a:r>
               <a:rPr lang="en-US" altLang="ko-KR" dirty="0"/>
@@ -3487,7 +3824,7 @@
     </p:spTree>
     <p:extLst>
       <p:ext uri="{BB962C8B-B14F-4D97-AF65-F5344CB8AC3E}">
-        <p14:creationId xmlns:p14="http://schemas.microsoft.com/office/powerpoint/2010/main" val="3172300240"/>
+        <p14:creationId xmlns:p14="http://schemas.microsoft.com/office/powerpoint/2010/main" val="3782643469"/>
       </p:ext>
     </p:extLst>
   </p:cSld>
@@ -3545,21 +3882,28 @@
               <a:buNone/>
             </a:pPr>
             <a:r>
+              <a:rPr lang="ko-KR" altLang="en-US" dirty="0" err="1"/>
+              <a:t>이런식으로</a:t>
+            </a:r>
+            <a:r>
               <a:rPr lang="ko-KR" altLang="en-US" dirty="0"/>
-              <a:t>반복 접근 방식은 계산 비용이 크다</a:t>
-            </a:r>
-            <a:r>
-              <a:rPr lang="en-US" altLang="ko-KR" dirty="0"/>
-              <a:t>.</a:t>
-            </a:r>
-          </a:p>
-          <a:p>
-            <a:pPr marL="0" indent="0">
-              <a:buNone/>
-            </a:pPr>
+              <a:t> 목적함수를 정의하고 </a:t>
+            </a:r>
+            <a:r>
+              <a:rPr lang="ko-KR" altLang="en-US" dirty="0" err="1"/>
+              <a:t>경사하강법을</a:t>
+            </a:r>
             <a:r>
               <a:rPr lang="ko-KR" altLang="en-US" dirty="0"/>
-              <a:t>더 효율적인 접근 방식은 직교 제한조건을 이전 절의 최적화 모델에 추가하는 것이다</a:t>
+              <a:t> 이용해 </a:t>
+            </a:r>
+            <a:r>
+              <a:rPr lang="en-US" altLang="ko-KR" dirty="0"/>
+              <a:t>u, v </a:t>
+            </a:r>
+            <a:r>
+              <a:rPr lang="ko-KR" altLang="en-US" dirty="0"/>
+              <a:t>값을 찾아갈 수 있다</a:t>
             </a:r>
             <a:r>
               <a:rPr lang="en-US" altLang="ko-KR" dirty="0"/>
@@ -3595,7 +3939,7 @@
     </p:spTree>
     <p:extLst>
       <p:ext uri="{BB962C8B-B14F-4D97-AF65-F5344CB8AC3E}">
-        <p14:creationId xmlns:p14="http://schemas.microsoft.com/office/powerpoint/2010/main" val="3782643469"/>
+        <p14:creationId xmlns:p14="http://schemas.microsoft.com/office/powerpoint/2010/main" val="3505731035"/>
       </p:ext>
     </p:extLst>
   </p:cSld>
@@ -4992,521 +5336,6 @@
           <a:p>
             <a:r>
               <a:rPr kumimoji="1" lang="en-US" altLang="en-US" sz="3600" dirty="0"/>
-              <a:t>3.6.5.1 A Simple Iterative Approach to SVD</a:t>
-            </a:r>
-            <a:endParaRPr kumimoji="1" lang="ko-Kore-KR" altLang="en-US" sz="3600" dirty="0"/>
-          </a:p>
-        </p:txBody>
-      </p:sp>
-      <mc:AlternateContent xmlns:mc="http://schemas.openxmlformats.org/markup-compatibility/2006" xmlns:a14="http://schemas.microsoft.com/office/drawing/2010/main">
-        <mc:Choice Requires="a14">
-          <p:sp>
-            <p:nvSpPr>
-              <p:cNvPr id="3" name="내용 개체 틀 2">
-                <a:extLst>
-                  <a:ext uri="{FF2B5EF4-FFF2-40B4-BE49-F238E27FC236}">
-                    <a16:creationId xmlns:a16="http://schemas.microsoft.com/office/drawing/2014/main" id="{1725D5B2-2C6C-3B43-B4F2-CA91BE12BB41}"/>
-                  </a:ext>
-                </a:extLst>
-              </p:cNvPr>
-              <p:cNvSpPr>
-                <a:spLocks noGrp="1"/>
-              </p:cNvSpPr>
-              <p:nvPr>
-                <p:ph idx="1"/>
-              </p:nvPr>
-            </p:nvSpPr>
-            <p:spPr>
-              <a:xfrm>
-                <a:off x="838200" y="1681227"/>
-                <a:ext cx="10515600" cy="4351338"/>
-              </a:xfrm>
-            </p:spPr>
-            <p:txBody>
-              <a:bodyPr>
-                <a:normAutofit/>
-              </a:bodyPr>
-              <a:lstStyle/>
-              <a:p>
-                <a:r>
-                  <a:rPr lang="en-US" altLang="ko-KR" b="1" dirty="0"/>
-                  <a:t>1.</a:t>
-                </a:r>
-                <a:r>
-                  <a:rPr lang="en-US" altLang="ko-KR" dirty="0"/>
-                  <a:t> </a:t>
-                </a:r>
-                <a:r>
-                  <a:rPr lang="en-US" altLang="ko-KR" b="1" dirty="0"/>
-                  <a:t>Initialization</a:t>
-                </a:r>
-                <a:r>
-                  <a:rPr lang="en-US" altLang="ko-KR" dirty="0"/>
-                  <a:t>: Initialize the missing entries in the </a:t>
-                </a:r>
-                <a:r>
-                  <a:rPr lang="en-US" altLang="ko-KR" dirty="0" err="1"/>
-                  <a:t>i-th</a:t>
-                </a:r>
-                <a:r>
-                  <a:rPr lang="en-US" altLang="ko-KR" dirty="0"/>
-                  <a:t> row of R to be the mean </a:t>
-                </a:r>
-                <a14:m>
-                  <m:oMath xmlns:m="http://schemas.openxmlformats.org/officeDocument/2006/math">
-                    <m:sSub>
-                      <m:sSubPr>
-                        <m:ctrlPr>
-                          <a:rPr lang="en-US" altLang="ko-KR" b="0" i="1" dirty="0" smtClean="0">
-                            <a:latin typeface="Cambria Math" panose="02040503050406030204" pitchFamily="18" charset="0"/>
-                          </a:rPr>
-                        </m:ctrlPr>
-                      </m:sSubPr>
-                      <m:e>
-                        <m:r>
-                          <a:rPr lang="en-US" altLang="ko-KR" i="1" dirty="0" smtClean="0">
-                            <a:latin typeface="Cambria Math" panose="02040503050406030204" pitchFamily="18" charset="0"/>
-                          </a:rPr>
-                          <m:t>𝜇</m:t>
-                        </m:r>
-                      </m:e>
-                      <m:sub>
-                        <m:r>
-                          <a:rPr lang="en-US" altLang="ko-KR" b="0" i="1" dirty="0" smtClean="0">
-                            <a:latin typeface="Cambria Math" panose="02040503050406030204" pitchFamily="18" charset="0"/>
-                          </a:rPr>
-                          <m:t>𝑖</m:t>
-                        </m:r>
-                      </m:sub>
-                    </m:sSub>
-                  </m:oMath>
-                </a14:m>
-                <a:r>
-                  <a:rPr lang="en-US" altLang="ko-KR" dirty="0"/>
-                  <a:t> of that row to create </a:t>
-                </a:r>
-                <a14:m>
-                  <m:oMath xmlns:m="http://schemas.openxmlformats.org/officeDocument/2006/math">
-                    <m:sSub>
-                      <m:sSubPr>
-                        <m:ctrlPr>
-                          <a:rPr lang="en-US" altLang="ko-KR" b="1" i="1" dirty="0" smtClean="0">
-                            <a:latin typeface="Cambria Math" panose="02040503050406030204" pitchFamily="18" charset="0"/>
-                          </a:rPr>
-                        </m:ctrlPr>
-                      </m:sSubPr>
-                      <m:e>
-                        <m:r>
-                          <a:rPr lang="en-US" altLang="ko-KR" b="1" i="1" dirty="0" smtClean="0">
-                            <a:latin typeface="Cambria Math" panose="02040503050406030204" pitchFamily="18" charset="0"/>
-                          </a:rPr>
-                          <m:t>𝑹</m:t>
-                        </m:r>
-                      </m:e>
-                      <m:sub>
-                        <m:r>
-                          <a:rPr lang="en-US" altLang="ko-KR" b="1" i="1" dirty="0" smtClean="0">
-                            <a:latin typeface="Cambria Math" panose="02040503050406030204" pitchFamily="18" charset="0"/>
-                          </a:rPr>
-                          <m:t>𝒇</m:t>
-                        </m:r>
-                      </m:sub>
-                    </m:sSub>
-                  </m:oMath>
-                </a14:m>
-                <a:endParaRPr lang="en-US" altLang="ko-KR" dirty="0"/>
-              </a:p>
-              <a:p>
-                <a:r>
-                  <a:rPr lang="en-US" altLang="ko-KR" b="1" dirty="0"/>
-                  <a:t>2.</a:t>
-                </a:r>
-                <a:r>
-                  <a:rPr lang="en-US" altLang="ko-KR" dirty="0"/>
-                  <a:t> </a:t>
-                </a:r>
-                <a:r>
-                  <a:rPr lang="en-US" altLang="ko-KR" b="1" dirty="0"/>
-                  <a:t>Iterative step 1:</a:t>
-                </a:r>
-                <a:r>
-                  <a:rPr lang="en-US" altLang="ko-KR" dirty="0"/>
-                  <a:t> Perform rank-k SVD of Rf in the form</a:t>
-                </a:r>
-                <a:r>
-                  <a:rPr lang="en-US" altLang="ko-KR" b="1" dirty="0">
-                    <a:ea typeface="Cambria Math" panose="02040503050406030204" pitchFamily="18" charset="0"/>
-                  </a:rPr>
-                  <a:t> </a:t>
-                </a:r>
-                <a14:m>
-                  <m:oMath xmlns:m="http://schemas.openxmlformats.org/officeDocument/2006/math">
-                    <m:sSub>
-                      <m:sSubPr>
-                        <m:ctrlPr>
-                          <a:rPr lang="en-US" altLang="ko-KR" b="1" i="1">
-                            <a:latin typeface="Cambria Math" panose="02040503050406030204" pitchFamily="18" charset="0"/>
-                            <a:ea typeface="Cambria Math" panose="02040503050406030204" pitchFamily="18" charset="0"/>
-                          </a:rPr>
-                        </m:ctrlPr>
-                      </m:sSubPr>
-                      <m:e>
-                        <m:r>
-                          <a:rPr lang="en-US" altLang="ko-KR" b="1" i="1">
-                            <a:latin typeface="Cambria Math" panose="02040503050406030204" pitchFamily="18" charset="0"/>
-                            <a:ea typeface="Cambria Math" panose="02040503050406030204" pitchFamily="18" charset="0"/>
-                          </a:rPr>
-                          <m:t>𝑸</m:t>
-                        </m:r>
-                      </m:e>
-                      <m:sub>
-                        <m:r>
-                          <a:rPr lang="en-US" altLang="ko-KR" b="1" i="1">
-                            <a:latin typeface="Cambria Math" panose="02040503050406030204" pitchFamily="18" charset="0"/>
-                            <a:ea typeface="Cambria Math" panose="02040503050406030204" pitchFamily="18" charset="0"/>
-                          </a:rPr>
-                          <m:t>𝒌</m:t>
-                        </m:r>
-                      </m:sub>
-                    </m:sSub>
-                    <m:sSub>
-                      <m:sSubPr>
-                        <m:ctrlPr>
-                          <a:rPr lang="en-US" altLang="ko-KR" b="1" i="1">
-                            <a:latin typeface="Cambria Math" panose="02040503050406030204" pitchFamily="18" charset="0"/>
-                            <a:ea typeface="Cambria Math" panose="02040503050406030204" pitchFamily="18" charset="0"/>
-                          </a:rPr>
-                        </m:ctrlPr>
-                      </m:sSubPr>
-                      <m:e>
-                        <m:r>
-                          <a:rPr lang="el-GR" altLang="ko-KR" b="1" i="1">
-                            <a:latin typeface="Cambria Math" panose="02040503050406030204" pitchFamily="18" charset="0"/>
-                            <a:ea typeface="Cambria Math" panose="02040503050406030204" pitchFamily="18" charset="0"/>
-                          </a:rPr>
-                          <m:t>𝜮</m:t>
-                        </m:r>
-                      </m:e>
-                      <m:sub>
-                        <m:r>
-                          <a:rPr lang="en-US" altLang="ko-KR" b="1" i="1">
-                            <a:latin typeface="Cambria Math" panose="02040503050406030204" pitchFamily="18" charset="0"/>
-                            <a:ea typeface="Cambria Math" panose="02040503050406030204" pitchFamily="18" charset="0"/>
-                          </a:rPr>
-                          <m:t>𝒌</m:t>
-                        </m:r>
-                      </m:sub>
-                    </m:sSub>
-                    <m:sSubSup>
-                      <m:sSubSupPr>
-                        <m:ctrlPr>
-                          <a:rPr lang="en-US" altLang="ko-KR" b="1" i="1">
-                            <a:latin typeface="Cambria Math" panose="02040503050406030204" pitchFamily="18" charset="0"/>
-                            <a:ea typeface="Cambria Math" panose="02040503050406030204" pitchFamily="18" charset="0"/>
-                          </a:rPr>
-                        </m:ctrlPr>
-                      </m:sSubSupPr>
-                      <m:e>
-                        <m:r>
-                          <a:rPr lang="en-US" altLang="ko-KR" b="1" i="1">
-                            <a:latin typeface="Cambria Math" panose="02040503050406030204" pitchFamily="18" charset="0"/>
-                            <a:ea typeface="Cambria Math" panose="02040503050406030204" pitchFamily="18" charset="0"/>
-                          </a:rPr>
-                          <m:t>𝑷</m:t>
-                        </m:r>
-                      </m:e>
-                      <m:sub>
-                        <m:r>
-                          <a:rPr lang="en-US" altLang="ko-KR" b="1" i="1">
-                            <a:latin typeface="Cambria Math" panose="02040503050406030204" pitchFamily="18" charset="0"/>
-                            <a:ea typeface="Cambria Math" panose="02040503050406030204" pitchFamily="18" charset="0"/>
-                          </a:rPr>
-                          <m:t>𝒌</m:t>
-                        </m:r>
-                      </m:sub>
-                      <m:sup>
-                        <m:r>
-                          <a:rPr lang="en-US" altLang="ko-KR" b="1" i="1">
-                            <a:latin typeface="Cambria Math" panose="02040503050406030204" pitchFamily="18" charset="0"/>
-                            <a:ea typeface="Cambria Math" panose="02040503050406030204" pitchFamily="18" charset="0"/>
-                          </a:rPr>
-                          <m:t>𝑻</m:t>
-                        </m:r>
-                      </m:sup>
-                    </m:sSubSup>
-                  </m:oMath>
-                </a14:m>
-                <a:r>
-                  <a:rPr lang="en-US" altLang="ko-KR" dirty="0"/>
-                  <a:t>. </a:t>
-                </a:r>
-              </a:p>
-              <a:p>
-                <a:r>
-                  <a:rPr lang="en-US" altLang="ko-KR" b="1" dirty="0"/>
-                  <a:t>3.</a:t>
-                </a:r>
-                <a:r>
-                  <a:rPr lang="en-US" altLang="ko-KR" dirty="0"/>
-                  <a:t> </a:t>
-                </a:r>
-                <a:r>
-                  <a:rPr lang="en-US" altLang="ko-KR" b="1" dirty="0"/>
-                  <a:t>Iterative step 2: </a:t>
-                </a:r>
-                <a:r>
-                  <a:rPr lang="en-US" altLang="ko-KR" dirty="0"/>
-                  <a:t>Readjust only the (originally) missing entries of </a:t>
-                </a:r>
-                <a14:m>
-                  <m:oMath xmlns:m="http://schemas.openxmlformats.org/officeDocument/2006/math">
-                    <m:sSub>
-                      <m:sSubPr>
-                        <m:ctrlPr>
-                          <a:rPr lang="en-US" altLang="ko-KR" b="1" i="1" dirty="0">
-                            <a:latin typeface="Cambria Math" panose="02040503050406030204" pitchFamily="18" charset="0"/>
-                          </a:rPr>
-                        </m:ctrlPr>
-                      </m:sSubPr>
-                      <m:e>
-                        <m:r>
-                          <a:rPr lang="en-US" altLang="ko-KR" b="1" i="1" dirty="0">
-                            <a:latin typeface="Cambria Math" panose="02040503050406030204" pitchFamily="18" charset="0"/>
-                          </a:rPr>
-                          <m:t>𝑹</m:t>
-                        </m:r>
-                      </m:e>
-                      <m:sub>
-                        <m:r>
-                          <a:rPr lang="en-US" altLang="ko-KR" b="1" i="1" dirty="0">
-                            <a:latin typeface="Cambria Math" panose="02040503050406030204" pitchFamily="18" charset="0"/>
-                          </a:rPr>
-                          <m:t>𝒇</m:t>
-                        </m:r>
-                      </m:sub>
-                    </m:sSub>
-                  </m:oMath>
-                </a14:m>
-                <a:r>
-                  <a:rPr lang="en-US" altLang="ko-KR" dirty="0"/>
-                  <a:t> to the corresponding values in </a:t>
-                </a:r>
-                <a14:m>
-                  <m:oMath xmlns:m="http://schemas.openxmlformats.org/officeDocument/2006/math">
-                    <m:sSub>
-                      <m:sSubPr>
-                        <m:ctrlPr>
-                          <a:rPr lang="en-US" altLang="ko-KR" b="1" i="1" smtClean="0">
-                            <a:latin typeface="Cambria Math" panose="02040503050406030204" pitchFamily="18" charset="0"/>
-                            <a:ea typeface="Cambria Math" panose="02040503050406030204" pitchFamily="18" charset="0"/>
-                          </a:rPr>
-                        </m:ctrlPr>
-                      </m:sSubPr>
-                      <m:e>
-                        <m:r>
-                          <a:rPr lang="en-US" altLang="ko-KR" b="1" i="1">
-                            <a:latin typeface="Cambria Math" panose="02040503050406030204" pitchFamily="18" charset="0"/>
-                            <a:ea typeface="Cambria Math" panose="02040503050406030204" pitchFamily="18" charset="0"/>
-                          </a:rPr>
-                          <m:t>𝑸</m:t>
-                        </m:r>
-                      </m:e>
-                      <m:sub>
-                        <m:r>
-                          <a:rPr lang="en-US" altLang="ko-KR" b="1" i="1">
-                            <a:latin typeface="Cambria Math" panose="02040503050406030204" pitchFamily="18" charset="0"/>
-                            <a:ea typeface="Cambria Math" panose="02040503050406030204" pitchFamily="18" charset="0"/>
-                          </a:rPr>
-                          <m:t>𝒌</m:t>
-                        </m:r>
-                      </m:sub>
-                    </m:sSub>
-                    <m:sSub>
-                      <m:sSubPr>
-                        <m:ctrlPr>
-                          <a:rPr lang="en-US" altLang="ko-KR" b="1" i="1">
-                            <a:latin typeface="Cambria Math" panose="02040503050406030204" pitchFamily="18" charset="0"/>
-                            <a:ea typeface="Cambria Math" panose="02040503050406030204" pitchFamily="18" charset="0"/>
-                          </a:rPr>
-                        </m:ctrlPr>
-                      </m:sSubPr>
-                      <m:e>
-                        <m:r>
-                          <a:rPr lang="el-GR" altLang="ko-KR" b="1" i="1">
-                            <a:latin typeface="Cambria Math" panose="02040503050406030204" pitchFamily="18" charset="0"/>
-                            <a:ea typeface="Cambria Math" panose="02040503050406030204" pitchFamily="18" charset="0"/>
-                          </a:rPr>
-                          <m:t>𝜮</m:t>
-                        </m:r>
-                      </m:e>
-                      <m:sub>
-                        <m:r>
-                          <a:rPr lang="en-US" altLang="ko-KR" b="1" i="1">
-                            <a:latin typeface="Cambria Math" panose="02040503050406030204" pitchFamily="18" charset="0"/>
-                            <a:ea typeface="Cambria Math" panose="02040503050406030204" pitchFamily="18" charset="0"/>
-                          </a:rPr>
-                          <m:t>𝒌</m:t>
-                        </m:r>
-                      </m:sub>
-                    </m:sSub>
-                    <m:sSubSup>
-                      <m:sSubSupPr>
-                        <m:ctrlPr>
-                          <a:rPr lang="en-US" altLang="ko-KR" b="1" i="1">
-                            <a:latin typeface="Cambria Math" panose="02040503050406030204" pitchFamily="18" charset="0"/>
-                            <a:ea typeface="Cambria Math" panose="02040503050406030204" pitchFamily="18" charset="0"/>
-                          </a:rPr>
-                        </m:ctrlPr>
-                      </m:sSubSupPr>
-                      <m:e>
-                        <m:r>
-                          <a:rPr lang="en-US" altLang="ko-KR" b="1" i="1">
-                            <a:latin typeface="Cambria Math" panose="02040503050406030204" pitchFamily="18" charset="0"/>
-                            <a:ea typeface="Cambria Math" panose="02040503050406030204" pitchFamily="18" charset="0"/>
-                          </a:rPr>
-                          <m:t>𝑷</m:t>
-                        </m:r>
-                      </m:e>
-                      <m:sub>
-                        <m:r>
-                          <a:rPr lang="en-US" altLang="ko-KR" b="1" i="1">
-                            <a:latin typeface="Cambria Math" panose="02040503050406030204" pitchFamily="18" charset="0"/>
-                            <a:ea typeface="Cambria Math" panose="02040503050406030204" pitchFamily="18" charset="0"/>
-                          </a:rPr>
-                          <m:t>𝒌</m:t>
-                        </m:r>
-                      </m:sub>
-                      <m:sup>
-                        <m:r>
-                          <a:rPr lang="en-US" altLang="ko-KR" b="1" i="1">
-                            <a:latin typeface="Cambria Math" panose="02040503050406030204" pitchFamily="18" charset="0"/>
-                            <a:ea typeface="Cambria Math" panose="02040503050406030204" pitchFamily="18" charset="0"/>
-                          </a:rPr>
-                          <m:t>𝑻</m:t>
-                        </m:r>
-                      </m:sup>
-                    </m:sSubSup>
-                  </m:oMath>
-                </a14:m>
-                <a:r>
-                  <a:rPr lang="en-US" altLang="ko-KR" dirty="0"/>
-                  <a:t>. Go to iterative step 1.</a:t>
-                </a:r>
-              </a:p>
-              <a:p>
-                <a:endParaRPr lang="en-US" altLang="ko-KR" b="1" dirty="0"/>
-              </a:p>
-              <a:p>
-                <a:pPr marL="0" indent="0">
-                  <a:buNone/>
-                </a:pPr>
-                <a:r>
-                  <a:rPr lang="en-US" altLang="ko-KR" b="1" dirty="0"/>
-                  <a:t>Example is available in Ch.3.6.5.4</a:t>
-                </a:r>
-              </a:p>
-            </p:txBody>
-          </p:sp>
-        </mc:Choice>
-        <mc:Fallback xmlns="">
-          <p:sp>
-            <p:nvSpPr>
-              <p:cNvPr id="3" name="내용 개체 틀 2">
-                <a:extLst>
-                  <a:ext uri="{FF2B5EF4-FFF2-40B4-BE49-F238E27FC236}">
-                    <a16:creationId xmlns:a16="http://schemas.microsoft.com/office/drawing/2014/main" id="{1725D5B2-2C6C-3B43-B4F2-CA91BE12BB41}"/>
-                  </a:ext>
-                </a:extLst>
-              </p:cNvPr>
-              <p:cNvSpPr>
-                <a:spLocks noGrp="1" noRot="1" noChangeAspect="1" noMove="1" noResize="1" noEditPoints="1" noAdjustHandles="1" noChangeArrowheads="1" noChangeShapeType="1" noTextEdit="1"/>
-              </p:cNvSpPr>
-              <p:nvPr>
-                <p:ph idx="1"/>
-              </p:nvPr>
-            </p:nvSpPr>
-            <p:spPr>
-              <a:xfrm>
-                <a:off x="838200" y="1681227"/>
-                <a:ext cx="10515600" cy="4351338"/>
-              </a:xfrm>
-              <a:blipFill>
-                <a:blip r:embed="rId3"/>
-                <a:stretch>
-                  <a:fillRect l="-638"/>
-                </a:stretch>
-              </a:blipFill>
-            </p:spPr>
-            <p:txBody>
-              <a:bodyPr/>
-              <a:lstStyle/>
-              <a:p>
-                <a:r>
-                  <a:rPr lang="ko-KR" altLang="en-US">
-                    <a:noFill/>
-                  </a:rPr>
-                  <a:t> </a:t>
-                </a:r>
-              </a:p>
-            </p:txBody>
-          </p:sp>
-        </mc:Fallback>
-      </mc:AlternateContent>
-    </p:spTree>
-    <p:extLst>
-      <p:ext uri="{BB962C8B-B14F-4D97-AF65-F5344CB8AC3E}">
-        <p14:creationId xmlns:p14="http://schemas.microsoft.com/office/powerpoint/2010/main" val="3304693499"/>
-      </p:ext>
-    </p:extLst>
-  </p:cSld>
-  <p:clrMapOvr>
-    <a:masterClrMapping/>
-  </p:clrMapOvr>
-</p:sld>
-</file>
-
-<file path=ppt/slides/slide11.xml><?xml version="1.0" encoding="utf-8"?>
-<p:sld xmlns:a="http://schemas.openxmlformats.org/drawingml/2006/main" xmlns:r="http://schemas.openxmlformats.org/officeDocument/2006/relationships" xmlns:p="http://schemas.openxmlformats.org/presentationml/2006/main">
-  <p:cSld>
-    <p:spTree>
-      <p:nvGrpSpPr>
-        <p:cNvPr id="1" name=""/>
-        <p:cNvGrpSpPr/>
-        <p:nvPr/>
-      </p:nvGrpSpPr>
-      <p:grpSpPr>
-        <a:xfrm>
-          <a:off x="0" y="0"/>
-          <a:ext cx="0" cy="0"/>
-          <a:chOff x="0" y="0"/>
-          <a:chExt cx="0" cy="0"/>
-        </a:xfrm>
-      </p:grpSpPr>
-      <p:sp>
-        <p:nvSpPr>
-          <p:cNvPr id="2" name="제목 1">
-            <a:extLst>
-              <a:ext uri="{FF2B5EF4-FFF2-40B4-BE49-F238E27FC236}">
-                <a16:creationId xmlns:a16="http://schemas.microsoft.com/office/drawing/2014/main" id="{AA92BCFB-E11B-F940-A787-2261CAC8E814}"/>
-              </a:ext>
-            </a:extLst>
-          </p:cNvPr>
-          <p:cNvSpPr>
-            <a:spLocks noGrp="1"/>
-          </p:cNvSpPr>
-          <p:nvPr>
-            <p:ph type="title"/>
-          </p:nvPr>
-        </p:nvSpPr>
-        <p:spPr/>
-        <p:txBody>
-          <a:bodyPr>
-            <a:normAutofit/>
-          </a:bodyPr>
-          <a:lstStyle/>
-          <a:p>
-            <a:r>
-              <a:rPr kumimoji="1" lang="en-US" altLang="en-US" sz="3600" dirty="0"/>
               <a:t>3.6.5.2 An Optimization-Based Approach</a:t>
             </a:r>
             <a:endParaRPr kumimoji="1" lang="ko-Kore-KR" altLang="en-US" sz="3600" dirty="0"/>
@@ -5597,7 +5426,7 @@
 </p:sld>
 </file>
 
-<file path=ppt/slides/slide12.xml><?xml version="1.0" encoding="utf-8"?>
+<file path=ppt/slides/slide11.xml><?xml version="1.0" encoding="utf-8"?>
 <p:sld xmlns:a="http://schemas.openxmlformats.org/drawingml/2006/main" xmlns:r="http://schemas.openxmlformats.org/officeDocument/2006/relationships" xmlns:p="http://schemas.openxmlformats.org/presentationml/2006/main">
   <p:cSld>
     <p:spTree>
@@ -6376,7 +6205,7 @@
 </p:sld>
 </file>
 
-<file path=ppt/slides/slide13.xml><?xml version="1.0" encoding="utf-8"?>
+<file path=ppt/slides/slide12.xml><?xml version="1.0" encoding="utf-8"?>
 <p:sld xmlns:a="http://schemas.openxmlformats.org/drawingml/2006/main" xmlns:r="http://schemas.openxmlformats.org/officeDocument/2006/relationships" xmlns:p="http://schemas.openxmlformats.org/presentationml/2006/main">
   <p:cSld>
     <p:spTree>
@@ -6577,7 +6406,7 @@
 </p:sld>
 </file>
 
-<file path=ppt/slides/slide14.xml><?xml version="1.0" encoding="utf-8"?>
+<file path=ppt/slides/slide13.xml><?xml version="1.0" encoding="utf-8"?>
 <p:sld xmlns:a="http://schemas.openxmlformats.org/drawingml/2006/main" xmlns:r="http://schemas.openxmlformats.org/officeDocument/2006/relationships" xmlns:p="http://schemas.openxmlformats.org/presentationml/2006/main">
   <p:cSld>
     <p:spTree>
@@ -6895,7 +6724,7 @@
 </p:sld>
 </file>
 
-<file path=ppt/slides/slide15.xml><?xml version="1.0" encoding="utf-8"?>
+<file path=ppt/slides/slide14.xml><?xml version="1.0" encoding="utf-8"?>
 <p:sld xmlns:a="http://schemas.openxmlformats.org/drawingml/2006/main" xmlns:r="http://schemas.openxmlformats.org/officeDocument/2006/relationships" xmlns:p="http://schemas.openxmlformats.org/presentationml/2006/main">
   <p:cSld>
     <p:spTree>
@@ -7239,7 +7068,7 @@
 </p:sld>
 </file>
 
-<file path=ppt/slides/slide16.xml><?xml version="1.0" encoding="utf-8"?>
+<file path=ppt/slides/slide15.xml><?xml version="1.0" encoding="utf-8"?>
 <p:sld xmlns:a="http://schemas.openxmlformats.org/drawingml/2006/main" xmlns:r="http://schemas.openxmlformats.org/officeDocument/2006/relationships" xmlns:p="http://schemas.openxmlformats.org/presentationml/2006/main">
   <p:cSld>
     <p:spTree>
@@ -7366,7 +7195,7 @@
 </p:sld>
 </file>
 
-<file path=ppt/slides/slide17.xml><?xml version="1.0" encoding="utf-8"?>
+<file path=ppt/slides/slide16.xml><?xml version="1.0" encoding="utf-8"?>
 <p:sld xmlns:a="http://schemas.openxmlformats.org/drawingml/2006/main" xmlns:r="http://schemas.openxmlformats.org/officeDocument/2006/relationships" xmlns:p="http://schemas.openxmlformats.org/presentationml/2006/main">
   <p:cSld>
     <p:spTree>
@@ -7786,7 +7615,7 @@
 </p:sld>
 </file>
 
-<file path=ppt/slides/slide18.xml><?xml version="1.0" encoding="utf-8"?>
+<file path=ppt/slides/slide17.xml><?xml version="1.0" encoding="utf-8"?>
 <p:sld xmlns:a="http://schemas.openxmlformats.org/drawingml/2006/main" xmlns:r="http://schemas.openxmlformats.org/officeDocument/2006/relationships" xmlns:p="http://schemas.openxmlformats.org/presentationml/2006/main">
   <p:cSld>
     <p:spTree>
@@ -7905,7 +7734,7 @@
 </p:sld>
 </file>
 
-<file path=ppt/slides/slide19.xml><?xml version="1.0" encoding="utf-8"?>
+<file path=ppt/slides/slide18.xml><?xml version="1.0" encoding="utf-8"?>
 <p:sld xmlns:a="http://schemas.openxmlformats.org/drawingml/2006/main" xmlns:r="http://schemas.openxmlformats.org/officeDocument/2006/relationships" xmlns:p="http://schemas.openxmlformats.org/presentationml/2006/main">
   <p:cSld>
     <p:spTree>
@@ -8903,96 +8732,7 @@
 </p:sld>
 </file>
 
-<file path=ppt/slides/slide2.xml><?xml version="1.0" encoding="utf-8"?>
-<p:sld xmlns:a="http://schemas.openxmlformats.org/drawingml/2006/main" xmlns:r="http://schemas.openxmlformats.org/officeDocument/2006/relationships" xmlns:p="http://schemas.openxmlformats.org/presentationml/2006/main">
-  <p:cSld>
-    <p:spTree>
-      <p:nvGrpSpPr>
-        <p:cNvPr id="1" name=""/>
-        <p:cNvGrpSpPr/>
-        <p:nvPr/>
-      </p:nvGrpSpPr>
-      <p:grpSpPr>
-        <a:xfrm>
-          <a:off x="0" y="0"/>
-          <a:ext cx="0" cy="0"/>
-          <a:chOff x="0" y="0"/>
-          <a:chExt cx="0" cy="0"/>
-        </a:xfrm>
-      </p:grpSpPr>
-      <p:sp>
-        <p:nvSpPr>
-          <p:cNvPr id="2" name="제목 1">
-            <a:extLst>
-              <a:ext uri="{FF2B5EF4-FFF2-40B4-BE49-F238E27FC236}">
-                <a16:creationId xmlns:a16="http://schemas.microsoft.com/office/drawing/2014/main" id="{AA92BCFB-E11B-F940-A787-2261CAC8E814}"/>
-              </a:ext>
-            </a:extLst>
-          </p:cNvPr>
-          <p:cNvSpPr>
-            <a:spLocks noGrp="1"/>
-          </p:cNvSpPr>
-          <p:nvPr>
-            <p:ph type="title"/>
-          </p:nvPr>
-        </p:nvSpPr>
-        <p:spPr/>
-        <p:txBody>
-          <a:bodyPr/>
-          <a:lstStyle/>
-          <a:p>
-            <a:r>
-              <a:rPr kumimoji="1" lang="en-US" altLang="en-US" dirty="0"/>
-              <a:t>Summary</a:t>
-            </a:r>
-            <a:endParaRPr kumimoji="1" lang="ko-Kore-KR" altLang="en-US" dirty="0"/>
-          </a:p>
-        </p:txBody>
-      </p:sp>
-      <p:sp>
-        <p:nvSpPr>
-          <p:cNvPr id="3" name="내용 개체 틀 2">
-            <a:extLst>
-              <a:ext uri="{FF2B5EF4-FFF2-40B4-BE49-F238E27FC236}">
-                <a16:creationId xmlns:a16="http://schemas.microsoft.com/office/drawing/2014/main" id="{1725D5B2-2C6C-3B43-B4F2-CA91BE12BB41}"/>
-              </a:ext>
-            </a:extLst>
-          </p:cNvPr>
-          <p:cNvSpPr>
-            <a:spLocks noGrp="1"/>
-          </p:cNvSpPr>
-          <p:nvPr>
-            <p:ph idx="1"/>
-          </p:nvPr>
-        </p:nvSpPr>
-        <p:spPr>
-          <a:xfrm>
-            <a:off x="838200" y="1721803"/>
-            <a:ext cx="10515600" cy="4351338"/>
-          </a:xfrm>
-        </p:spPr>
-        <p:txBody>
-          <a:bodyPr/>
-          <a:lstStyle/>
-          <a:p>
-            <a:endParaRPr kumimoji="1" lang="en-US" altLang="en-US" b="1" dirty="0"/>
-          </a:p>
-        </p:txBody>
-      </p:sp>
-    </p:spTree>
-    <p:extLst>
-      <p:ext uri="{BB962C8B-B14F-4D97-AF65-F5344CB8AC3E}">
-        <p14:creationId xmlns:p14="http://schemas.microsoft.com/office/powerpoint/2010/main" val="2122359743"/>
-      </p:ext>
-    </p:extLst>
-  </p:cSld>
-  <p:clrMapOvr>
-    <a:masterClrMapping/>
-  </p:clrMapOvr>
-</p:sld>
-</file>
-
-<file path=ppt/slides/slide20.xml><?xml version="1.0" encoding="utf-8"?>
+<file path=ppt/slides/slide19.xml><?xml version="1.0" encoding="utf-8"?>
 <p:sld xmlns:a="http://schemas.openxmlformats.org/drawingml/2006/main" xmlns:r="http://schemas.openxmlformats.org/officeDocument/2006/relationships" xmlns:p="http://schemas.openxmlformats.org/presentationml/2006/main">
   <p:cSld>
     <p:spTree>
@@ -9131,7 +8871,111 @@
 </p:sld>
 </file>
 
-<file path=ppt/slides/slide21.xml><?xml version="1.0" encoding="utf-8"?>
+<file path=ppt/slides/slide2.xml><?xml version="1.0" encoding="utf-8"?>
+<p:sld xmlns:a="http://schemas.openxmlformats.org/drawingml/2006/main" xmlns:r="http://schemas.openxmlformats.org/officeDocument/2006/relationships" xmlns:p="http://schemas.openxmlformats.org/presentationml/2006/main">
+  <p:cSld>
+    <p:spTree>
+      <p:nvGrpSpPr>
+        <p:cNvPr id="1" name=""/>
+        <p:cNvGrpSpPr/>
+        <p:nvPr/>
+      </p:nvGrpSpPr>
+      <p:grpSpPr>
+        <a:xfrm>
+          <a:off x="0" y="0"/>
+          <a:ext cx="0" cy="0"/>
+          <a:chOff x="0" y="0"/>
+          <a:chExt cx="0" cy="0"/>
+        </a:xfrm>
+      </p:grpSpPr>
+      <p:sp>
+        <p:nvSpPr>
+          <p:cNvPr id="2" name="제목 1">
+            <a:extLst>
+              <a:ext uri="{FF2B5EF4-FFF2-40B4-BE49-F238E27FC236}">
+                <a16:creationId xmlns:a16="http://schemas.microsoft.com/office/drawing/2014/main" id="{AA92BCFB-E11B-F940-A787-2261CAC8E814}"/>
+              </a:ext>
+            </a:extLst>
+          </p:cNvPr>
+          <p:cNvSpPr>
+            <a:spLocks noGrp="1"/>
+          </p:cNvSpPr>
+          <p:nvPr>
+            <p:ph type="title"/>
+          </p:nvPr>
+        </p:nvSpPr>
+        <p:spPr/>
+        <p:txBody>
+          <a:bodyPr/>
+          <a:lstStyle/>
+          <a:p>
+            <a:r>
+              <a:rPr kumimoji="1" lang="en-US" altLang="en-US" dirty="0"/>
+              <a:t>Contents</a:t>
+            </a:r>
+            <a:endParaRPr kumimoji="1" lang="ko-Kore-KR" altLang="en-US" dirty="0"/>
+          </a:p>
+        </p:txBody>
+      </p:sp>
+      <p:sp>
+        <p:nvSpPr>
+          <p:cNvPr id="3" name="내용 개체 틀 2">
+            <a:extLst>
+              <a:ext uri="{FF2B5EF4-FFF2-40B4-BE49-F238E27FC236}">
+                <a16:creationId xmlns:a16="http://schemas.microsoft.com/office/drawing/2014/main" id="{1725D5B2-2C6C-3B43-B4F2-CA91BE12BB41}"/>
+              </a:ext>
+            </a:extLst>
+          </p:cNvPr>
+          <p:cNvSpPr>
+            <a:spLocks noGrp="1"/>
+          </p:cNvSpPr>
+          <p:nvPr>
+            <p:ph idx="1"/>
+          </p:nvPr>
+        </p:nvSpPr>
+        <p:spPr>
+          <a:xfrm>
+            <a:off x="838200" y="1721803"/>
+            <a:ext cx="10515600" cy="4351338"/>
+          </a:xfrm>
+        </p:spPr>
+        <p:txBody>
+          <a:bodyPr/>
+          <a:lstStyle/>
+          <a:p>
+            <a:r>
+              <a:rPr kumimoji="1" lang="en-US" altLang="en-US" dirty="0"/>
+              <a:t>SVD</a:t>
+            </a:r>
+          </a:p>
+          <a:p>
+            <a:r>
+              <a:rPr kumimoji="1" lang="en-US" altLang="en-US" dirty="0"/>
+              <a:t>Non-negative Matrix Factorization</a:t>
+            </a:r>
+          </a:p>
+          <a:p>
+            <a:r>
+              <a:rPr kumimoji="1" lang="en-US" altLang="en-US" dirty="0"/>
+              <a:t>Understanding the Matrix Factorization Family</a:t>
+            </a:r>
+          </a:p>
+        </p:txBody>
+      </p:sp>
+    </p:spTree>
+    <p:extLst>
+      <p:ext uri="{BB962C8B-B14F-4D97-AF65-F5344CB8AC3E}">
+        <p14:creationId xmlns:p14="http://schemas.microsoft.com/office/powerpoint/2010/main" val="4188628463"/>
+      </p:ext>
+    </p:extLst>
+  </p:cSld>
+  <p:clrMapOvr>
+    <a:masterClrMapping/>
+  </p:clrMapOvr>
+</p:sld>
+</file>
+
+<file path=ppt/slides/slide20.xml><?xml version="1.0" encoding="utf-8"?>
 <p:sld xmlns:a="http://schemas.openxmlformats.org/drawingml/2006/main" xmlns:r="http://schemas.openxmlformats.org/officeDocument/2006/relationships" xmlns:p="http://schemas.openxmlformats.org/presentationml/2006/main">
   <p:cSld>
     <p:spTree>
@@ -9672,7 +9516,7 @@
 </p:sld>
 </file>
 
-<file path=ppt/slides/slide22.xml><?xml version="1.0" encoding="utf-8"?>
+<file path=ppt/slides/slide21.xml><?xml version="1.0" encoding="utf-8"?>
 <p:sld xmlns:a="http://schemas.openxmlformats.org/drawingml/2006/main" xmlns:r="http://schemas.openxmlformats.org/officeDocument/2006/relationships" xmlns:p="http://schemas.openxmlformats.org/presentationml/2006/main">
   <p:cSld>
     <p:spTree>
@@ -10234,6 +10078,136 @@
 </p:sld>
 </file>
 
+<file path=ppt/slides/slide22.xml><?xml version="1.0" encoding="utf-8"?>
+<p:sld xmlns:a="http://schemas.openxmlformats.org/drawingml/2006/main" xmlns:r="http://schemas.openxmlformats.org/officeDocument/2006/relationships" xmlns:p="http://schemas.openxmlformats.org/presentationml/2006/main">
+  <p:cSld>
+    <p:spTree>
+      <p:nvGrpSpPr>
+        <p:cNvPr id="1" name=""/>
+        <p:cNvGrpSpPr/>
+        <p:nvPr/>
+      </p:nvGrpSpPr>
+      <p:grpSpPr>
+        <a:xfrm>
+          <a:off x="0" y="0"/>
+          <a:ext cx="0" cy="0"/>
+          <a:chOff x="0" y="0"/>
+          <a:chExt cx="0" cy="0"/>
+        </a:xfrm>
+      </p:grpSpPr>
+      <p:sp>
+        <p:nvSpPr>
+          <p:cNvPr id="2" name="제목 1">
+            <a:extLst>
+              <a:ext uri="{FF2B5EF4-FFF2-40B4-BE49-F238E27FC236}">
+                <a16:creationId xmlns:a16="http://schemas.microsoft.com/office/drawing/2014/main" id="{AA92BCFB-E11B-F940-A787-2261CAC8E814}"/>
+              </a:ext>
+            </a:extLst>
+          </p:cNvPr>
+          <p:cNvSpPr>
+            <a:spLocks noGrp="1"/>
+          </p:cNvSpPr>
+          <p:nvPr>
+            <p:ph type="title"/>
+          </p:nvPr>
+        </p:nvSpPr>
+        <p:spPr/>
+        <p:txBody>
+          <a:bodyPr>
+            <a:normAutofit/>
+          </a:bodyPr>
+          <a:lstStyle/>
+          <a:p>
+            <a:r>
+              <a:rPr kumimoji="1" lang="en-US" altLang="en-US" sz="4000" dirty="0"/>
+              <a:t>3.6.6.1 Interpretability Advantages</a:t>
+            </a:r>
+            <a:endParaRPr kumimoji="1" lang="ko-Kore-KR" altLang="en-US" sz="4000" dirty="0"/>
+          </a:p>
+        </p:txBody>
+      </p:sp>
+      <p:sp>
+        <p:nvSpPr>
+          <p:cNvPr id="3" name="내용 개체 틀 2">
+            <a:extLst>
+              <a:ext uri="{FF2B5EF4-FFF2-40B4-BE49-F238E27FC236}">
+                <a16:creationId xmlns:a16="http://schemas.microsoft.com/office/drawing/2014/main" id="{1725D5B2-2C6C-3B43-B4F2-CA91BE12BB41}"/>
+              </a:ext>
+            </a:extLst>
+          </p:cNvPr>
+          <p:cNvSpPr>
+            <a:spLocks noGrp="1"/>
+          </p:cNvSpPr>
+          <p:nvPr>
+            <p:ph idx="1"/>
+          </p:nvPr>
+        </p:nvSpPr>
+        <p:spPr>
+          <a:xfrm>
+            <a:off x="838200" y="1534923"/>
+            <a:ext cx="10515600" cy="4351338"/>
+          </a:xfrm>
+        </p:spPr>
+        <p:txBody>
+          <a:bodyPr>
+            <a:normAutofit/>
+          </a:bodyPr>
+          <a:lstStyle/>
+          <a:p>
+            <a:r>
+              <a:rPr lang="en-US" altLang="ko-KR" dirty="0"/>
+              <a:t>For a given user-item combination, the rating prediction is given by the sum of the contributions of these aspects, and one can even </a:t>
+            </a:r>
+            <a:r>
+              <a:rPr lang="en-US" altLang="ko-KR" b="1" dirty="0"/>
+              <a:t>gain a better understanding of why a rating is predicted in a certain way by the approach</a:t>
+            </a:r>
+          </a:p>
+        </p:txBody>
+      </p:sp>
+      <p:pic>
+        <p:nvPicPr>
+          <p:cNvPr id="7" name="그림 6">
+            <a:extLst>
+              <a:ext uri="{FF2B5EF4-FFF2-40B4-BE49-F238E27FC236}">
+                <a16:creationId xmlns:a16="http://schemas.microsoft.com/office/drawing/2014/main" id="{1E66C4C2-259E-D4AD-8F6F-C43A0A78B4B6}"/>
+              </a:ext>
+            </a:extLst>
+          </p:cNvPr>
+          <p:cNvPicPr>
+            <a:picLocks noChangeAspect="1"/>
+          </p:cNvPicPr>
+          <p:nvPr/>
+        </p:nvPicPr>
+        <p:blipFill>
+          <a:blip r:embed="rId3"/>
+          <a:stretch>
+            <a:fillRect/>
+          </a:stretch>
+        </p:blipFill>
+        <p:spPr>
+          <a:xfrm>
+            <a:off x="4292821" y="3006790"/>
+            <a:ext cx="3851435" cy="3669308"/>
+          </a:xfrm>
+          <a:prstGeom prst="rect">
+            <a:avLst/>
+          </a:prstGeom>
+        </p:spPr>
+      </p:pic>
+    </p:spTree>
+    <p:extLst>
+      <p:ext uri="{BB962C8B-B14F-4D97-AF65-F5344CB8AC3E}">
+        <p14:creationId xmlns:p14="http://schemas.microsoft.com/office/powerpoint/2010/main" val="3915818182"/>
+      </p:ext>
+    </p:extLst>
+  </p:cSld>
+  <p:clrMapOvr>
+    <a:masterClrMapping/>
+  </p:clrMapOvr>
+</p:sld>
+</file>
+
 <file path=ppt/slides/slide23.xml><?xml version="1.0" encoding="utf-8"?>
 <p:sld xmlns:a="http://schemas.openxmlformats.org/drawingml/2006/main" xmlns:r="http://schemas.openxmlformats.org/officeDocument/2006/relationships" xmlns:p="http://schemas.openxmlformats.org/presentationml/2006/main">
   <p:cSld>
@@ -10275,86 +10249,239 @@
           <a:lstStyle/>
           <a:p>
             <a:r>
-              <a:rPr kumimoji="1" lang="en-US" altLang="en-US" sz="4000" dirty="0"/>
-              <a:t>3.6.6.1 Interpretability Advantages</a:t>
-            </a:r>
-            <a:endParaRPr kumimoji="1" lang="ko-Kore-KR" altLang="en-US" sz="4000" dirty="0"/>
+              <a:rPr kumimoji="1" lang="en-US" altLang="en-US" sz="3200" dirty="0"/>
+              <a:t>3.6.7 Understanding the Matrix Factorization Family</a:t>
+            </a:r>
+            <a:endParaRPr kumimoji="1" lang="ko-Kore-KR" altLang="en-US" sz="3200" dirty="0"/>
           </a:p>
         </p:txBody>
       </p:sp>
-      <p:sp>
-        <p:nvSpPr>
-          <p:cNvPr id="3" name="내용 개체 틀 2">
-            <a:extLst>
-              <a:ext uri="{FF2B5EF4-FFF2-40B4-BE49-F238E27FC236}">
-                <a16:creationId xmlns:a16="http://schemas.microsoft.com/office/drawing/2014/main" id="{1725D5B2-2C6C-3B43-B4F2-CA91BE12BB41}"/>
-              </a:ext>
-            </a:extLst>
-          </p:cNvPr>
-          <p:cNvSpPr>
-            <a:spLocks noGrp="1"/>
-          </p:cNvSpPr>
-          <p:nvPr>
-            <p:ph idx="1"/>
-          </p:nvPr>
-        </p:nvSpPr>
-        <p:spPr>
-          <a:xfrm>
-            <a:off x="838200" y="1534923"/>
-            <a:ext cx="10515600" cy="4351338"/>
-          </a:xfrm>
-        </p:spPr>
-        <p:txBody>
-          <a:bodyPr>
-            <a:normAutofit/>
-          </a:bodyPr>
-          <a:lstStyle/>
-          <a:p>
-            <a:r>
-              <a:rPr lang="en-US" altLang="ko-KR" dirty="0"/>
-              <a:t>For a given user-item combination, the rating prediction is given by the sum of the contributions of these aspects, and one can even </a:t>
-            </a:r>
-            <a:r>
-              <a:rPr lang="en-US" altLang="ko-KR" b="1" dirty="0"/>
-              <a:t>gain a better understanding of why a rating is predicted in a certain way by the approach</a:t>
-            </a:r>
-          </a:p>
-        </p:txBody>
-      </p:sp>
-      <p:pic>
-        <p:nvPicPr>
-          <p:cNvPr id="7" name="그림 6">
-            <a:extLst>
-              <a:ext uri="{FF2B5EF4-FFF2-40B4-BE49-F238E27FC236}">
-                <a16:creationId xmlns:a16="http://schemas.microsoft.com/office/drawing/2014/main" id="{1E66C4C2-259E-D4AD-8F6F-C43A0A78B4B6}"/>
-              </a:ext>
-            </a:extLst>
-          </p:cNvPr>
-          <p:cNvPicPr>
-            <a:picLocks noChangeAspect="1"/>
-          </p:cNvPicPr>
-          <p:nvPr/>
-        </p:nvPicPr>
-        <p:blipFill>
-          <a:blip r:embed="rId3"/>
-          <a:stretch>
-            <a:fillRect/>
-          </a:stretch>
-        </p:blipFill>
-        <p:spPr>
-          <a:xfrm>
-            <a:off x="4292821" y="3006790"/>
-            <a:ext cx="3851435" cy="3669308"/>
-          </a:xfrm>
-          <a:prstGeom prst="rect">
-            <a:avLst/>
-          </a:prstGeom>
-        </p:spPr>
-      </p:pic>
+      <mc:AlternateContent xmlns:mc="http://schemas.openxmlformats.org/markup-compatibility/2006" xmlns:a14="http://schemas.microsoft.com/office/drawing/2010/main">
+        <mc:Choice Requires="a14">
+          <p:sp>
+            <p:nvSpPr>
+              <p:cNvPr id="3" name="내용 개체 틀 2">
+                <a:extLst>
+                  <a:ext uri="{FF2B5EF4-FFF2-40B4-BE49-F238E27FC236}">
+                    <a16:creationId xmlns:a16="http://schemas.microsoft.com/office/drawing/2014/main" id="{1725D5B2-2C6C-3B43-B4F2-CA91BE12BB41}"/>
+                  </a:ext>
+                </a:extLst>
+              </p:cNvPr>
+              <p:cNvSpPr>
+                <a:spLocks noGrp="1"/>
+              </p:cNvSpPr>
+              <p:nvPr>
+                <p:ph idx="1"/>
+              </p:nvPr>
+            </p:nvSpPr>
+            <p:spPr>
+              <a:xfrm>
+                <a:off x="838200" y="1534923"/>
+                <a:ext cx="10515600" cy="4351338"/>
+              </a:xfrm>
+            </p:spPr>
+            <p:txBody>
+              <a:bodyPr>
+                <a:normAutofit/>
+              </a:bodyPr>
+              <a:lstStyle/>
+              <a:p>
+                <a:r>
+                  <a:rPr lang="en-US" altLang="ko-KR" dirty="0"/>
+                  <a:t>All of the aforementioned optimization formulations minimize the </a:t>
+                </a:r>
+                <a:r>
+                  <a:rPr lang="en-US" altLang="ko-KR" dirty="0" err="1"/>
+                  <a:t>Frobenius</a:t>
+                </a:r>
+                <a:r>
+                  <a:rPr lang="en-US" altLang="ko-KR" dirty="0"/>
+                  <a:t> norms of the residual matrix (</a:t>
+                </a:r>
+                <a14:m>
+                  <m:oMath xmlns:m="http://schemas.openxmlformats.org/officeDocument/2006/math">
+                    <m:r>
+                      <a:rPr lang="en-US" altLang="ko-KR" i="1" dirty="0" smtClean="0">
+                        <a:latin typeface="Cambria Math" panose="02040503050406030204" pitchFamily="18" charset="0"/>
+                      </a:rPr>
+                      <m:t>𝑅</m:t>
+                    </m:r>
+                    <m:r>
+                      <a:rPr lang="en-US" altLang="ko-KR" i="1" dirty="0" smtClean="0">
+                        <a:latin typeface="Cambria Math" panose="02040503050406030204" pitchFamily="18" charset="0"/>
+                      </a:rPr>
+                      <m:t> − </m:t>
+                    </m:r>
+                    <m:r>
+                      <a:rPr lang="en-US" altLang="ko-KR" i="1" dirty="0" smtClean="0">
+                        <a:latin typeface="Cambria Math" panose="02040503050406030204" pitchFamily="18" charset="0"/>
+                      </a:rPr>
+                      <m:t>𝑈</m:t>
+                    </m:r>
+                    <m:sSup>
+                      <m:sSupPr>
+                        <m:ctrlPr>
+                          <a:rPr lang="en-US" altLang="ko-KR" b="0" i="1" dirty="0" smtClean="0">
+                            <a:latin typeface="Cambria Math" panose="02040503050406030204" pitchFamily="18" charset="0"/>
+                          </a:rPr>
+                        </m:ctrlPr>
+                      </m:sSupPr>
+                      <m:e>
+                        <m:r>
+                          <a:rPr lang="en-US" altLang="ko-KR" i="1" dirty="0" smtClean="0">
+                            <a:latin typeface="Cambria Math" panose="02040503050406030204" pitchFamily="18" charset="0"/>
+                          </a:rPr>
+                          <m:t>𝑉</m:t>
+                        </m:r>
+                      </m:e>
+                      <m:sup>
+                        <m:r>
+                          <a:rPr lang="en-US" altLang="ko-KR" b="0" i="1" dirty="0" smtClean="0">
+                            <a:latin typeface="Cambria Math" panose="02040503050406030204" pitchFamily="18" charset="0"/>
+                          </a:rPr>
+                          <m:t>𝑇</m:t>
+                        </m:r>
+                      </m:sup>
+                    </m:sSup>
+                    <m:r>
+                      <a:rPr lang="en-US" altLang="ko-KR" i="1" dirty="0" smtClean="0">
+                        <a:latin typeface="Cambria Math" panose="02040503050406030204" pitchFamily="18" charset="0"/>
+                      </a:rPr>
+                      <m:t> </m:t>
+                    </m:r>
+                  </m:oMath>
+                </a14:m>
+                <a:r>
+                  <a:rPr lang="en-US" altLang="ko-KR" dirty="0"/>
+                  <a:t>) subject to various constraints on the factor matrices U and V</a:t>
+                </a:r>
+              </a:p>
+              <a:p>
+                <a:r>
+                  <a:rPr lang="en-US" altLang="ko-KR" dirty="0"/>
+                  <a:t>the </a:t>
+                </a:r>
+                <a:r>
+                  <a:rPr lang="en-US" altLang="ko-KR" b="1" dirty="0"/>
+                  <a:t>goal of the objective function </a:t>
+                </a:r>
+                <a:r>
+                  <a:rPr lang="en-US" altLang="ko-KR" dirty="0"/>
+                  <a:t>is </a:t>
+                </a:r>
+                <a:r>
+                  <a:rPr lang="en-US" altLang="ko-KR" b="1" dirty="0"/>
+                  <a:t>to make </a:t>
+                </a:r>
+                <a14:m>
+                  <m:oMath xmlns:m="http://schemas.openxmlformats.org/officeDocument/2006/math">
+                    <m:r>
+                      <a:rPr lang="en-US" altLang="ko-KR" b="1" i="1" dirty="0" smtClean="0">
+                        <a:latin typeface="Cambria Math" panose="02040503050406030204" pitchFamily="18" charset="0"/>
+                      </a:rPr>
+                      <m:t>𝑼</m:t>
+                    </m:r>
+                    <m:sSup>
+                      <m:sSupPr>
+                        <m:ctrlPr>
+                          <a:rPr lang="en-US" altLang="ko-KR" b="1" i="1" dirty="0" smtClean="0">
+                            <a:latin typeface="Cambria Math" panose="02040503050406030204" pitchFamily="18" charset="0"/>
+                          </a:rPr>
+                        </m:ctrlPr>
+                      </m:sSupPr>
+                      <m:e>
+                        <m:r>
+                          <a:rPr lang="en-US" altLang="ko-KR" b="1" i="1" dirty="0" smtClean="0">
+                            <a:latin typeface="Cambria Math" panose="02040503050406030204" pitchFamily="18" charset="0"/>
+                          </a:rPr>
+                          <m:t>𝑽</m:t>
+                        </m:r>
+                      </m:e>
+                      <m:sup>
+                        <m:r>
+                          <a:rPr lang="en-US" altLang="ko-KR" b="1" i="1" dirty="0" smtClean="0">
+                            <a:latin typeface="Cambria Math" panose="02040503050406030204" pitchFamily="18" charset="0"/>
+                          </a:rPr>
+                          <m:t>𝑻</m:t>
+                        </m:r>
+                      </m:sup>
+                    </m:sSup>
+                  </m:oMath>
+                </a14:m>
+                <a:r>
+                  <a:rPr lang="en-US" altLang="ko-KR" b="1" dirty="0"/>
+                  <a:t> approximate the ratings matrix </a:t>
+                </a:r>
+                <a14:m>
+                  <m:oMath xmlns:m="http://schemas.openxmlformats.org/officeDocument/2006/math">
+                    <m:r>
+                      <a:rPr lang="en-US" altLang="ko-KR" b="1" i="1" dirty="0">
+                        <a:latin typeface="Cambria Math" panose="02040503050406030204" pitchFamily="18" charset="0"/>
+                      </a:rPr>
+                      <m:t>𝑹</m:t>
+                    </m:r>
+                  </m:oMath>
+                </a14:m>
+                <a:r>
+                  <a:rPr lang="en-US" altLang="ko-KR" b="1" dirty="0"/>
+                  <a:t> </a:t>
+                </a:r>
+                <a:r>
+                  <a:rPr lang="en-US" altLang="ko-KR" dirty="0"/>
+                  <a:t>as closely as possible</a:t>
+                </a:r>
+              </a:p>
+            </p:txBody>
+          </p:sp>
+        </mc:Choice>
+        <mc:Fallback xmlns="">
+          <p:sp>
+            <p:nvSpPr>
+              <p:cNvPr id="3" name="내용 개체 틀 2">
+                <a:extLst>
+                  <a:ext uri="{FF2B5EF4-FFF2-40B4-BE49-F238E27FC236}">
+                    <a16:creationId xmlns:a16="http://schemas.microsoft.com/office/drawing/2014/main" id="{1725D5B2-2C6C-3B43-B4F2-CA91BE12BB41}"/>
+                  </a:ext>
+                </a:extLst>
+              </p:cNvPr>
+              <p:cNvSpPr>
+                <a:spLocks noGrp="1" noRot="1" noChangeAspect="1" noMove="1" noResize="1" noEditPoints="1" noAdjustHandles="1" noChangeArrowheads="1" noChangeShapeType="1" noTextEdit="1"/>
+              </p:cNvSpPr>
+              <p:nvPr>
+                <p:ph idx="1"/>
+              </p:nvPr>
+            </p:nvSpPr>
+            <p:spPr>
+              <a:xfrm>
+                <a:off x="838200" y="1534923"/>
+                <a:ext cx="10515600" cy="4351338"/>
+              </a:xfrm>
+              <a:blipFill>
+                <a:blip r:embed="rId3"/>
+                <a:stretch>
+                  <a:fillRect l="-522" r="-986"/>
+                </a:stretch>
+              </a:blipFill>
+            </p:spPr>
+            <p:txBody>
+              <a:bodyPr/>
+              <a:lstStyle/>
+              <a:p>
+                <a:r>
+                  <a:rPr lang="ko-KR" altLang="en-US">
+                    <a:noFill/>
+                  </a:rPr>
+                  <a:t> </a:t>
+                </a:r>
+              </a:p>
+            </p:txBody>
+          </p:sp>
+        </mc:Fallback>
+      </mc:AlternateContent>
     </p:spTree>
     <p:extLst>
       <p:ext uri="{BB962C8B-B14F-4D97-AF65-F5344CB8AC3E}">
-        <p14:creationId xmlns:p14="http://schemas.microsoft.com/office/powerpoint/2010/main" val="3915818182"/>
+        <p14:creationId xmlns:p14="http://schemas.microsoft.com/office/powerpoint/2010/main" val="4142624180"/>
       </p:ext>
     </p:extLst>
   </p:cSld>
@@ -10412,12 +10539,504 @@
           </a:p>
         </p:txBody>
       </p:sp>
+      <mc:AlternateContent xmlns:mc="http://schemas.openxmlformats.org/markup-compatibility/2006" xmlns:a14="http://schemas.microsoft.com/office/drawing/2010/main">
+        <mc:Choice Requires="a14">
+          <p:sp>
+            <p:nvSpPr>
+              <p:cNvPr id="3" name="내용 개체 틀 2">
+                <a:extLst>
+                  <a:ext uri="{FF2B5EF4-FFF2-40B4-BE49-F238E27FC236}">
+                    <a16:creationId xmlns:a16="http://schemas.microsoft.com/office/drawing/2014/main" id="{1725D5B2-2C6C-3B43-B4F2-CA91BE12BB41}"/>
+                  </a:ext>
+                </a:extLst>
+              </p:cNvPr>
+              <p:cNvSpPr>
+                <a:spLocks noGrp="1"/>
+              </p:cNvSpPr>
+              <p:nvPr>
+                <p:ph idx="1"/>
+              </p:nvPr>
+            </p:nvSpPr>
+            <p:spPr>
+              <a:xfrm>
+                <a:off x="838200" y="1534923"/>
+                <a:ext cx="10515600" cy="4351338"/>
+              </a:xfrm>
+            </p:spPr>
+            <p:txBody>
+              <a:bodyPr>
+                <a:normAutofit/>
+              </a:bodyPr>
+              <a:lstStyle/>
+              <a:p>
+                <a:r>
+                  <a:rPr lang="en-US" altLang="ko-KR" dirty="0"/>
+                  <a:t>the broader family of matrix factorization models can use any other objective function or constraint to force a good approximation.</a:t>
+                </a:r>
+              </a:p>
+              <a:p>
+                <a:r>
+                  <a:rPr lang="en-US" altLang="ko-KR" dirty="0"/>
+                  <a:t>This broader family can be written as follows</a:t>
+                </a:r>
+              </a:p>
+              <a:p>
+                <a:pPr marL="0" indent="0">
+                  <a:buNone/>
+                </a:pPr>
+                <a14:m>
+                  <m:oMathPara xmlns:m="http://schemas.openxmlformats.org/officeDocument/2006/math">
+                    <m:oMathParaPr>
+                      <m:jc m:val="centerGroup"/>
+                    </m:oMathParaPr>
+                    <m:oMath xmlns:m="http://schemas.openxmlformats.org/officeDocument/2006/math">
+                      <m:r>
+                        <a:rPr lang="en-US" altLang="ko-KR" i="1" dirty="0" smtClean="0">
+                          <a:latin typeface="Cambria Math" panose="02040503050406030204" pitchFamily="18" charset="0"/>
+                        </a:rPr>
+                        <m:t>𝑂𝑝𝑡𝑖𝑚𝑖𝑧𝑒</m:t>
+                      </m:r>
+                      <m:r>
+                        <a:rPr lang="en-US" altLang="ko-KR" i="1" dirty="0" smtClean="0">
+                          <a:latin typeface="Cambria Math" panose="02040503050406030204" pitchFamily="18" charset="0"/>
+                        </a:rPr>
+                        <m:t> </m:t>
+                      </m:r>
+                      <m:r>
+                        <a:rPr lang="en-US" altLang="ko-KR" i="1" dirty="0" smtClean="0">
+                          <a:latin typeface="Cambria Math" panose="02040503050406030204" pitchFamily="18" charset="0"/>
+                        </a:rPr>
+                        <m:t>𝐽</m:t>
+                      </m:r>
+                      <m:r>
+                        <a:rPr lang="en-US" altLang="ko-KR" i="1" dirty="0" smtClean="0">
+                          <a:latin typeface="Cambria Math" panose="02040503050406030204" pitchFamily="18" charset="0"/>
+                        </a:rPr>
+                        <m:t> = </m:t>
+                      </m:r>
+                      <m:d>
+                        <m:dPr>
+                          <m:begChr m:val="["/>
+                          <m:endChr m:val="]"/>
+                          <m:ctrlPr>
+                            <a:rPr lang="en-US" altLang="ko-KR" i="1" dirty="0" smtClean="0">
+                              <a:latin typeface="Cambria Math" panose="02040503050406030204" pitchFamily="18" charset="0"/>
+                            </a:rPr>
+                          </m:ctrlPr>
+                        </m:dPr>
+                        <m:e>
+                          <m:r>
+                            <a:rPr lang="en-US" altLang="ko-KR" i="1" dirty="0" smtClean="0">
+                              <a:latin typeface="Cambria Math" panose="02040503050406030204" pitchFamily="18" charset="0"/>
+                            </a:rPr>
+                            <m:t>𝑂𝑏𝑗𝑒𝑐𝑡𝑖𝑣𝑒</m:t>
+                          </m:r>
+                          <m:r>
+                            <a:rPr lang="en-US" altLang="ko-KR" i="1" dirty="0" smtClean="0">
+                              <a:latin typeface="Cambria Math" panose="02040503050406030204" pitchFamily="18" charset="0"/>
+                            </a:rPr>
+                            <m:t> </m:t>
+                          </m:r>
+                          <m:r>
+                            <a:rPr lang="en-US" altLang="ko-KR" i="1" dirty="0" smtClean="0">
+                              <a:latin typeface="Cambria Math" panose="02040503050406030204" pitchFamily="18" charset="0"/>
+                            </a:rPr>
+                            <m:t>𝑓𝑢𝑛𝑐𝑡𝑖𝑜𝑛</m:t>
+                          </m:r>
+                          <m:r>
+                            <a:rPr lang="en-US" altLang="ko-KR" i="1" dirty="0" smtClean="0">
+                              <a:latin typeface="Cambria Math" panose="02040503050406030204" pitchFamily="18" charset="0"/>
+                            </a:rPr>
+                            <m:t> </m:t>
+                          </m:r>
+                          <m:r>
+                            <a:rPr lang="en-US" altLang="ko-KR" i="1" dirty="0" smtClean="0">
+                              <a:latin typeface="Cambria Math" panose="02040503050406030204" pitchFamily="18" charset="0"/>
+                            </a:rPr>
+                            <m:t>𝑞𝑢𝑎𝑛𝑡𝑖𝑓𝑦𝑖𝑛𝑔</m:t>
+                          </m:r>
+                          <m:r>
+                            <a:rPr lang="en-US" altLang="ko-KR" i="1" dirty="0" smtClean="0">
+                              <a:latin typeface="Cambria Math" panose="02040503050406030204" pitchFamily="18" charset="0"/>
+                            </a:rPr>
+                            <m:t> </m:t>
+                          </m:r>
+                          <m:r>
+                            <a:rPr lang="en-US" altLang="ko-KR" i="1" dirty="0" smtClean="0">
+                              <a:latin typeface="Cambria Math" panose="02040503050406030204" pitchFamily="18" charset="0"/>
+                            </a:rPr>
+                            <m:t>𝑚𝑎𝑡𝑐h𝑖𝑛𝑔</m:t>
+                          </m:r>
+                          <m:r>
+                            <a:rPr lang="en-US" altLang="ko-KR" i="1" dirty="0" smtClean="0">
+                              <a:latin typeface="Cambria Math" panose="02040503050406030204" pitchFamily="18" charset="0"/>
+                            </a:rPr>
+                            <m:t> </m:t>
+                          </m:r>
+                          <m:r>
+                            <a:rPr lang="en-US" altLang="ko-KR" i="1" dirty="0" smtClean="0">
+                              <a:latin typeface="Cambria Math" panose="02040503050406030204" pitchFamily="18" charset="0"/>
+                            </a:rPr>
+                            <m:t>𝑏𝑒𝑡𝑤𝑒𝑒𝑛</m:t>
+                          </m:r>
+                          <m:r>
+                            <a:rPr lang="en-US" altLang="ko-KR" i="1" dirty="0" smtClean="0">
+                              <a:latin typeface="Cambria Math" panose="02040503050406030204" pitchFamily="18" charset="0"/>
+                            </a:rPr>
+                            <m:t> </m:t>
+                          </m:r>
+                          <m:r>
+                            <a:rPr lang="en-US" altLang="ko-KR" i="1" dirty="0" smtClean="0">
+                              <a:latin typeface="Cambria Math" panose="02040503050406030204" pitchFamily="18" charset="0"/>
+                            </a:rPr>
+                            <m:t>𝑅</m:t>
+                          </m:r>
+                          <m:r>
+                            <a:rPr lang="en-US" altLang="ko-KR" i="1" dirty="0" smtClean="0">
+                              <a:latin typeface="Cambria Math" panose="02040503050406030204" pitchFamily="18" charset="0"/>
+                            </a:rPr>
+                            <m:t> </m:t>
+                          </m:r>
+                          <m:r>
+                            <a:rPr lang="en-US" altLang="ko-KR" i="1" dirty="0" smtClean="0">
+                              <a:latin typeface="Cambria Math" panose="02040503050406030204" pitchFamily="18" charset="0"/>
+                            </a:rPr>
+                            <m:t>𝑎𝑛𝑑</m:t>
+                          </m:r>
+                          <m:r>
+                            <a:rPr lang="en-US" altLang="ko-KR" i="1" dirty="0" smtClean="0">
+                              <a:latin typeface="Cambria Math" panose="02040503050406030204" pitchFamily="18" charset="0"/>
+                            </a:rPr>
+                            <m:t> </m:t>
+                          </m:r>
+                          <m:r>
+                            <a:rPr lang="en-US" altLang="ko-KR" i="1" dirty="0" smtClean="0">
+                              <a:latin typeface="Cambria Math" panose="02040503050406030204" pitchFamily="18" charset="0"/>
+                            </a:rPr>
+                            <m:t>𝑈</m:t>
+                          </m:r>
+                          <m:sSup>
+                            <m:sSupPr>
+                              <m:ctrlPr>
+                                <a:rPr lang="en-US" altLang="ko-KR" b="0" i="1" dirty="0" smtClean="0">
+                                  <a:latin typeface="Cambria Math" panose="02040503050406030204" pitchFamily="18" charset="0"/>
+                                </a:rPr>
+                              </m:ctrlPr>
+                            </m:sSupPr>
+                            <m:e>
+                              <m:r>
+                                <a:rPr lang="en-US" altLang="ko-KR" i="1" dirty="0" smtClean="0">
+                                  <a:latin typeface="Cambria Math" panose="02040503050406030204" pitchFamily="18" charset="0"/>
+                                </a:rPr>
+                                <m:t>𝑉</m:t>
+                              </m:r>
+                            </m:e>
+                            <m:sup>
+                              <m:r>
+                                <a:rPr lang="en-US" altLang="ko-KR" b="0" i="1" dirty="0" smtClean="0">
+                                  <a:latin typeface="Cambria Math" panose="02040503050406030204" pitchFamily="18" charset="0"/>
+                                </a:rPr>
+                                <m:t>𝑇</m:t>
+                              </m:r>
+                            </m:sup>
+                          </m:sSup>
+                          <m:r>
+                            <a:rPr lang="en-US" altLang="ko-KR" i="1" dirty="0" smtClean="0">
+                              <a:latin typeface="Cambria Math" panose="02040503050406030204" pitchFamily="18" charset="0"/>
+                            </a:rPr>
+                            <m:t> </m:t>
+                          </m:r>
+                        </m:e>
+                      </m:d>
+                    </m:oMath>
+                    <m:oMath xmlns:m="http://schemas.openxmlformats.org/officeDocument/2006/math">
+                      <m:r>
+                        <a:rPr lang="en-US" altLang="ko-KR" i="1" dirty="0" smtClean="0">
+                          <a:latin typeface="Cambria Math" panose="02040503050406030204" pitchFamily="18" charset="0"/>
+                        </a:rPr>
+                        <m:t>𝑠𝑢𝑏𝑗𝑒𝑐𝑡</m:t>
+                      </m:r>
+                      <m:r>
+                        <a:rPr lang="en-US" altLang="ko-KR" i="1" dirty="0" smtClean="0">
+                          <a:latin typeface="Cambria Math" panose="02040503050406030204" pitchFamily="18" charset="0"/>
+                        </a:rPr>
+                        <m:t> </m:t>
+                      </m:r>
+                      <m:r>
+                        <a:rPr lang="en-US" altLang="ko-KR" i="1" dirty="0" smtClean="0">
+                          <a:latin typeface="Cambria Math" panose="02040503050406030204" pitchFamily="18" charset="0"/>
+                        </a:rPr>
+                        <m:t>𝑡𝑜</m:t>
+                      </m:r>
+                      <m:r>
+                        <a:rPr lang="en-US" altLang="ko-KR" i="1" dirty="0" smtClean="0">
+                          <a:latin typeface="Cambria Math" panose="02040503050406030204" pitchFamily="18" charset="0"/>
+                        </a:rPr>
+                        <m:t>: </m:t>
+                      </m:r>
+                      <m:r>
+                        <a:rPr lang="en-US" altLang="ko-KR" i="1" dirty="0" smtClean="0">
+                          <a:latin typeface="Cambria Math" panose="02040503050406030204" pitchFamily="18" charset="0"/>
+                        </a:rPr>
+                        <m:t>𝐶𝑜𝑛𝑠𝑡𝑟𝑎𝑖𝑛𝑡𝑠</m:t>
+                      </m:r>
+                      <m:r>
+                        <a:rPr lang="en-US" altLang="ko-KR" i="1" dirty="0" smtClean="0">
+                          <a:latin typeface="Cambria Math" panose="02040503050406030204" pitchFamily="18" charset="0"/>
+                        </a:rPr>
+                        <m:t> </m:t>
+                      </m:r>
+                      <m:r>
+                        <a:rPr lang="en-US" altLang="ko-KR" i="1" dirty="0" smtClean="0">
+                          <a:latin typeface="Cambria Math" panose="02040503050406030204" pitchFamily="18" charset="0"/>
+                        </a:rPr>
+                        <m:t>𝑜𝑛</m:t>
+                      </m:r>
+                      <m:r>
+                        <a:rPr lang="en-US" altLang="ko-KR" i="1" dirty="0" smtClean="0">
+                          <a:latin typeface="Cambria Math" panose="02040503050406030204" pitchFamily="18" charset="0"/>
+                        </a:rPr>
+                        <m:t> </m:t>
+                      </m:r>
+                      <m:r>
+                        <a:rPr lang="en-US" altLang="ko-KR" i="1" dirty="0" smtClean="0">
+                          <a:latin typeface="Cambria Math" panose="02040503050406030204" pitchFamily="18" charset="0"/>
+                        </a:rPr>
+                        <m:t>𝑈</m:t>
+                      </m:r>
+                      <m:r>
+                        <a:rPr lang="en-US" altLang="ko-KR" i="1" dirty="0" smtClean="0">
+                          <a:latin typeface="Cambria Math" panose="02040503050406030204" pitchFamily="18" charset="0"/>
+                        </a:rPr>
+                        <m:t> </m:t>
+                      </m:r>
+                      <m:r>
+                        <a:rPr lang="en-US" altLang="ko-KR" i="1" dirty="0" smtClean="0">
+                          <a:latin typeface="Cambria Math" panose="02040503050406030204" pitchFamily="18" charset="0"/>
+                        </a:rPr>
+                        <m:t>𝑎𝑛𝑑</m:t>
+                      </m:r>
+                      <m:r>
+                        <a:rPr lang="en-US" altLang="ko-KR" i="1" dirty="0" smtClean="0">
+                          <a:latin typeface="Cambria Math" panose="02040503050406030204" pitchFamily="18" charset="0"/>
+                        </a:rPr>
+                        <m:t> </m:t>
+                      </m:r>
+                      <m:r>
+                        <a:rPr lang="en-US" altLang="ko-KR" i="1" dirty="0" smtClean="0">
+                          <a:latin typeface="Cambria Math" panose="02040503050406030204" pitchFamily="18" charset="0"/>
+                        </a:rPr>
+                        <m:t>𝑉</m:t>
+                      </m:r>
+                    </m:oMath>
+                  </m:oMathPara>
+                </a14:m>
+                <a:endParaRPr lang="en-US" altLang="ko-KR" dirty="0"/>
+              </a:p>
+            </p:txBody>
+          </p:sp>
+        </mc:Choice>
+        <mc:Fallback xmlns="">
+          <p:sp>
+            <p:nvSpPr>
+              <p:cNvPr id="3" name="내용 개체 틀 2">
+                <a:extLst>
+                  <a:ext uri="{FF2B5EF4-FFF2-40B4-BE49-F238E27FC236}">
+                    <a16:creationId xmlns:a16="http://schemas.microsoft.com/office/drawing/2014/main" id="{1725D5B2-2C6C-3B43-B4F2-CA91BE12BB41}"/>
+                  </a:ext>
+                </a:extLst>
+              </p:cNvPr>
+              <p:cNvSpPr>
+                <a:spLocks noGrp="1" noRot="1" noChangeAspect="1" noMove="1" noResize="1" noEditPoints="1" noAdjustHandles="1" noChangeArrowheads="1" noChangeShapeType="1" noTextEdit="1"/>
+              </p:cNvSpPr>
+              <p:nvPr>
+                <p:ph idx="1"/>
+              </p:nvPr>
+            </p:nvSpPr>
+            <p:spPr>
+              <a:xfrm>
+                <a:off x="838200" y="1534923"/>
+                <a:ext cx="10515600" cy="4351338"/>
+              </a:xfrm>
+              <a:blipFill>
+                <a:blip r:embed="rId3"/>
+                <a:stretch>
+                  <a:fillRect l="-522"/>
+                </a:stretch>
+              </a:blipFill>
+            </p:spPr>
+            <p:txBody>
+              <a:bodyPr/>
+              <a:lstStyle/>
+              <a:p>
+                <a:r>
+                  <a:rPr lang="ko-KR" altLang="en-US">
+                    <a:noFill/>
+                  </a:rPr>
+                  <a:t> </a:t>
+                </a:r>
+              </a:p>
+            </p:txBody>
+          </p:sp>
+        </mc:Fallback>
+      </mc:AlternateContent>
+    </p:spTree>
+    <p:extLst>
+      <p:ext uri="{BB962C8B-B14F-4D97-AF65-F5344CB8AC3E}">
+        <p14:creationId xmlns:p14="http://schemas.microsoft.com/office/powerpoint/2010/main" val="2361504889"/>
+      </p:ext>
+    </p:extLst>
+  </p:cSld>
+  <p:clrMapOvr>
+    <a:masterClrMapping/>
+  </p:clrMapOvr>
+</p:sld>
+</file>
+
+<file path=ppt/slides/slide25.xml><?xml version="1.0" encoding="utf-8"?>
+<p:sld xmlns:a="http://schemas.openxmlformats.org/drawingml/2006/main" xmlns:r="http://schemas.openxmlformats.org/officeDocument/2006/relationships" xmlns:p="http://schemas.openxmlformats.org/presentationml/2006/main">
+  <p:cSld>
+    <p:spTree>
+      <p:nvGrpSpPr>
+        <p:cNvPr id="1" name=""/>
+        <p:cNvGrpSpPr/>
+        <p:nvPr/>
+      </p:nvGrpSpPr>
+      <p:grpSpPr>
+        <a:xfrm>
+          <a:off x="0" y="0"/>
+          <a:ext cx="0" cy="0"/>
+          <a:chOff x="0" y="0"/>
+          <a:chExt cx="0" cy="0"/>
+        </a:xfrm>
+      </p:grpSpPr>
       <p:sp>
         <p:nvSpPr>
-          <p:cNvPr id="3" name="내용 개체 틀 2">
+          <p:cNvPr id="2" name="제목 1">
             <a:extLst>
               <a:ext uri="{FF2B5EF4-FFF2-40B4-BE49-F238E27FC236}">
-                <a16:creationId xmlns:a16="http://schemas.microsoft.com/office/drawing/2014/main" id="{1725D5B2-2C6C-3B43-B4F2-CA91BE12BB41}"/>
+                <a16:creationId xmlns:a16="http://schemas.microsoft.com/office/drawing/2014/main" id="{AA92BCFB-E11B-F940-A787-2261CAC8E814}"/>
+              </a:ext>
+            </a:extLst>
+          </p:cNvPr>
+          <p:cNvSpPr>
+            <a:spLocks noGrp="1"/>
+          </p:cNvSpPr>
+          <p:nvPr>
+            <p:ph type="title"/>
+          </p:nvPr>
+        </p:nvSpPr>
+        <p:spPr/>
+        <p:txBody>
+          <a:bodyPr>
+            <a:normAutofit/>
+          </a:bodyPr>
+          <a:lstStyle/>
+          <a:p>
+            <a:r>
+              <a:rPr kumimoji="1" lang="en-US" altLang="en-US" sz="3200"/>
+              <a:t>3.6.7 Understanding the Matrix Factorization Family</a:t>
+            </a:r>
+            <a:endParaRPr kumimoji="1" lang="ko-Kore-KR" altLang="en-US" sz="3200" dirty="0"/>
+          </a:p>
+        </p:txBody>
+      </p:sp>
+      <p:pic>
+        <p:nvPicPr>
+          <p:cNvPr id="11" name="내용 개체 틀 10">
+            <a:extLst>
+              <a:ext uri="{FF2B5EF4-FFF2-40B4-BE49-F238E27FC236}">
+                <a16:creationId xmlns:a16="http://schemas.microsoft.com/office/drawing/2014/main" id="{920246CF-A269-EAC6-C68D-D700C63B8F0A}"/>
+              </a:ext>
+            </a:extLst>
+          </p:cNvPr>
+          <p:cNvPicPr>
+            <a:picLocks noGrp="1" noChangeAspect="1"/>
+          </p:cNvPicPr>
+          <p:nvPr>
+            <p:ph idx="1"/>
+          </p:nvPr>
+        </p:nvPicPr>
+        <p:blipFill>
+          <a:blip r:embed="rId3"/>
+          <a:stretch>
+            <a:fillRect/>
+          </a:stretch>
+        </p:blipFill>
+        <p:spPr>
+          <a:xfrm>
+            <a:off x="3633526" y="1535113"/>
+            <a:ext cx="4924948" cy="4351337"/>
+          </a:xfrm>
+        </p:spPr>
+      </p:pic>
+    </p:spTree>
+    <p:extLst>
+      <p:ext uri="{BB962C8B-B14F-4D97-AF65-F5344CB8AC3E}">
+        <p14:creationId xmlns:p14="http://schemas.microsoft.com/office/powerpoint/2010/main" val="311213786"/>
+      </p:ext>
+    </p:extLst>
+  </p:cSld>
+  <p:clrMapOvr>
+    <a:masterClrMapping/>
+  </p:clrMapOvr>
+</p:sld>
+</file>
+
+<file path=ppt/slides/slide26.xml><?xml version="1.0" encoding="utf-8"?>
+<p:sld xmlns:a="http://schemas.openxmlformats.org/drawingml/2006/main" xmlns:r="http://schemas.openxmlformats.org/officeDocument/2006/relationships" xmlns:p="http://schemas.openxmlformats.org/presentationml/2006/main">
+  <p:cSld>
+    <p:spTree>
+      <p:nvGrpSpPr>
+        <p:cNvPr id="1" name=""/>
+        <p:cNvGrpSpPr/>
+        <p:nvPr/>
+      </p:nvGrpSpPr>
+      <p:grpSpPr>
+        <a:xfrm>
+          <a:off x="0" y="0"/>
+          <a:ext cx="0" cy="0"/>
+          <a:chOff x="0" y="0"/>
+          <a:chExt cx="0" cy="0"/>
+        </a:xfrm>
+      </p:grpSpPr>
+      <p:sp>
+        <p:nvSpPr>
+          <p:cNvPr id="2" name="제목 1">
+            <a:extLst>
+              <a:ext uri="{FF2B5EF4-FFF2-40B4-BE49-F238E27FC236}">
+                <a16:creationId xmlns:a16="http://schemas.microsoft.com/office/drawing/2014/main" id="{AA92BCFB-E11B-F940-A787-2261CAC8E814}"/>
+              </a:ext>
+            </a:extLst>
+          </p:cNvPr>
+          <p:cNvSpPr>
+            <a:spLocks noGrp="1"/>
+          </p:cNvSpPr>
+          <p:nvPr>
+            <p:ph type="title"/>
+          </p:nvPr>
+        </p:nvSpPr>
+        <p:spPr/>
+        <p:txBody>
+          <a:bodyPr>
+            <a:normAutofit/>
+          </a:bodyPr>
+          <a:lstStyle/>
+          <a:p>
+            <a:r>
+              <a:rPr kumimoji="1" lang="en-US" altLang="en-US" sz="3200"/>
+              <a:t>3.6.7 Understanding the Matrix Factorization Family</a:t>
+            </a:r>
+            <a:endParaRPr kumimoji="1" lang="ko-Kore-KR" altLang="en-US" sz="3200" dirty="0"/>
+          </a:p>
+        </p:txBody>
+      </p:sp>
+      <p:sp>
+        <p:nvSpPr>
+          <p:cNvPr id="4" name="내용 개체 틀 3">
+            <a:extLst>
+              <a:ext uri="{FF2B5EF4-FFF2-40B4-BE49-F238E27FC236}">
+                <a16:creationId xmlns:a16="http://schemas.microsoft.com/office/drawing/2014/main" id="{37FB2F25-D2B4-5BEF-F27E-F998243AE6BC}"/>
               </a:ext>
             </a:extLst>
           </p:cNvPr>
@@ -10428,26 +11047,44 @@
             <p:ph idx="1"/>
           </p:nvPr>
         </p:nvSpPr>
-        <p:spPr>
-          <a:xfrm>
-            <a:off x="838200" y="1534923"/>
-            <a:ext cx="10515600" cy="4351338"/>
-          </a:xfrm>
-        </p:spPr>
+        <p:spPr/>
         <p:txBody>
-          <a:bodyPr>
-            <a:normAutofit/>
-          </a:bodyPr>
+          <a:bodyPr/>
           <a:lstStyle/>
           <a:p>
+            <a:r>
+              <a:rPr lang="en-US" altLang="ko-KR" dirty="0"/>
+              <a:t>the choice of the model depends on the </a:t>
+            </a:r>
+            <a:r>
+              <a:rPr lang="en-US" altLang="ko-KR" b="1" dirty="0"/>
+              <a:t>problem setting, the noise in the data, and the desired level of interpretability</a:t>
+            </a:r>
+          </a:p>
+          <a:p>
+            <a:r>
+              <a:rPr lang="en-US" altLang="ko-KR" dirty="0"/>
+              <a:t>There is no single solution that can achieve all these goals</a:t>
+            </a:r>
             <a:endParaRPr lang="en-US" altLang="ko-KR" b="1" dirty="0"/>
+          </a:p>
+          <a:p>
+            <a:r>
+              <a:rPr lang="en-US" altLang="ko-KR" b="1" dirty="0"/>
+              <a:t>A careful understanding of the problem domain is important </a:t>
+            </a:r>
+            <a:r>
+              <a:rPr lang="en-US" altLang="ko-KR" dirty="0"/>
+              <a:t>for choosing the correct model</a:t>
+            </a:r>
+            <a:endParaRPr lang="ko-KR" altLang="en-US" b="1" dirty="0"/>
           </a:p>
         </p:txBody>
       </p:sp>
     </p:spTree>
     <p:extLst>
       <p:ext uri="{BB962C8B-B14F-4D97-AF65-F5344CB8AC3E}">
-        <p14:creationId xmlns:p14="http://schemas.microsoft.com/office/powerpoint/2010/main" val="4142624180"/>
+        <p14:creationId xmlns:p14="http://schemas.microsoft.com/office/powerpoint/2010/main" val="2193360208"/>
       </p:ext>
     </p:extLst>
   </p:cSld>
@@ -10457,7 +11094,7 @@
 </p:sld>
 </file>
 
-<file path=ppt/slides/slide25.xml><?xml version="1.0" encoding="utf-8"?>
+<file path=ppt/slides/slide27.xml><?xml version="1.0" encoding="utf-8"?>
 <p:sld xmlns:a="http://schemas.openxmlformats.org/drawingml/2006/main" xmlns:r="http://schemas.openxmlformats.org/officeDocument/2006/relationships" xmlns:p="http://schemas.openxmlformats.org/presentationml/2006/main">
   <p:cSld>
     <p:spTree>
@@ -10520,116 +11157,6 @@
 </file>
 
 <file path=ppt/slides/slide3.xml><?xml version="1.0" encoding="utf-8"?>
-<p:sld xmlns:a="http://schemas.openxmlformats.org/drawingml/2006/main" xmlns:r="http://schemas.openxmlformats.org/officeDocument/2006/relationships" xmlns:p="http://schemas.openxmlformats.org/presentationml/2006/main">
-  <p:cSld>
-    <p:spTree>
-      <p:nvGrpSpPr>
-        <p:cNvPr id="1" name=""/>
-        <p:cNvGrpSpPr/>
-        <p:nvPr/>
-      </p:nvGrpSpPr>
-      <p:grpSpPr>
-        <a:xfrm>
-          <a:off x="0" y="0"/>
-          <a:ext cx="0" cy="0"/>
-          <a:chOff x="0" y="0"/>
-          <a:chExt cx="0" cy="0"/>
-        </a:xfrm>
-      </p:grpSpPr>
-      <p:sp>
-        <p:nvSpPr>
-          <p:cNvPr id="2" name="제목 1">
-            <a:extLst>
-              <a:ext uri="{FF2B5EF4-FFF2-40B4-BE49-F238E27FC236}">
-                <a16:creationId xmlns:a16="http://schemas.microsoft.com/office/drawing/2014/main" id="{AA92BCFB-E11B-F940-A787-2261CAC8E814}"/>
-              </a:ext>
-            </a:extLst>
-          </p:cNvPr>
-          <p:cNvSpPr>
-            <a:spLocks noGrp="1"/>
-          </p:cNvSpPr>
-          <p:nvPr>
-            <p:ph type="title"/>
-          </p:nvPr>
-        </p:nvSpPr>
-        <p:spPr/>
-        <p:txBody>
-          <a:bodyPr/>
-          <a:lstStyle/>
-          <a:p>
-            <a:r>
-              <a:rPr kumimoji="1" lang="en-US" altLang="en-US" dirty="0"/>
-              <a:t>Contents</a:t>
-            </a:r>
-            <a:endParaRPr kumimoji="1" lang="ko-Kore-KR" altLang="en-US" dirty="0"/>
-          </a:p>
-        </p:txBody>
-      </p:sp>
-      <p:sp>
-        <p:nvSpPr>
-          <p:cNvPr id="3" name="내용 개체 틀 2">
-            <a:extLst>
-              <a:ext uri="{FF2B5EF4-FFF2-40B4-BE49-F238E27FC236}">
-                <a16:creationId xmlns:a16="http://schemas.microsoft.com/office/drawing/2014/main" id="{1725D5B2-2C6C-3B43-B4F2-CA91BE12BB41}"/>
-              </a:ext>
-            </a:extLst>
-          </p:cNvPr>
-          <p:cNvSpPr>
-            <a:spLocks noGrp="1"/>
-          </p:cNvSpPr>
-          <p:nvPr>
-            <p:ph idx="1"/>
-          </p:nvPr>
-        </p:nvSpPr>
-        <p:spPr>
-          <a:xfrm>
-            <a:off x="838200" y="1721803"/>
-            <a:ext cx="10515600" cy="4351338"/>
-          </a:xfrm>
-        </p:spPr>
-        <p:txBody>
-          <a:bodyPr/>
-          <a:lstStyle/>
-          <a:p>
-            <a:r>
-              <a:rPr kumimoji="1" lang="en-US" altLang="en-US" dirty="0"/>
-              <a:t>SVD</a:t>
-            </a:r>
-          </a:p>
-          <a:p>
-            <a:r>
-              <a:rPr kumimoji="1" lang="en-US" altLang="en-US" dirty="0"/>
-              <a:t>Non-negative Matrix Factorization</a:t>
-            </a:r>
-          </a:p>
-          <a:p>
-            <a:r>
-              <a:rPr kumimoji="1" lang="en-US" altLang="en-US" dirty="0"/>
-              <a:t>Understanding the Matrix Factorization Family</a:t>
-            </a:r>
-          </a:p>
-          <a:p>
-            <a:r>
-              <a:rPr kumimoji="1" lang="en-US" altLang="en-US" dirty="0"/>
-              <a:t>Integrating Factorization and Neighborhood Models</a:t>
-            </a:r>
-          </a:p>
-        </p:txBody>
-      </p:sp>
-    </p:spTree>
-    <p:extLst>
-      <p:ext uri="{BB962C8B-B14F-4D97-AF65-F5344CB8AC3E}">
-        <p14:creationId xmlns:p14="http://schemas.microsoft.com/office/powerpoint/2010/main" val="4188628463"/>
-      </p:ext>
-    </p:extLst>
-  </p:cSld>
-  <p:clrMapOvr>
-    <a:masterClrMapping/>
-  </p:clrMapOvr>
-</p:sld>
-</file>
-
-<file path=ppt/slides/slide4.xml><?xml version="1.0" encoding="utf-8"?>
 <p:sld xmlns:a="http://schemas.openxmlformats.org/drawingml/2006/main" xmlns:r="http://schemas.openxmlformats.org/officeDocument/2006/relationships" xmlns:p="http://schemas.openxmlformats.org/presentationml/2006/main">
   <p:cSld>
     <p:spTree>
@@ -11328,7 +11855,7 @@
 </p:sld>
 </file>
 
-<file path=ppt/slides/slide5.xml><?xml version="1.0" encoding="utf-8"?>
+<file path=ppt/slides/slide4.xml><?xml version="1.0" encoding="utf-8"?>
 <p:sld xmlns:a="http://schemas.openxmlformats.org/drawingml/2006/main" xmlns:r="http://schemas.openxmlformats.org/officeDocument/2006/relationships" xmlns:p="http://schemas.openxmlformats.org/presentationml/2006/main">
   <p:cSld>
     <p:spTree>
@@ -11374,8 +11901,8 @@
           </a:p>
         </p:txBody>
       </p:sp>
-      <mc:AlternateContent xmlns:mc="http://schemas.openxmlformats.org/markup-compatibility/2006">
-        <mc:Choice xmlns:a14="http://schemas.microsoft.com/office/drawing/2010/main" Requires="a14">
+      <mc:AlternateContent xmlns:mc="http://schemas.openxmlformats.org/markup-compatibility/2006" xmlns:a14="http://schemas.microsoft.com/office/drawing/2010/main">
+        <mc:Choice Requires="a14">
           <p:sp>
             <p:nvSpPr>
               <p:cNvPr id="3" name="내용 개체 틀 2">
@@ -11553,7 +12080,7 @@
             </p:txBody>
           </p:sp>
         </mc:Choice>
-        <mc:Fallback>
+        <mc:Fallback xmlns="">
           <p:sp>
             <p:nvSpPr>
               <p:cNvPr id="3" name="내용 개체 틀 2">
@@ -11868,7 +12395,7 @@
 </p:sld>
 </file>
 
-<file path=ppt/slides/slide6.xml><?xml version="1.0" encoding="utf-8"?>
+<file path=ppt/slides/slide5.xml><?xml version="1.0" encoding="utf-8"?>
 <p:sld xmlns:a="http://schemas.openxmlformats.org/drawingml/2006/main" xmlns:r="http://schemas.openxmlformats.org/officeDocument/2006/relationships" xmlns:p="http://schemas.openxmlformats.org/presentationml/2006/main">
   <p:cSld>
     <p:spTree>
@@ -12407,7 +12934,7 @@
 </p:sld>
 </file>
 
-<file path=ppt/slides/slide7.xml><?xml version="1.0" encoding="utf-8"?>
+<file path=ppt/slides/slide6.xml><?xml version="1.0" encoding="utf-8"?>
 <p:sld xmlns:a="http://schemas.openxmlformats.org/drawingml/2006/main" xmlns:r="http://schemas.openxmlformats.org/officeDocument/2006/relationships" xmlns:p="http://schemas.openxmlformats.org/presentationml/2006/main">
   <p:cSld>
     <p:spTree>
@@ -12838,7 +13365,7 @@
 </p:sld>
 </file>
 
-<file path=ppt/slides/slide8.xml><?xml version="1.0" encoding="utf-8"?>
+<file path=ppt/slides/slide7.xml><?xml version="1.0" encoding="utf-8"?>
 <p:sld xmlns:a="http://schemas.openxmlformats.org/drawingml/2006/main" xmlns:r="http://schemas.openxmlformats.org/officeDocument/2006/relationships" xmlns:p="http://schemas.openxmlformats.org/presentationml/2006/main">
   <p:cSld>
     <p:spTree>
@@ -13743,6 +14270,108 @@
 </p:sld>
 </file>
 
+<file path=ppt/slides/slide8.xml><?xml version="1.0" encoding="utf-8"?>
+<p:sld xmlns:a="http://schemas.openxmlformats.org/drawingml/2006/main" xmlns:r="http://schemas.openxmlformats.org/officeDocument/2006/relationships" xmlns:p="http://schemas.openxmlformats.org/presentationml/2006/main">
+  <p:cSld>
+    <p:spTree>
+      <p:nvGrpSpPr>
+        <p:cNvPr id="1" name=""/>
+        <p:cNvGrpSpPr/>
+        <p:nvPr/>
+      </p:nvGrpSpPr>
+      <p:grpSpPr>
+        <a:xfrm>
+          <a:off x="0" y="0"/>
+          <a:ext cx="0" cy="0"/>
+          <a:chOff x="0" y="0"/>
+          <a:chExt cx="0" cy="0"/>
+        </a:xfrm>
+      </p:grpSpPr>
+      <p:sp>
+        <p:nvSpPr>
+          <p:cNvPr id="2" name="제목 1">
+            <a:extLst>
+              <a:ext uri="{FF2B5EF4-FFF2-40B4-BE49-F238E27FC236}">
+                <a16:creationId xmlns:a16="http://schemas.microsoft.com/office/drawing/2014/main" id="{AA92BCFB-E11B-F940-A787-2261CAC8E814}"/>
+              </a:ext>
+            </a:extLst>
+          </p:cNvPr>
+          <p:cNvSpPr>
+            <a:spLocks noGrp="1"/>
+          </p:cNvSpPr>
+          <p:nvPr>
+            <p:ph type="title"/>
+          </p:nvPr>
+        </p:nvSpPr>
+        <p:spPr/>
+        <p:txBody>
+          <a:bodyPr>
+            <a:normAutofit/>
+          </a:bodyPr>
+          <a:lstStyle/>
+          <a:p>
+            <a:r>
+              <a:rPr kumimoji="1" lang="en-US" altLang="en-US" sz="3600" dirty="0"/>
+              <a:t>3.6.5.1 A Simple Iterative Approach to SVD</a:t>
+            </a:r>
+            <a:endParaRPr kumimoji="1" lang="ko-Kore-KR" altLang="en-US" sz="3600" dirty="0"/>
+          </a:p>
+        </p:txBody>
+      </p:sp>
+      <p:sp>
+        <p:nvSpPr>
+          <p:cNvPr id="3" name="내용 개체 틀 2">
+            <a:extLst>
+              <a:ext uri="{FF2B5EF4-FFF2-40B4-BE49-F238E27FC236}">
+                <a16:creationId xmlns:a16="http://schemas.microsoft.com/office/drawing/2014/main" id="{1725D5B2-2C6C-3B43-B4F2-CA91BE12BB41}"/>
+              </a:ext>
+            </a:extLst>
+          </p:cNvPr>
+          <p:cNvSpPr>
+            <a:spLocks noGrp="1"/>
+          </p:cNvSpPr>
+          <p:nvPr>
+            <p:ph idx="1"/>
+          </p:nvPr>
+        </p:nvSpPr>
+        <p:spPr>
+          <a:xfrm>
+            <a:off x="838200" y="1681227"/>
+            <a:ext cx="10515600" cy="4351338"/>
+          </a:xfrm>
+        </p:spPr>
+        <p:txBody>
+          <a:bodyPr>
+            <a:normAutofit/>
+          </a:bodyPr>
+          <a:lstStyle/>
+          <a:p>
+            <a:r>
+              <a:rPr lang="en-US" altLang="ko-KR" dirty="0"/>
+              <a:t>The main problem with this approach is that the substitution of missing entries with row-wise means can lead to considerable bias</a:t>
+            </a:r>
+          </a:p>
+          <a:p>
+            <a:r>
+              <a:rPr lang="en-US" altLang="ko-KR" dirty="0"/>
+              <a:t>Another approach is to use a method, which reduces the bias iteratively by improving the estimation of the missing entries</a:t>
+            </a:r>
+          </a:p>
+        </p:txBody>
+      </p:sp>
+    </p:spTree>
+    <p:extLst>
+      <p:ext uri="{BB962C8B-B14F-4D97-AF65-F5344CB8AC3E}">
+        <p14:creationId xmlns:p14="http://schemas.microsoft.com/office/powerpoint/2010/main" val="1045860739"/>
+      </p:ext>
+    </p:extLst>
+  </p:cSld>
+  <p:clrMapOvr>
+    <a:masterClrMapping/>
+  </p:clrMapOvr>
+</p:sld>
+</file>
+
 <file path=ppt/slides/slide9.xml><?xml version="1.0" encoding="utf-8"?>
 <p:sld xmlns:a="http://schemas.openxmlformats.org/drawingml/2006/main" xmlns:r="http://schemas.openxmlformats.org/officeDocument/2006/relationships" xmlns:p="http://schemas.openxmlformats.org/presentationml/2006/main">
   <p:cSld>
@@ -13791,51 +14420,464 @@
           </a:p>
         </p:txBody>
       </p:sp>
-      <p:sp>
-        <p:nvSpPr>
-          <p:cNvPr id="3" name="내용 개체 틀 2">
-            <a:extLst>
-              <a:ext uri="{FF2B5EF4-FFF2-40B4-BE49-F238E27FC236}">
-                <a16:creationId xmlns:a16="http://schemas.microsoft.com/office/drawing/2014/main" id="{1725D5B2-2C6C-3B43-B4F2-CA91BE12BB41}"/>
-              </a:ext>
-            </a:extLst>
-          </p:cNvPr>
-          <p:cNvSpPr>
-            <a:spLocks noGrp="1"/>
-          </p:cNvSpPr>
-          <p:nvPr>
-            <p:ph idx="1"/>
-          </p:nvPr>
-        </p:nvSpPr>
-        <p:spPr>
-          <a:xfrm>
-            <a:off x="838200" y="1681227"/>
-            <a:ext cx="10515600" cy="4351338"/>
-          </a:xfrm>
-        </p:spPr>
-        <p:txBody>
-          <a:bodyPr>
-            <a:normAutofit/>
-          </a:bodyPr>
-          <a:lstStyle/>
-          <a:p>
-            <a:r>
-              <a:rPr lang="en-US" altLang="ko-KR" dirty="0"/>
-              <a:t>The main problem with this approach is that the substitution of missing entries with row-wise means can lead to considerable bias</a:t>
-            </a:r>
-          </a:p>
-          <a:p>
-            <a:r>
-              <a:rPr lang="en-US" altLang="ko-KR" dirty="0"/>
-              <a:t>Another approach is to use a method, which reduces the bias iteratively by improving the estimation of the missing entries</a:t>
-            </a:r>
-          </a:p>
-        </p:txBody>
-      </p:sp>
+      <mc:AlternateContent xmlns:mc="http://schemas.openxmlformats.org/markup-compatibility/2006" xmlns:a14="http://schemas.microsoft.com/office/drawing/2010/main">
+        <mc:Choice Requires="a14">
+          <p:sp>
+            <p:nvSpPr>
+              <p:cNvPr id="3" name="내용 개체 틀 2">
+                <a:extLst>
+                  <a:ext uri="{FF2B5EF4-FFF2-40B4-BE49-F238E27FC236}">
+                    <a16:creationId xmlns:a16="http://schemas.microsoft.com/office/drawing/2014/main" id="{1725D5B2-2C6C-3B43-B4F2-CA91BE12BB41}"/>
+                  </a:ext>
+                </a:extLst>
+              </p:cNvPr>
+              <p:cNvSpPr>
+                <a:spLocks noGrp="1"/>
+              </p:cNvSpPr>
+              <p:nvPr>
+                <p:ph idx="1"/>
+              </p:nvPr>
+            </p:nvSpPr>
+            <p:spPr>
+              <a:xfrm>
+                <a:off x="838200" y="1681227"/>
+                <a:ext cx="10515600" cy="4351338"/>
+              </a:xfrm>
+            </p:spPr>
+            <p:txBody>
+              <a:bodyPr>
+                <a:normAutofit/>
+              </a:bodyPr>
+              <a:lstStyle/>
+              <a:p>
+                <a:r>
+                  <a:rPr lang="en-US" altLang="ko-KR" b="1" dirty="0"/>
+                  <a:t>1.</a:t>
+                </a:r>
+                <a:r>
+                  <a:rPr lang="en-US" altLang="ko-KR" dirty="0"/>
+                  <a:t> </a:t>
+                </a:r>
+                <a:r>
+                  <a:rPr lang="en-US" altLang="ko-KR" b="1" dirty="0"/>
+                  <a:t>Initialization</a:t>
+                </a:r>
+                <a:r>
+                  <a:rPr lang="en-US" altLang="ko-KR" dirty="0"/>
+                  <a:t>: Initialize the missing entries in the </a:t>
+                </a:r>
+                <a:r>
+                  <a:rPr lang="en-US" altLang="ko-KR" dirty="0" err="1"/>
+                  <a:t>i-th</a:t>
+                </a:r>
+                <a:r>
+                  <a:rPr lang="en-US" altLang="ko-KR" dirty="0"/>
+                  <a:t> row of R to be the mean </a:t>
+                </a:r>
+                <a14:m>
+                  <m:oMath xmlns:m="http://schemas.openxmlformats.org/officeDocument/2006/math">
+                    <m:sSub>
+                      <m:sSubPr>
+                        <m:ctrlPr>
+                          <a:rPr lang="en-US" altLang="ko-KR" b="0" i="1" dirty="0" smtClean="0">
+                            <a:latin typeface="Cambria Math" panose="02040503050406030204" pitchFamily="18" charset="0"/>
+                          </a:rPr>
+                        </m:ctrlPr>
+                      </m:sSubPr>
+                      <m:e>
+                        <m:r>
+                          <a:rPr lang="en-US" altLang="ko-KR" i="1" dirty="0" smtClean="0">
+                            <a:latin typeface="Cambria Math" panose="02040503050406030204" pitchFamily="18" charset="0"/>
+                          </a:rPr>
+                          <m:t>𝜇</m:t>
+                        </m:r>
+                      </m:e>
+                      <m:sub>
+                        <m:r>
+                          <a:rPr lang="en-US" altLang="ko-KR" b="0" i="1" dirty="0" smtClean="0">
+                            <a:latin typeface="Cambria Math" panose="02040503050406030204" pitchFamily="18" charset="0"/>
+                          </a:rPr>
+                          <m:t>𝑖</m:t>
+                        </m:r>
+                      </m:sub>
+                    </m:sSub>
+                  </m:oMath>
+                </a14:m>
+                <a:r>
+                  <a:rPr lang="en-US" altLang="ko-KR" dirty="0"/>
+                  <a:t> of that row to create </a:t>
+                </a:r>
+                <a14:m>
+                  <m:oMath xmlns:m="http://schemas.openxmlformats.org/officeDocument/2006/math">
+                    <m:sSub>
+                      <m:sSubPr>
+                        <m:ctrlPr>
+                          <a:rPr lang="en-US" altLang="ko-KR" b="1" i="1" dirty="0" smtClean="0">
+                            <a:latin typeface="Cambria Math" panose="02040503050406030204" pitchFamily="18" charset="0"/>
+                          </a:rPr>
+                        </m:ctrlPr>
+                      </m:sSubPr>
+                      <m:e>
+                        <m:r>
+                          <a:rPr lang="en-US" altLang="ko-KR" b="1" i="1" dirty="0" smtClean="0">
+                            <a:latin typeface="Cambria Math" panose="02040503050406030204" pitchFamily="18" charset="0"/>
+                          </a:rPr>
+                          <m:t>𝑹</m:t>
+                        </m:r>
+                      </m:e>
+                      <m:sub>
+                        <m:r>
+                          <a:rPr lang="en-US" altLang="ko-KR" b="1" i="1" dirty="0" smtClean="0">
+                            <a:latin typeface="Cambria Math" panose="02040503050406030204" pitchFamily="18" charset="0"/>
+                          </a:rPr>
+                          <m:t>𝒇</m:t>
+                        </m:r>
+                      </m:sub>
+                    </m:sSub>
+                  </m:oMath>
+                </a14:m>
+                <a:endParaRPr lang="en-US" altLang="ko-KR" dirty="0"/>
+              </a:p>
+              <a:p>
+                <a:r>
+                  <a:rPr lang="en-US" altLang="ko-KR" b="1" dirty="0"/>
+                  <a:t>2.</a:t>
+                </a:r>
+                <a:r>
+                  <a:rPr lang="en-US" altLang="ko-KR" dirty="0"/>
+                  <a:t> </a:t>
+                </a:r>
+                <a:r>
+                  <a:rPr lang="en-US" altLang="ko-KR" b="1" dirty="0"/>
+                  <a:t>Iterative step 1:</a:t>
+                </a:r>
+                <a:r>
+                  <a:rPr lang="en-US" altLang="ko-KR" dirty="0"/>
+                  <a:t> Perform rank-k SVD of Rf in the form</a:t>
+                </a:r>
+                <a:r>
+                  <a:rPr lang="en-US" altLang="ko-KR" b="1" dirty="0">
+                    <a:ea typeface="Cambria Math" panose="02040503050406030204" pitchFamily="18" charset="0"/>
+                  </a:rPr>
+                  <a:t> </a:t>
+                </a:r>
+                <a14:m>
+                  <m:oMath xmlns:m="http://schemas.openxmlformats.org/officeDocument/2006/math">
+                    <m:sSub>
+                      <m:sSubPr>
+                        <m:ctrlPr>
+                          <a:rPr lang="en-US" altLang="ko-KR" b="1" i="1">
+                            <a:latin typeface="Cambria Math" panose="02040503050406030204" pitchFamily="18" charset="0"/>
+                            <a:ea typeface="Cambria Math" panose="02040503050406030204" pitchFamily="18" charset="0"/>
+                          </a:rPr>
+                        </m:ctrlPr>
+                      </m:sSubPr>
+                      <m:e>
+                        <m:r>
+                          <a:rPr lang="en-US" altLang="ko-KR" b="1" i="1">
+                            <a:latin typeface="Cambria Math" panose="02040503050406030204" pitchFamily="18" charset="0"/>
+                            <a:ea typeface="Cambria Math" panose="02040503050406030204" pitchFamily="18" charset="0"/>
+                          </a:rPr>
+                          <m:t>𝑸</m:t>
+                        </m:r>
+                      </m:e>
+                      <m:sub>
+                        <m:r>
+                          <a:rPr lang="en-US" altLang="ko-KR" b="1" i="1">
+                            <a:latin typeface="Cambria Math" panose="02040503050406030204" pitchFamily="18" charset="0"/>
+                            <a:ea typeface="Cambria Math" panose="02040503050406030204" pitchFamily="18" charset="0"/>
+                          </a:rPr>
+                          <m:t>𝒌</m:t>
+                        </m:r>
+                      </m:sub>
+                    </m:sSub>
+                    <m:sSub>
+                      <m:sSubPr>
+                        <m:ctrlPr>
+                          <a:rPr lang="en-US" altLang="ko-KR" b="1" i="1">
+                            <a:latin typeface="Cambria Math" panose="02040503050406030204" pitchFamily="18" charset="0"/>
+                            <a:ea typeface="Cambria Math" panose="02040503050406030204" pitchFamily="18" charset="0"/>
+                          </a:rPr>
+                        </m:ctrlPr>
+                      </m:sSubPr>
+                      <m:e>
+                        <m:r>
+                          <a:rPr lang="el-GR" altLang="ko-KR" b="1" i="1">
+                            <a:latin typeface="Cambria Math" panose="02040503050406030204" pitchFamily="18" charset="0"/>
+                            <a:ea typeface="Cambria Math" panose="02040503050406030204" pitchFamily="18" charset="0"/>
+                          </a:rPr>
+                          <m:t>𝜮</m:t>
+                        </m:r>
+                      </m:e>
+                      <m:sub>
+                        <m:r>
+                          <a:rPr lang="en-US" altLang="ko-KR" b="1" i="1">
+                            <a:latin typeface="Cambria Math" panose="02040503050406030204" pitchFamily="18" charset="0"/>
+                            <a:ea typeface="Cambria Math" panose="02040503050406030204" pitchFamily="18" charset="0"/>
+                          </a:rPr>
+                          <m:t>𝒌</m:t>
+                        </m:r>
+                      </m:sub>
+                    </m:sSub>
+                    <m:sSubSup>
+                      <m:sSubSupPr>
+                        <m:ctrlPr>
+                          <a:rPr lang="en-US" altLang="ko-KR" b="1" i="1">
+                            <a:latin typeface="Cambria Math" panose="02040503050406030204" pitchFamily="18" charset="0"/>
+                            <a:ea typeface="Cambria Math" panose="02040503050406030204" pitchFamily="18" charset="0"/>
+                          </a:rPr>
+                        </m:ctrlPr>
+                      </m:sSubSupPr>
+                      <m:e>
+                        <m:r>
+                          <a:rPr lang="en-US" altLang="ko-KR" b="1" i="1">
+                            <a:latin typeface="Cambria Math" panose="02040503050406030204" pitchFamily="18" charset="0"/>
+                            <a:ea typeface="Cambria Math" panose="02040503050406030204" pitchFamily="18" charset="0"/>
+                          </a:rPr>
+                          <m:t>𝑷</m:t>
+                        </m:r>
+                      </m:e>
+                      <m:sub>
+                        <m:r>
+                          <a:rPr lang="en-US" altLang="ko-KR" b="1" i="1">
+                            <a:latin typeface="Cambria Math" panose="02040503050406030204" pitchFamily="18" charset="0"/>
+                            <a:ea typeface="Cambria Math" panose="02040503050406030204" pitchFamily="18" charset="0"/>
+                          </a:rPr>
+                          <m:t>𝒌</m:t>
+                        </m:r>
+                      </m:sub>
+                      <m:sup>
+                        <m:r>
+                          <a:rPr lang="en-US" altLang="ko-KR" b="1" i="1">
+                            <a:latin typeface="Cambria Math" panose="02040503050406030204" pitchFamily="18" charset="0"/>
+                            <a:ea typeface="Cambria Math" panose="02040503050406030204" pitchFamily="18" charset="0"/>
+                          </a:rPr>
+                          <m:t>𝑻</m:t>
+                        </m:r>
+                      </m:sup>
+                    </m:sSubSup>
+                  </m:oMath>
+                </a14:m>
+                <a:r>
+                  <a:rPr lang="en-US" altLang="ko-KR" dirty="0"/>
+                  <a:t>. </a:t>
+                </a:r>
+              </a:p>
+              <a:p>
+                <a:r>
+                  <a:rPr lang="en-US" altLang="ko-KR" b="1" dirty="0"/>
+                  <a:t>3.</a:t>
+                </a:r>
+                <a:r>
+                  <a:rPr lang="en-US" altLang="ko-KR" dirty="0"/>
+                  <a:t> </a:t>
+                </a:r>
+                <a:r>
+                  <a:rPr lang="en-US" altLang="ko-KR" b="1" dirty="0"/>
+                  <a:t>Iterative step 2: </a:t>
+                </a:r>
+                <a:r>
+                  <a:rPr lang="en-US" altLang="ko-KR" dirty="0"/>
+                  <a:t>Readjust only the (originally) missing entries of </a:t>
+                </a:r>
+                <a14:m>
+                  <m:oMath xmlns:m="http://schemas.openxmlformats.org/officeDocument/2006/math">
+                    <m:sSub>
+                      <m:sSubPr>
+                        <m:ctrlPr>
+                          <a:rPr lang="en-US" altLang="ko-KR" b="1" i="1" dirty="0">
+                            <a:latin typeface="Cambria Math" panose="02040503050406030204" pitchFamily="18" charset="0"/>
+                          </a:rPr>
+                        </m:ctrlPr>
+                      </m:sSubPr>
+                      <m:e>
+                        <m:r>
+                          <a:rPr lang="en-US" altLang="ko-KR" b="1" i="1" dirty="0">
+                            <a:latin typeface="Cambria Math" panose="02040503050406030204" pitchFamily="18" charset="0"/>
+                          </a:rPr>
+                          <m:t>𝑹</m:t>
+                        </m:r>
+                      </m:e>
+                      <m:sub>
+                        <m:r>
+                          <a:rPr lang="en-US" altLang="ko-KR" b="1" i="1" dirty="0">
+                            <a:latin typeface="Cambria Math" panose="02040503050406030204" pitchFamily="18" charset="0"/>
+                          </a:rPr>
+                          <m:t>𝒇</m:t>
+                        </m:r>
+                      </m:sub>
+                    </m:sSub>
+                  </m:oMath>
+                </a14:m>
+                <a:r>
+                  <a:rPr lang="en-US" altLang="ko-KR" dirty="0"/>
+                  <a:t> to the corresponding values in </a:t>
+                </a:r>
+                <a14:m>
+                  <m:oMath xmlns:m="http://schemas.openxmlformats.org/officeDocument/2006/math">
+                    <m:sSub>
+                      <m:sSubPr>
+                        <m:ctrlPr>
+                          <a:rPr lang="en-US" altLang="ko-KR" b="1" i="1" smtClean="0">
+                            <a:latin typeface="Cambria Math" panose="02040503050406030204" pitchFamily="18" charset="0"/>
+                            <a:ea typeface="Cambria Math" panose="02040503050406030204" pitchFamily="18" charset="0"/>
+                          </a:rPr>
+                        </m:ctrlPr>
+                      </m:sSubPr>
+                      <m:e>
+                        <m:r>
+                          <a:rPr lang="en-US" altLang="ko-KR" b="1" i="1">
+                            <a:latin typeface="Cambria Math" panose="02040503050406030204" pitchFamily="18" charset="0"/>
+                            <a:ea typeface="Cambria Math" panose="02040503050406030204" pitchFamily="18" charset="0"/>
+                          </a:rPr>
+                          <m:t>𝑸</m:t>
+                        </m:r>
+                      </m:e>
+                      <m:sub>
+                        <m:r>
+                          <a:rPr lang="en-US" altLang="ko-KR" b="1" i="1">
+                            <a:latin typeface="Cambria Math" panose="02040503050406030204" pitchFamily="18" charset="0"/>
+                            <a:ea typeface="Cambria Math" panose="02040503050406030204" pitchFamily="18" charset="0"/>
+                          </a:rPr>
+                          <m:t>𝒌</m:t>
+                        </m:r>
+                      </m:sub>
+                    </m:sSub>
+                    <m:sSub>
+                      <m:sSubPr>
+                        <m:ctrlPr>
+                          <a:rPr lang="en-US" altLang="ko-KR" b="1" i="1">
+                            <a:latin typeface="Cambria Math" panose="02040503050406030204" pitchFamily="18" charset="0"/>
+                            <a:ea typeface="Cambria Math" panose="02040503050406030204" pitchFamily="18" charset="0"/>
+                          </a:rPr>
+                        </m:ctrlPr>
+                      </m:sSubPr>
+                      <m:e>
+                        <m:r>
+                          <a:rPr lang="el-GR" altLang="ko-KR" b="1" i="1">
+                            <a:latin typeface="Cambria Math" panose="02040503050406030204" pitchFamily="18" charset="0"/>
+                            <a:ea typeface="Cambria Math" panose="02040503050406030204" pitchFamily="18" charset="0"/>
+                          </a:rPr>
+                          <m:t>𝜮</m:t>
+                        </m:r>
+                      </m:e>
+                      <m:sub>
+                        <m:r>
+                          <a:rPr lang="en-US" altLang="ko-KR" b="1" i="1">
+                            <a:latin typeface="Cambria Math" panose="02040503050406030204" pitchFamily="18" charset="0"/>
+                            <a:ea typeface="Cambria Math" panose="02040503050406030204" pitchFamily="18" charset="0"/>
+                          </a:rPr>
+                          <m:t>𝒌</m:t>
+                        </m:r>
+                      </m:sub>
+                    </m:sSub>
+                    <m:sSubSup>
+                      <m:sSubSupPr>
+                        <m:ctrlPr>
+                          <a:rPr lang="en-US" altLang="ko-KR" b="1" i="1">
+                            <a:latin typeface="Cambria Math" panose="02040503050406030204" pitchFamily="18" charset="0"/>
+                            <a:ea typeface="Cambria Math" panose="02040503050406030204" pitchFamily="18" charset="0"/>
+                          </a:rPr>
+                        </m:ctrlPr>
+                      </m:sSubSupPr>
+                      <m:e>
+                        <m:r>
+                          <a:rPr lang="en-US" altLang="ko-KR" b="1" i="1">
+                            <a:latin typeface="Cambria Math" panose="02040503050406030204" pitchFamily="18" charset="0"/>
+                            <a:ea typeface="Cambria Math" panose="02040503050406030204" pitchFamily="18" charset="0"/>
+                          </a:rPr>
+                          <m:t>𝑷</m:t>
+                        </m:r>
+                      </m:e>
+                      <m:sub>
+                        <m:r>
+                          <a:rPr lang="en-US" altLang="ko-KR" b="1" i="1">
+                            <a:latin typeface="Cambria Math" panose="02040503050406030204" pitchFamily="18" charset="0"/>
+                            <a:ea typeface="Cambria Math" panose="02040503050406030204" pitchFamily="18" charset="0"/>
+                          </a:rPr>
+                          <m:t>𝒌</m:t>
+                        </m:r>
+                      </m:sub>
+                      <m:sup>
+                        <m:r>
+                          <a:rPr lang="en-US" altLang="ko-KR" b="1" i="1">
+                            <a:latin typeface="Cambria Math" panose="02040503050406030204" pitchFamily="18" charset="0"/>
+                            <a:ea typeface="Cambria Math" panose="02040503050406030204" pitchFamily="18" charset="0"/>
+                          </a:rPr>
+                          <m:t>𝑻</m:t>
+                        </m:r>
+                      </m:sup>
+                    </m:sSubSup>
+                  </m:oMath>
+                </a14:m>
+                <a:r>
+                  <a:rPr lang="en-US" altLang="ko-KR" dirty="0"/>
+                  <a:t>. Go to iterative step 1.</a:t>
+                </a:r>
+              </a:p>
+              <a:p>
+                <a:endParaRPr lang="en-US" altLang="ko-KR" b="1" dirty="0"/>
+              </a:p>
+              <a:p>
+                <a:pPr marL="0" indent="0">
+                  <a:buNone/>
+                </a:pPr>
+                <a:r>
+                  <a:rPr lang="en-US" altLang="ko-KR" b="1" dirty="0"/>
+                  <a:t>Example is available in Ch.3.6.5.4</a:t>
+                </a:r>
+              </a:p>
+            </p:txBody>
+          </p:sp>
+        </mc:Choice>
+        <mc:Fallback xmlns="">
+          <p:sp>
+            <p:nvSpPr>
+              <p:cNvPr id="3" name="내용 개체 틀 2">
+                <a:extLst>
+                  <a:ext uri="{FF2B5EF4-FFF2-40B4-BE49-F238E27FC236}">
+                    <a16:creationId xmlns:a16="http://schemas.microsoft.com/office/drawing/2014/main" id="{1725D5B2-2C6C-3B43-B4F2-CA91BE12BB41}"/>
+                  </a:ext>
+                </a:extLst>
+              </p:cNvPr>
+              <p:cNvSpPr>
+                <a:spLocks noGrp="1" noRot="1" noChangeAspect="1" noMove="1" noResize="1" noEditPoints="1" noAdjustHandles="1" noChangeArrowheads="1" noChangeShapeType="1" noTextEdit="1"/>
+              </p:cNvSpPr>
+              <p:nvPr>
+                <p:ph idx="1"/>
+              </p:nvPr>
+            </p:nvSpPr>
+            <p:spPr>
+              <a:xfrm>
+                <a:off x="838200" y="1681227"/>
+                <a:ext cx="10515600" cy="4351338"/>
+              </a:xfrm>
+              <a:blipFill>
+                <a:blip r:embed="rId3"/>
+                <a:stretch>
+                  <a:fillRect l="-638"/>
+                </a:stretch>
+              </a:blipFill>
+            </p:spPr>
+            <p:txBody>
+              <a:bodyPr/>
+              <a:lstStyle/>
+              <a:p>
+                <a:r>
+                  <a:rPr lang="ko-KR" altLang="en-US">
+                    <a:noFill/>
+                  </a:rPr>
+                  <a:t> </a:t>
+                </a:r>
+              </a:p>
+            </p:txBody>
+          </p:sp>
+        </mc:Fallback>
+      </mc:AlternateContent>
     </p:spTree>
     <p:extLst>
       <p:ext uri="{BB962C8B-B14F-4D97-AF65-F5344CB8AC3E}">
-        <p14:creationId xmlns:p14="http://schemas.microsoft.com/office/powerpoint/2010/main" val="1045860739"/>
+        <p14:creationId xmlns:p14="http://schemas.microsoft.com/office/powerpoint/2010/main" val="3304693499"/>
       </p:ext>
     </p:extLst>
   </p:cSld>
